--- a/staff.pptx
+++ b/staff.pptx
@@ -2309,6 +2309,13 @@
         </dgm:presLayoutVars>
       </dgm:prSet>
       <dgm:spPr/>
+      <dgm:t>
+        <a:bodyPr/>
+        <a:lstStyle/>
+        <a:p>
+          <a:endParaRPr lang="fr-FR"/>
+        </a:p>
+      </dgm:t>
     </dgm:pt>
     <dgm:pt modelId="{7FF1AA35-B4AF-4BC9-A7EE-814AF39690A8}" type="pres">
       <dgm:prSet presAssocID="{A23ACA17-C756-417A-A45B-306F02036744}" presName="hierFlow" presStyleCnt="0"/>
@@ -2350,6 +2357,13 @@
     <dgm:pt modelId="{6CCF0707-7F16-45A4-AC74-7D47BC252257}" type="pres">
       <dgm:prSet presAssocID="{DEEF1367-F154-416E-ABB5-E7E01E6E1B0E}" presName="Name19" presStyleLbl="parChTrans1D2" presStyleIdx="0" presStyleCnt="5"/>
       <dgm:spPr/>
+      <dgm:t>
+        <a:bodyPr/>
+        <a:lstStyle/>
+        <a:p>
+          <a:endParaRPr lang="fr-FR"/>
+        </a:p>
+      </dgm:t>
     </dgm:pt>
     <dgm:pt modelId="{5473F469-47F8-4256-9A6C-91A5CE189074}" type="pres">
       <dgm:prSet presAssocID="{F7E74B25-E0F5-427A-9125-2C590B9BAEBD}" presName="Name21" presStyleCnt="0"/>
@@ -2373,6 +2387,13 @@
     <dgm:pt modelId="{18EF334D-D902-472C-BC66-EBE372FAE3A7}" type="pres">
       <dgm:prSet presAssocID="{E06E9A06-C93D-4C1B-8B57-70337E53B3D6}" presName="Name19" presStyleLbl="parChTrans1D2" presStyleIdx="1" presStyleCnt="5"/>
       <dgm:spPr/>
+      <dgm:t>
+        <a:bodyPr/>
+        <a:lstStyle/>
+        <a:p>
+          <a:endParaRPr lang="fr-FR"/>
+        </a:p>
+      </dgm:t>
     </dgm:pt>
     <dgm:pt modelId="{88697017-92CF-4DCF-A5EE-12AD53E7A158}" type="pres">
       <dgm:prSet presAssocID="{D13201FD-0B49-4B5B-96E6-65290C151DBA}" presName="Name21" presStyleCnt="0"/>
@@ -2381,6 +2402,13 @@
     <dgm:pt modelId="{340A0FA6-8A5A-43D4-9538-7AC298B2A97A}" type="pres">
       <dgm:prSet presAssocID="{D13201FD-0B49-4B5B-96E6-65290C151DBA}" presName="level2Shape" presStyleLbl="asst1" presStyleIdx="1" presStyleCnt="12"/>
       <dgm:spPr/>
+      <dgm:t>
+        <a:bodyPr/>
+        <a:lstStyle/>
+        <a:p>
+          <a:endParaRPr lang="fr-FR"/>
+        </a:p>
+      </dgm:t>
     </dgm:pt>
     <dgm:pt modelId="{2A00A49D-29DD-4B4B-BA27-74D5DFC2F453}" type="pres">
       <dgm:prSet presAssocID="{D13201FD-0B49-4B5B-96E6-65290C151DBA}" presName="hierChild3" presStyleCnt="0"/>
@@ -2389,6 +2417,13 @@
     <dgm:pt modelId="{EDD9B72F-83C4-4D55-91F4-D0BAC6DA5AB7}" type="pres">
       <dgm:prSet presAssocID="{897D89F2-90B2-4947-9CEB-DEB913600F10}" presName="Name19" presStyleLbl="parChTrans1D2" presStyleIdx="2" presStyleCnt="5"/>
       <dgm:spPr/>
+      <dgm:t>
+        <a:bodyPr/>
+        <a:lstStyle/>
+        <a:p>
+          <a:endParaRPr lang="fr-FR"/>
+        </a:p>
+      </dgm:t>
     </dgm:pt>
     <dgm:pt modelId="{6D535551-C420-4802-8269-0804850C7DEC}" type="pres">
       <dgm:prSet presAssocID="{CDF60439-2B11-4B7E-8133-377B477EE2E0}" presName="Name21" presStyleCnt="0"/>
@@ -2397,6 +2432,13 @@
     <dgm:pt modelId="{66B4FF20-F32A-4BA0-AB55-A9994D854190}" type="pres">
       <dgm:prSet presAssocID="{CDF60439-2B11-4B7E-8133-377B477EE2E0}" presName="level2Shape" presStyleLbl="asst1" presStyleIdx="2" presStyleCnt="12"/>
       <dgm:spPr/>
+      <dgm:t>
+        <a:bodyPr/>
+        <a:lstStyle/>
+        <a:p>
+          <a:endParaRPr lang="fr-FR"/>
+        </a:p>
+      </dgm:t>
     </dgm:pt>
     <dgm:pt modelId="{BB517734-4249-426B-A81D-6D648D7E3C1F}" type="pres">
       <dgm:prSet presAssocID="{CDF60439-2B11-4B7E-8133-377B477EE2E0}" presName="hierChild3" presStyleCnt="0"/>
@@ -2405,6 +2447,13 @@
     <dgm:pt modelId="{ADCEFC3C-5C97-4D0A-8174-D203C3A46D2F}" type="pres">
       <dgm:prSet presAssocID="{D5694BE8-0527-4220-B621-79627503611D}" presName="Name19" presStyleLbl="parChTrans1D3" presStyleIdx="0" presStyleCnt="3"/>
       <dgm:spPr/>
+      <dgm:t>
+        <a:bodyPr/>
+        <a:lstStyle/>
+        <a:p>
+          <a:endParaRPr lang="fr-FR"/>
+        </a:p>
+      </dgm:t>
     </dgm:pt>
     <dgm:pt modelId="{3E0EFEB4-784D-4668-83C0-31EB9E807FF3}" type="pres">
       <dgm:prSet presAssocID="{54738F72-D933-4179-8317-37B4CF5575FA}" presName="Name21" presStyleCnt="0"/>
@@ -2428,6 +2477,13 @@
     <dgm:pt modelId="{20209026-88F2-4A47-A1AE-9A34EC00DFAB}" type="pres">
       <dgm:prSet presAssocID="{FCF06746-94AC-4E80-A4C2-7EAEE55B22DB}" presName="Name19" presStyleLbl="parChTrans1D4" presStyleIdx="0" presStyleCnt="4"/>
       <dgm:spPr/>
+      <dgm:t>
+        <a:bodyPr/>
+        <a:lstStyle/>
+        <a:p>
+          <a:endParaRPr lang="fr-FR"/>
+        </a:p>
+      </dgm:t>
     </dgm:pt>
     <dgm:pt modelId="{6B8B5ED7-A204-4DDE-BB2F-84C12AFA3070}" type="pres">
       <dgm:prSet presAssocID="{840A8615-ECB1-4801-9CBF-16BF125F5CE2}" presName="Name21" presStyleCnt="0"/>
@@ -2451,6 +2507,13 @@
     <dgm:pt modelId="{695AD0BA-874D-4988-8127-856EAF2A624B}" type="pres">
       <dgm:prSet presAssocID="{77D8A37D-2C6A-4B76-A9D9-374A7E1058B4}" presName="Name19" presStyleLbl="parChTrans1D4" presStyleIdx="1" presStyleCnt="4"/>
       <dgm:spPr/>
+      <dgm:t>
+        <a:bodyPr/>
+        <a:lstStyle/>
+        <a:p>
+          <a:endParaRPr lang="fr-FR"/>
+        </a:p>
+      </dgm:t>
     </dgm:pt>
     <dgm:pt modelId="{D504B9C4-07ED-4724-A0D4-2A853F4056C0}" type="pres">
       <dgm:prSet presAssocID="{EE9EC86A-C82B-46B2-B696-2791951C08E1}" presName="Name21" presStyleCnt="0"/>
@@ -2459,6 +2522,13 @@
     <dgm:pt modelId="{352F72AD-BDD4-4DC5-9CFD-8A1CC8E8C89E}" type="pres">
       <dgm:prSet presAssocID="{EE9EC86A-C82B-46B2-B696-2791951C08E1}" presName="level2Shape" presStyleLbl="asst1" presStyleIdx="5" presStyleCnt="12"/>
       <dgm:spPr/>
+      <dgm:t>
+        <a:bodyPr/>
+        <a:lstStyle/>
+        <a:p>
+          <a:endParaRPr lang="fr-FR"/>
+        </a:p>
+      </dgm:t>
     </dgm:pt>
     <dgm:pt modelId="{0A872C1E-705B-4028-89ED-9AB2F779792E}" type="pres">
       <dgm:prSet presAssocID="{EE9EC86A-C82B-46B2-B696-2791951C08E1}" presName="hierChild3" presStyleCnt="0"/>
@@ -2467,6 +2537,13 @@
     <dgm:pt modelId="{8E659C4C-71F6-4A19-94FC-3200745283D1}" type="pres">
       <dgm:prSet presAssocID="{EE6AC47F-42D7-47A3-A1C4-C0F625629E69}" presName="Name19" presStyleLbl="parChTrans1D4" presStyleIdx="2" presStyleCnt="4"/>
       <dgm:spPr/>
+      <dgm:t>
+        <a:bodyPr/>
+        <a:lstStyle/>
+        <a:p>
+          <a:endParaRPr lang="fr-FR"/>
+        </a:p>
+      </dgm:t>
     </dgm:pt>
     <dgm:pt modelId="{82203C20-D6F8-437A-807A-FCCDD472A36B}" type="pres">
       <dgm:prSet presAssocID="{735A300D-89E5-4E1B-B7A8-E5EDDE0C6DA1}" presName="Name21" presStyleCnt="0"/>
@@ -2475,6 +2552,13 @@
     <dgm:pt modelId="{F8DB0E9D-6B42-45B1-AEE7-C14962C516E2}" type="pres">
       <dgm:prSet presAssocID="{735A300D-89E5-4E1B-B7A8-E5EDDE0C6DA1}" presName="level2Shape" presStyleLbl="asst1" presStyleIdx="6" presStyleCnt="12"/>
       <dgm:spPr/>
+      <dgm:t>
+        <a:bodyPr/>
+        <a:lstStyle/>
+        <a:p>
+          <a:endParaRPr lang="fr-FR"/>
+        </a:p>
+      </dgm:t>
     </dgm:pt>
     <dgm:pt modelId="{23B01CE3-E52A-45B6-A85B-F9D6760B8C11}" type="pres">
       <dgm:prSet presAssocID="{735A300D-89E5-4E1B-B7A8-E5EDDE0C6DA1}" presName="hierChild3" presStyleCnt="0"/>
@@ -2483,6 +2567,13 @@
     <dgm:pt modelId="{41BB96CC-0061-4D9C-B31A-A014CFA2F570}" type="pres">
       <dgm:prSet presAssocID="{9B57149A-F4C5-4DEC-B6E3-84CB0986EC86}" presName="Name19" presStyleLbl="parChTrans1D4" presStyleIdx="3" presStyleCnt="4"/>
       <dgm:spPr/>
+      <dgm:t>
+        <a:bodyPr/>
+        <a:lstStyle/>
+        <a:p>
+          <a:endParaRPr lang="fr-FR"/>
+        </a:p>
+      </dgm:t>
     </dgm:pt>
     <dgm:pt modelId="{32CE9776-536D-4628-95F5-4F6FC580799F}" type="pres">
       <dgm:prSet presAssocID="{53D5AA2B-E13A-497F-BCD5-BC721958AD2E}" presName="Name21" presStyleCnt="0"/>
@@ -2506,6 +2597,13 @@
     <dgm:pt modelId="{92C437D8-C199-4AAC-9CDA-39C760DB8771}" type="pres">
       <dgm:prSet presAssocID="{EDF9E60D-7DC2-4640-A9DF-36AEAA7B8DB2}" presName="Name19" presStyleLbl="parChTrans1D3" presStyleIdx="1" presStyleCnt="3"/>
       <dgm:spPr/>
+      <dgm:t>
+        <a:bodyPr/>
+        <a:lstStyle/>
+        <a:p>
+          <a:endParaRPr lang="fr-FR"/>
+        </a:p>
+      </dgm:t>
     </dgm:pt>
     <dgm:pt modelId="{D5D2D037-CD1F-4131-85FF-E6BA35C322AE}" type="pres">
       <dgm:prSet presAssocID="{11179F8F-E16C-45F0-A928-485F9A4C398A}" presName="Name21" presStyleCnt="0"/>
@@ -2529,6 +2627,13 @@
     <dgm:pt modelId="{B661105B-A5C1-4CA2-8BD0-A312308A3339}" type="pres">
       <dgm:prSet presAssocID="{ACAF9835-982D-403C-AD48-55EA1E815D9B}" presName="Name19" presStyleLbl="parChTrans1D2" presStyleIdx="3" presStyleCnt="5"/>
       <dgm:spPr/>
+      <dgm:t>
+        <a:bodyPr/>
+        <a:lstStyle/>
+        <a:p>
+          <a:endParaRPr lang="fr-FR"/>
+        </a:p>
+      </dgm:t>
     </dgm:pt>
     <dgm:pt modelId="{437EA882-C278-4281-A4F0-9331053D3EE1}" type="pres">
       <dgm:prSet presAssocID="{96A75C78-1D2F-4411-B262-022E9781DDD5}" presName="Name21" presStyleCnt="0"/>
@@ -2552,6 +2657,13 @@
     <dgm:pt modelId="{98315D1F-C9BD-4B21-B434-E44520176B7B}" type="pres">
       <dgm:prSet presAssocID="{669A36FE-62D0-4DDC-AFB3-6282EBE42B89}" presName="Name19" presStyleLbl="parChTrans1D2" presStyleIdx="4" presStyleCnt="5"/>
       <dgm:spPr/>
+      <dgm:t>
+        <a:bodyPr/>
+        <a:lstStyle/>
+        <a:p>
+          <a:endParaRPr lang="fr-FR"/>
+        </a:p>
+      </dgm:t>
     </dgm:pt>
     <dgm:pt modelId="{7C7F846F-147E-429F-93D3-EA2C68F47CB8}" type="pres">
       <dgm:prSet presAssocID="{F865C231-56B2-4FA3-9D01-9CB2F9C357CB}" presName="Name21" presStyleCnt="0"/>
@@ -2575,6 +2687,13 @@
     <dgm:pt modelId="{4FA447FE-E7D7-4A81-B7F1-066A2FA37948}" type="pres">
       <dgm:prSet presAssocID="{95B11482-57E3-4705-944B-01678C690A5A}" presName="Name19" presStyleLbl="parChTrans1D3" presStyleIdx="2" presStyleCnt="3"/>
       <dgm:spPr/>
+      <dgm:t>
+        <a:bodyPr/>
+        <a:lstStyle/>
+        <a:p>
+          <a:endParaRPr lang="fr-FR"/>
+        </a:p>
+      </dgm:t>
     </dgm:pt>
     <dgm:pt modelId="{8E736673-90CA-4084-86F9-2483D614C54E}" type="pres">
       <dgm:prSet presAssocID="{2FD90738-DBBA-480D-99A5-73DD3585695C}" presName="Name21" presStyleCnt="0"/>
@@ -2602,44 +2721,44 @@
   </dgm:ptLst>
   <dgm:cxnLst>
     <dgm:cxn modelId="{CF7AAA66-1F40-4CEC-B780-1C2F01686CF6}" type="presOf" srcId="{840A8615-ECB1-4801-9CBF-16BF125F5CE2}" destId="{FCA9A95D-35A0-456D-87C1-12496E60D49C}" srcOrd="0" destOrd="0" presId="urn:microsoft.com/office/officeart/2005/8/layout/hierarchy6"/>
+    <dgm:cxn modelId="{36566C4C-BBC6-4132-9444-E6CCA8B9462A}" type="presOf" srcId="{54738F72-D933-4179-8317-37B4CF5575FA}" destId="{C97FC2D6-D065-4EC8-8B83-1A808BC4A514}" srcOrd="0" destOrd="0" presId="urn:microsoft.com/office/officeart/2005/8/layout/hierarchy6"/>
+    <dgm:cxn modelId="{B5C5981F-2E9D-4B38-A58E-FCD7FFF975E8}" type="presOf" srcId="{CDF60439-2B11-4B7E-8133-377B477EE2E0}" destId="{66B4FF20-F32A-4BA0-AB55-A9994D854190}" srcOrd="0" destOrd="0" presId="urn:microsoft.com/office/officeart/2005/8/layout/hierarchy6"/>
+    <dgm:cxn modelId="{403D591C-B34D-4E08-BACC-5FF6969835F9}" type="presOf" srcId="{897D89F2-90B2-4947-9CEB-DEB913600F10}" destId="{EDD9B72F-83C4-4D55-91F4-D0BAC6DA5AB7}" srcOrd="0" destOrd="0" presId="urn:microsoft.com/office/officeart/2005/8/layout/hierarchy6"/>
+    <dgm:cxn modelId="{3E89E228-9773-4D68-AA6B-733CF2978733}" type="presOf" srcId="{735A300D-89E5-4E1B-B7A8-E5EDDE0C6DA1}" destId="{F8DB0E9D-6B42-45B1-AEE7-C14962C516E2}" srcOrd="0" destOrd="0" presId="urn:microsoft.com/office/officeart/2005/8/layout/hierarchy6"/>
+    <dgm:cxn modelId="{2B58C885-F56C-49BA-95D5-29875CC42622}" type="presOf" srcId="{E06E9A06-C93D-4C1B-8B57-70337E53B3D6}" destId="{18EF334D-D902-472C-BC66-EBE372FAE3A7}" srcOrd="0" destOrd="0" presId="urn:microsoft.com/office/officeart/2005/8/layout/hierarchy6"/>
     <dgm:cxn modelId="{2C3755D7-EAED-441C-950D-FB5A9F753B16}" srcId="{F9F107EB-77EC-4B51-A109-7F2FBD0A9580}" destId="{F865C231-56B2-4FA3-9D01-9CB2F9C357CB}" srcOrd="4" destOrd="0" parTransId="{669A36FE-62D0-4DDC-AFB3-6282EBE42B89}" sibTransId="{239059F1-4DF2-4287-A325-4F85DDEFC6D8}"/>
-    <dgm:cxn modelId="{2B58C885-F56C-49BA-95D5-29875CC42622}" type="presOf" srcId="{E06E9A06-C93D-4C1B-8B57-70337E53B3D6}" destId="{18EF334D-D902-472C-BC66-EBE372FAE3A7}" srcOrd="0" destOrd="0" presId="urn:microsoft.com/office/officeart/2005/8/layout/hierarchy6"/>
-    <dgm:cxn modelId="{0A1F16DC-AF65-4CDD-A28F-1745F5D3CB99}" type="presOf" srcId="{A23ACA17-C756-417A-A45B-306F02036744}" destId="{BA872154-1B5D-45FA-B7CD-4AF6EB3E6F8B}" srcOrd="0" destOrd="0" presId="urn:microsoft.com/office/officeart/2005/8/layout/hierarchy6"/>
+    <dgm:cxn modelId="{ECEB47E2-64BB-4AF3-B7EA-B7FE769223B7}" type="presOf" srcId="{EDF9E60D-7DC2-4640-A9DF-36AEAA7B8DB2}" destId="{92C437D8-C199-4AAC-9CDA-39C760DB8771}" srcOrd="0" destOrd="0" presId="urn:microsoft.com/office/officeart/2005/8/layout/hierarchy6"/>
+    <dgm:cxn modelId="{32956831-4A90-4A44-9B41-09E904A21F14}" srcId="{F9F107EB-77EC-4B51-A109-7F2FBD0A9580}" destId="{CDF60439-2B11-4B7E-8133-377B477EE2E0}" srcOrd="2" destOrd="0" parTransId="{897D89F2-90B2-4947-9CEB-DEB913600F10}" sibTransId="{47DB5AD6-D003-49A9-B812-F31497BA222D}"/>
+    <dgm:cxn modelId="{792E1779-0225-40CF-A012-58107D94DDD4}" type="presOf" srcId="{9B57149A-F4C5-4DEC-B6E3-84CB0986EC86}" destId="{41BB96CC-0061-4D9C-B31A-A014CFA2F570}" srcOrd="0" destOrd="0" presId="urn:microsoft.com/office/officeart/2005/8/layout/hierarchy6"/>
+    <dgm:cxn modelId="{E31153E2-6878-428C-8CC7-C5A90A8BE565}" type="presOf" srcId="{96A75C78-1D2F-4411-B262-022E9781DDD5}" destId="{B7523743-5636-4F9C-B051-F02D86643CFB}" srcOrd="0" destOrd="0" presId="urn:microsoft.com/office/officeart/2005/8/layout/hierarchy6"/>
+    <dgm:cxn modelId="{3C54244A-7A90-4240-A462-E29F9DDD2B92}" type="presOf" srcId="{DEEF1367-F154-416E-ABB5-E7E01E6E1B0E}" destId="{6CCF0707-7F16-45A4-AC74-7D47BC252257}" srcOrd="0" destOrd="0" presId="urn:microsoft.com/office/officeart/2005/8/layout/hierarchy6"/>
+    <dgm:cxn modelId="{49FFBD84-A25E-44EE-97D1-29B2121A073B}" srcId="{A23ACA17-C756-417A-A45B-306F02036744}" destId="{F9F107EB-77EC-4B51-A109-7F2FBD0A9580}" srcOrd="0" destOrd="0" parTransId="{9963C55C-8D85-4D27-871A-447F192C19F9}" sibTransId="{7339DA6C-09D5-4E08-A3B5-388959919974}"/>
+    <dgm:cxn modelId="{313767E0-76D1-4331-A9A4-D68274349EF7}" srcId="{CDF60439-2B11-4B7E-8133-377B477EE2E0}" destId="{11179F8F-E16C-45F0-A928-485F9A4C398A}" srcOrd="1" destOrd="0" parTransId="{EDF9E60D-7DC2-4640-A9DF-36AEAA7B8DB2}" sibTransId="{9DCD475F-A845-43B0-8098-CB2B992808A8}"/>
+    <dgm:cxn modelId="{7E18C542-2521-45A0-9E02-ECADE1EEE284}" type="presOf" srcId="{77D8A37D-2C6A-4B76-A9D9-374A7E1058B4}" destId="{695AD0BA-874D-4988-8127-856EAF2A624B}" srcOrd="0" destOrd="0" presId="urn:microsoft.com/office/officeart/2005/8/layout/hierarchy6"/>
     <dgm:cxn modelId="{61CD1BF9-93DE-436F-A0F9-EB0848C03A05}" srcId="{54738F72-D933-4179-8317-37B4CF5575FA}" destId="{735A300D-89E5-4E1B-B7A8-E5EDDE0C6DA1}" srcOrd="2" destOrd="0" parTransId="{EE6AC47F-42D7-47A3-A1C4-C0F625629E69}" sibTransId="{E4851F7E-D5BE-4FA4-B3AE-8F2105C13905}"/>
-    <dgm:cxn modelId="{9E8EE7F3-4333-4731-9ED0-693559FB3098}" srcId="{54738F72-D933-4179-8317-37B4CF5575FA}" destId="{840A8615-ECB1-4801-9CBF-16BF125F5CE2}" srcOrd="0" destOrd="0" parTransId="{FCF06746-94AC-4E80-A4C2-7EAEE55B22DB}" sibTransId="{1A43D5C2-FAE0-4723-A9E8-1A9CD2EE23F4}"/>
-    <dgm:cxn modelId="{641643C5-03C1-4AA0-AE9B-1FF8D1C7B3AA}" srcId="{F9F107EB-77EC-4B51-A109-7F2FBD0A9580}" destId="{96A75C78-1D2F-4411-B262-022E9781DDD5}" srcOrd="3" destOrd="0" parTransId="{ACAF9835-982D-403C-AD48-55EA1E815D9B}" sibTransId="{A6620D2C-D113-4962-84F3-7A497F47C1E4}"/>
+    <dgm:cxn modelId="{E31F4854-7A8B-4B4C-8FED-F081EE2DC4E7}" type="presOf" srcId="{669A36FE-62D0-4DDC-AFB3-6282EBE42B89}" destId="{98315D1F-C9BD-4B21-B434-E44520176B7B}" srcOrd="0" destOrd="0" presId="urn:microsoft.com/office/officeart/2005/8/layout/hierarchy6"/>
+    <dgm:cxn modelId="{9C6F0317-2C45-49AD-AD2E-F3F57C6A7C4E}" srcId="{F865C231-56B2-4FA3-9D01-9CB2F9C357CB}" destId="{2FD90738-DBBA-480D-99A5-73DD3585695C}" srcOrd="0" destOrd="0" parTransId="{95B11482-57E3-4705-944B-01678C690A5A}" sibTransId="{0AA6768E-D06B-4203-B7C9-3452C873FBE0}"/>
     <dgm:cxn modelId="{75813273-6455-42B0-96AB-0941C2EDE358}" type="presOf" srcId="{D5694BE8-0527-4220-B621-79627503611D}" destId="{ADCEFC3C-5C97-4D0A-8174-D203C3A46D2F}" srcOrd="0" destOrd="0" presId="urn:microsoft.com/office/officeart/2005/8/layout/hierarchy6"/>
-    <dgm:cxn modelId="{7E18C542-2521-45A0-9E02-ECADE1EEE284}" type="presOf" srcId="{77D8A37D-2C6A-4B76-A9D9-374A7E1058B4}" destId="{695AD0BA-874D-4988-8127-856EAF2A624B}" srcOrd="0" destOrd="0" presId="urn:microsoft.com/office/officeart/2005/8/layout/hierarchy6"/>
+    <dgm:cxn modelId="{2489834C-B779-4DFD-8A6B-4B657254267D}" srcId="{54738F72-D933-4179-8317-37B4CF5575FA}" destId="{53D5AA2B-E13A-497F-BCD5-BC721958AD2E}" srcOrd="3" destOrd="0" parTransId="{9B57149A-F4C5-4DEC-B6E3-84CB0986EC86}" sibTransId="{CDB62158-F9DB-4AC1-846A-95CD2C28C087}"/>
+    <dgm:cxn modelId="{0D1FFA68-5295-496E-BAA5-B1486B450068}" type="presOf" srcId="{53D5AA2B-E13A-497F-BCD5-BC721958AD2E}" destId="{4119DB78-C210-485E-ADE3-FFC9B250217E}" srcOrd="0" destOrd="0" presId="urn:microsoft.com/office/officeart/2005/8/layout/hierarchy6"/>
+    <dgm:cxn modelId="{6D675BCE-E502-4F84-A578-64C0B817064A}" type="presOf" srcId="{EE6AC47F-42D7-47A3-A1C4-C0F625629E69}" destId="{8E659C4C-71F6-4A19-94FC-3200745283D1}" srcOrd="0" destOrd="0" presId="urn:microsoft.com/office/officeart/2005/8/layout/hierarchy6"/>
+    <dgm:cxn modelId="{95ACFCBD-75DD-46BB-8F3F-67DED39680FE}" srcId="{F9F107EB-77EC-4B51-A109-7F2FBD0A9580}" destId="{D13201FD-0B49-4B5B-96E6-65290C151DBA}" srcOrd="1" destOrd="0" parTransId="{E06E9A06-C93D-4C1B-8B57-70337E53B3D6}" sibTransId="{34B431B6-329B-4E6C-9BC2-A62F418F09FC}"/>
+    <dgm:cxn modelId="{405B62A5-AEB7-41FC-B726-676E91F574CA}" type="presOf" srcId="{EE9EC86A-C82B-46B2-B696-2791951C08E1}" destId="{352F72AD-BDD4-4DC5-9CFD-8A1CC8E8C89E}" srcOrd="0" destOrd="0" presId="urn:microsoft.com/office/officeart/2005/8/layout/hierarchy6"/>
+    <dgm:cxn modelId="{7F223C20-0AC3-4BEA-B627-F0FDBECE29E2}" type="presOf" srcId="{ACAF9835-982D-403C-AD48-55EA1E815D9B}" destId="{B661105B-A5C1-4CA2-8BD0-A312308A3339}" srcOrd="0" destOrd="0" presId="urn:microsoft.com/office/officeart/2005/8/layout/hierarchy6"/>
+    <dgm:cxn modelId="{3DC7E0CA-2D9A-401F-B70F-57797C8D5EE6}" type="presOf" srcId="{11179F8F-E16C-45F0-A928-485F9A4C398A}" destId="{3B19207F-CB21-416F-BA31-6F60F2383D54}" srcOrd="0" destOrd="0" presId="urn:microsoft.com/office/officeart/2005/8/layout/hierarchy6"/>
+    <dgm:cxn modelId="{0E90FCD5-9C5F-4642-A72E-0FB5717720AE}" type="presOf" srcId="{FCF06746-94AC-4E80-A4C2-7EAEE55B22DB}" destId="{20209026-88F2-4A47-A1AE-9A34EC00DFAB}" srcOrd="0" destOrd="0" presId="urn:microsoft.com/office/officeart/2005/8/layout/hierarchy6"/>
+    <dgm:cxn modelId="{27FBE840-5162-4735-8CD2-C5A2140796A4}" type="presOf" srcId="{F9F107EB-77EC-4B51-A109-7F2FBD0A9580}" destId="{54BC1FC1-8EB8-441C-AB39-4B93F2D8B7C7}" srcOrd="0" destOrd="0" presId="urn:microsoft.com/office/officeart/2005/8/layout/hierarchy6"/>
+    <dgm:cxn modelId="{9B67FC69-5736-45C3-B52C-606DE7E9A8E6}" type="presOf" srcId="{F7E74B25-E0F5-427A-9125-2C590B9BAEBD}" destId="{3825979E-DFC9-4651-A6EF-4C132DEB995A}" srcOrd="0" destOrd="0" presId="urn:microsoft.com/office/officeart/2005/8/layout/hierarchy6"/>
+    <dgm:cxn modelId="{B4A3C944-8B53-4E9B-847A-C43DEC189546}" type="presOf" srcId="{F865C231-56B2-4FA3-9D01-9CB2F9C357CB}" destId="{16076B59-7928-4D73-B9D7-0E25D2CB34A1}" srcOrd="0" destOrd="0" presId="urn:microsoft.com/office/officeart/2005/8/layout/hierarchy6"/>
     <dgm:cxn modelId="{049E70FE-956F-4016-8C1B-234BFF9B1160}" srcId="{CDF60439-2B11-4B7E-8133-377B477EE2E0}" destId="{54738F72-D933-4179-8317-37B4CF5575FA}" srcOrd="0" destOrd="0" parTransId="{D5694BE8-0527-4220-B621-79627503611D}" sibTransId="{E34894D9-0DD9-4578-8EF3-B0B89A85611C}"/>
     <dgm:cxn modelId="{DB510028-C1D9-426D-A1C9-99976855E861}" srcId="{F9F107EB-77EC-4B51-A109-7F2FBD0A9580}" destId="{F7E74B25-E0F5-427A-9125-2C590B9BAEBD}" srcOrd="0" destOrd="0" parTransId="{DEEF1367-F154-416E-ABB5-E7E01E6E1B0E}" sibTransId="{5B0BCE67-3CC9-4C37-9A2C-87B2B62DDD25}"/>
-    <dgm:cxn modelId="{403D591C-B34D-4E08-BACC-5FF6969835F9}" type="presOf" srcId="{897D89F2-90B2-4947-9CEB-DEB913600F10}" destId="{EDD9B72F-83C4-4D55-91F4-D0BAC6DA5AB7}" srcOrd="0" destOrd="0" presId="urn:microsoft.com/office/officeart/2005/8/layout/hierarchy6"/>
-    <dgm:cxn modelId="{313767E0-76D1-4331-A9A4-D68274349EF7}" srcId="{CDF60439-2B11-4B7E-8133-377B477EE2E0}" destId="{11179F8F-E16C-45F0-A928-485F9A4C398A}" srcOrd="1" destOrd="0" parTransId="{EDF9E60D-7DC2-4640-A9DF-36AEAA7B8DB2}" sibTransId="{9DCD475F-A845-43B0-8098-CB2B992808A8}"/>
-    <dgm:cxn modelId="{7F223C20-0AC3-4BEA-B627-F0FDBECE29E2}" type="presOf" srcId="{ACAF9835-982D-403C-AD48-55EA1E815D9B}" destId="{B661105B-A5C1-4CA2-8BD0-A312308A3339}" srcOrd="0" destOrd="0" presId="urn:microsoft.com/office/officeart/2005/8/layout/hierarchy6"/>
-    <dgm:cxn modelId="{0D1FFA68-5295-496E-BAA5-B1486B450068}" type="presOf" srcId="{53D5AA2B-E13A-497F-BCD5-BC721958AD2E}" destId="{4119DB78-C210-485E-ADE3-FFC9B250217E}" srcOrd="0" destOrd="0" presId="urn:microsoft.com/office/officeart/2005/8/layout/hierarchy6"/>
-    <dgm:cxn modelId="{6D675BCE-E502-4F84-A578-64C0B817064A}" type="presOf" srcId="{EE6AC47F-42D7-47A3-A1C4-C0F625629E69}" destId="{8E659C4C-71F6-4A19-94FC-3200745283D1}" srcOrd="0" destOrd="0" presId="urn:microsoft.com/office/officeart/2005/8/layout/hierarchy6"/>
-    <dgm:cxn modelId="{405B62A5-AEB7-41FC-B726-676E91F574CA}" type="presOf" srcId="{EE9EC86A-C82B-46B2-B696-2791951C08E1}" destId="{352F72AD-BDD4-4DC5-9CFD-8A1CC8E8C89E}" srcOrd="0" destOrd="0" presId="urn:microsoft.com/office/officeart/2005/8/layout/hierarchy6"/>
     <dgm:cxn modelId="{E0990026-DBB0-43FD-AA21-BDD29B227AAD}" type="presOf" srcId="{D13201FD-0B49-4B5B-96E6-65290C151DBA}" destId="{340A0FA6-8A5A-43D4-9538-7AC298B2A97A}" srcOrd="0" destOrd="0" presId="urn:microsoft.com/office/officeart/2005/8/layout/hierarchy6"/>
-    <dgm:cxn modelId="{E31F4854-7A8B-4B4C-8FED-F081EE2DC4E7}" type="presOf" srcId="{669A36FE-62D0-4DDC-AFB3-6282EBE42B89}" destId="{98315D1F-C9BD-4B21-B434-E44520176B7B}" srcOrd="0" destOrd="0" presId="urn:microsoft.com/office/officeart/2005/8/layout/hierarchy6"/>
-    <dgm:cxn modelId="{3C54244A-7A90-4240-A462-E29F9DDD2B92}" type="presOf" srcId="{DEEF1367-F154-416E-ABB5-E7E01E6E1B0E}" destId="{6CCF0707-7F16-45A4-AC74-7D47BC252257}" srcOrd="0" destOrd="0" presId="urn:microsoft.com/office/officeart/2005/8/layout/hierarchy6"/>
-    <dgm:cxn modelId="{B5C5981F-2E9D-4B38-A58E-FCD7FFF975E8}" type="presOf" srcId="{CDF60439-2B11-4B7E-8133-377B477EE2E0}" destId="{66B4FF20-F32A-4BA0-AB55-A9994D854190}" srcOrd="0" destOrd="0" presId="urn:microsoft.com/office/officeart/2005/8/layout/hierarchy6"/>
-    <dgm:cxn modelId="{792E1779-0225-40CF-A012-58107D94DDD4}" type="presOf" srcId="{9B57149A-F4C5-4DEC-B6E3-84CB0986EC86}" destId="{41BB96CC-0061-4D9C-B31A-A014CFA2F570}" srcOrd="0" destOrd="0" presId="urn:microsoft.com/office/officeart/2005/8/layout/hierarchy6"/>
-    <dgm:cxn modelId="{2489834C-B779-4DFD-8A6B-4B657254267D}" srcId="{54738F72-D933-4179-8317-37B4CF5575FA}" destId="{53D5AA2B-E13A-497F-BCD5-BC721958AD2E}" srcOrd="3" destOrd="0" parTransId="{9B57149A-F4C5-4DEC-B6E3-84CB0986EC86}" sibTransId="{CDB62158-F9DB-4AC1-846A-95CD2C28C087}"/>
-    <dgm:cxn modelId="{3E89E228-9773-4D68-AA6B-733CF2978733}" type="presOf" srcId="{735A300D-89E5-4E1B-B7A8-E5EDDE0C6DA1}" destId="{F8DB0E9D-6B42-45B1-AEE7-C14962C516E2}" srcOrd="0" destOrd="0" presId="urn:microsoft.com/office/officeart/2005/8/layout/hierarchy6"/>
+    <dgm:cxn modelId="{0A1F16DC-AF65-4CDD-A28F-1745F5D3CB99}" type="presOf" srcId="{A23ACA17-C756-417A-A45B-306F02036744}" destId="{BA872154-1B5D-45FA-B7CD-4AF6EB3E6F8B}" srcOrd="0" destOrd="0" presId="urn:microsoft.com/office/officeart/2005/8/layout/hierarchy6"/>
+    <dgm:cxn modelId="{91FC9087-644A-4F7D-8367-96651943523D}" srcId="{54738F72-D933-4179-8317-37B4CF5575FA}" destId="{EE9EC86A-C82B-46B2-B696-2791951C08E1}" srcOrd="1" destOrd="0" parTransId="{77D8A37D-2C6A-4B76-A9D9-374A7E1058B4}" sibTransId="{8BBE7699-AA11-4DBA-8911-8A619427E6E2}"/>
+    <dgm:cxn modelId="{9E8EE7F3-4333-4731-9ED0-693559FB3098}" srcId="{54738F72-D933-4179-8317-37B4CF5575FA}" destId="{840A8615-ECB1-4801-9CBF-16BF125F5CE2}" srcOrd="0" destOrd="0" parTransId="{FCF06746-94AC-4E80-A4C2-7EAEE55B22DB}" sibTransId="{1A43D5C2-FAE0-4723-A9E8-1A9CD2EE23F4}"/>
     <dgm:cxn modelId="{AE9263AA-A8D5-4504-B4B4-DC6C777D7E2E}" type="presOf" srcId="{95B11482-57E3-4705-944B-01678C690A5A}" destId="{4FA447FE-E7D7-4A81-B7F1-066A2FA37948}" srcOrd="0" destOrd="0" presId="urn:microsoft.com/office/officeart/2005/8/layout/hierarchy6"/>
-    <dgm:cxn modelId="{0E90FCD5-9C5F-4642-A72E-0FB5717720AE}" type="presOf" srcId="{FCF06746-94AC-4E80-A4C2-7EAEE55B22DB}" destId="{20209026-88F2-4A47-A1AE-9A34EC00DFAB}" srcOrd="0" destOrd="0" presId="urn:microsoft.com/office/officeart/2005/8/layout/hierarchy6"/>
-    <dgm:cxn modelId="{27FBE840-5162-4735-8CD2-C5A2140796A4}" type="presOf" srcId="{F9F107EB-77EC-4B51-A109-7F2FBD0A9580}" destId="{54BC1FC1-8EB8-441C-AB39-4B93F2D8B7C7}" srcOrd="0" destOrd="0" presId="urn:microsoft.com/office/officeart/2005/8/layout/hierarchy6"/>
-    <dgm:cxn modelId="{ECEB47E2-64BB-4AF3-B7EA-B7FE769223B7}" type="presOf" srcId="{EDF9E60D-7DC2-4640-A9DF-36AEAA7B8DB2}" destId="{92C437D8-C199-4AAC-9CDA-39C760DB8771}" srcOrd="0" destOrd="0" presId="urn:microsoft.com/office/officeart/2005/8/layout/hierarchy6"/>
-    <dgm:cxn modelId="{9C6F0317-2C45-49AD-AD2E-F3F57C6A7C4E}" srcId="{F865C231-56B2-4FA3-9D01-9CB2F9C357CB}" destId="{2FD90738-DBBA-480D-99A5-73DD3585695C}" srcOrd="0" destOrd="0" parTransId="{95B11482-57E3-4705-944B-01678C690A5A}" sibTransId="{0AA6768E-D06B-4203-B7C9-3452C873FBE0}"/>
-    <dgm:cxn modelId="{49FFBD84-A25E-44EE-97D1-29B2121A073B}" srcId="{A23ACA17-C756-417A-A45B-306F02036744}" destId="{F9F107EB-77EC-4B51-A109-7F2FBD0A9580}" srcOrd="0" destOrd="0" parTransId="{9963C55C-8D85-4D27-871A-447F192C19F9}" sibTransId="{7339DA6C-09D5-4E08-A3B5-388959919974}"/>
-    <dgm:cxn modelId="{91FC9087-644A-4F7D-8367-96651943523D}" srcId="{54738F72-D933-4179-8317-37B4CF5575FA}" destId="{EE9EC86A-C82B-46B2-B696-2791951C08E1}" srcOrd="1" destOrd="0" parTransId="{77D8A37D-2C6A-4B76-A9D9-374A7E1058B4}" sibTransId="{8BBE7699-AA11-4DBA-8911-8A619427E6E2}"/>
-    <dgm:cxn modelId="{95ACFCBD-75DD-46BB-8F3F-67DED39680FE}" srcId="{F9F107EB-77EC-4B51-A109-7F2FBD0A9580}" destId="{D13201FD-0B49-4B5B-96E6-65290C151DBA}" srcOrd="1" destOrd="0" parTransId="{E06E9A06-C93D-4C1B-8B57-70337E53B3D6}" sibTransId="{34B431B6-329B-4E6C-9BC2-A62F418F09FC}"/>
-    <dgm:cxn modelId="{E31153E2-6878-428C-8CC7-C5A90A8BE565}" type="presOf" srcId="{96A75C78-1D2F-4411-B262-022E9781DDD5}" destId="{B7523743-5636-4F9C-B051-F02D86643CFB}" srcOrd="0" destOrd="0" presId="urn:microsoft.com/office/officeart/2005/8/layout/hierarchy6"/>
+    <dgm:cxn modelId="{641643C5-03C1-4AA0-AE9B-1FF8D1C7B3AA}" srcId="{F9F107EB-77EC-4B51-A109-7F2FBD0A9580}" destId="{96A75C78-1D2F-4411-B262-022E9781DDD5}" srcOrd="3" destOrd="0" parTransId="{ACAF9835-982D-403C-AD48-55EA1E815D9B}" sibTransId="{A6620D2C-D113-4962-84F3-7A497F47C1E4}"/>
     <dgm:cxn modelId="{727929ED-7B63-4129-8514-62FEBA86199E}" type="presOf" srcId="{2FD90738-DBBA-480D-99A5-73DD3585695C}" destId="{C07A3459-8F28-425B-964B-710F88981BA3}" srcOrd="0" destOrd="0" presId="urn:microsoft.com/office/officeart/2005/8/layout/hierarchy6"/>
-    <dgm:cxn modelId="{B4A3C944-8B53-4E9B-847A-C43DEC189546}" type="presOf" srcId="{F865C231-56B2-4FA3-9D01-9CB2F9C357CB}" destId="{16076B59-7928-4D73-B9D7-0E25D2CB34A1}" srcOrd="0" destOrd="0" presId="urn:microsoft.com/office/officeart/2005/8/layout/hierarchy6"/>
-    <dgm:cxn modelId="{9B67FC69-5736-45C3-B52C-606DE7E9A8E6}" type="presOf" srcId="{F7E74B25-E0F5-427A-9125-2C590B9BAEBD}" destId="{3825979E-DFC9-4651-A6EF-4C132DEB995A}" srcOrd="0" destOrd="0" presId="urn:microsoft.com/office/officeart/2005/8/layout/hierarchy6"/>
-    <dgm:cxn modelId="{3DC7E0CA-2D9A-401F-B70F-57797C8D5EE6}" type="presOf" srcId="{11179F8F-E16C-45F0-A928-485F9A4C398A}" destId="{3B19207F-CB21-416F-BA31-6F60F2383D54}" srcOrd="0" destOrd="0" presId="urn:microsoft.com/office/officeart/2005/8/layout/hierarchy6"/>
-    <dgm:cxn modelId="{36566C4C-BBC6-4132-9444-E6CCA8B9462A}" type="presOf" srcId="{54738F72-D933-4179-8317-37B4CF5575FA}" destId="{C97FC2D6-D065-4EC8-8B83-1A808BC4A514}" srcOrd="0" destOrd="0" presId="urn:microsoft.com/office/officeart/2005/8/layout/hierarchy6"/>
-    <dgm:cxn modelId="{32956831-4A90-4A44-9B41-09E904A21F14}" srcId="{F9F107EB-77EC-4B51-A109-7F2FBD0A9580}" destId="{CDF60439-2B11-4B7E-8133-377B477EE2E0}" srcOrd="2" destOrd="0" parTransId="{897D89F2-90B2-4947-9CEB-DEB913600F10}" sibTransId="{47DB5AD6-D003-49A9-B812-F31497BA222D}"/>
     <dgm:cxn modelId="{D40B149E-477A-49ED-B30B-923A35723875}" type="presParOf" srcId="{BA872154-1B5D-45FA-B7CD-4AF6EB3E6F8B}" destId="{7FF1AA35-B4AF-4BC9-A7EE-814AF39690A8}" srcOrd="0" destOrd="0" presId="urn:microsoft.com/office/officeart/2005/8/layout/hierarchy6"/>
     <dgm:cxn modelId="{EDCDBEE2-38F5-4A5B-8061-BCE052908A3B}" type="presParOf" srcId="{7FF1AA35-B4AF-4BC9-A7EE-814AF39690A8}" destId="{7D10139F-74B2-46B2-86BF-10F7DA3FB08F}" srcOrd="0" destOrd="0" presId="urn:microsoft.com/office/officeart/2005/8/layout/hierarchy6"/>
     <dgm:cxn modelId="{DF87C293-A646-49EC-8CDD-E95C2AC0DAFC}" type="presParOf" srcId="{7D10139F-74B2-46B2-86BF-10F7DA3FB08F}" destId="{5CA2FD1C-8101-4AAC-A806-4CB489C9A1B6}" srcOrd="0" destOrd="0" presId="urn:microsoft.com/office/officeart/2005/8/layout/hierarchy6"/>
@@ -2719,9 +2838,10 @@
         </a:p>
       </dgm:t>
     </dgm:pt>
-    <dgm:pt modelId="{CDF60439-2B11-4B7E-8133-377B477EE2E0}" type="asst">
+    <dgm:pt modelId="{793472DC-2711-48BC-B6BC-70485B552152}" type="asst">
       <dgm:prSet phldrT="[Texte]"/>
       <dgm:spPr>
+        <a:noFill/>
         <a:ln>
           <a:noFill/>
         </a:ln>
@@ -2738,9 +2858,11 @@
         </a:p>
       </dgm:t>
     </dgm:pt>
-    <dgm:pt modelId="{897D89F2-90B2-4947-9CEB-DEB913600F10}" type="parTrans" cxnId="{32956831-4A90-4A44-9B41-09E904A21F14}">
+    <dgm:pt modelId="{A33EE158-9F17-454E-A80E-DDB07EA40B47}" type="parTrans" cxnId="{FF2E7586-C7C9-4915-9F2D-6CD314BC42DE}">
       <dgm:prSet/>
-      <dgm:spPr/>
+      <dgm:spPr>
+        <a:noFill/>
+      </dgm:spPr>
       <dgm:t>
         <a:bodyPr/>
         <a:lstStyle/>
@@ -2749,7 +2871,7 @@
         </a:p>
       </dgm:t>
     </dgm:pt>
-    <dgm:pt modelId="{47DB5AD6-D003-49A9-B812-F31497BA222D}" type="sibTrans" cxnId="{32956831-4A90-4A44-9B41-09E904A21F14}">
+    <dgm:pt modelId="{D8E82BF8-48A3-4D87-A9AB-0643062C7B2D}" type="sibTrans" cxnId="{FF2E7586-C7C9-4915-9F2D-6CD314BC42DE}">
       <dgm:prSet/>
       <dgm:spPr/>
       <dgm:t>
@@ -2760,9 +2882,10 @@
         </a:p>
       </dgm:t>
     </dgm:pt>
-    <dgm:pt modelId="{96A75C78-1D2F-4411-B262-022E9781DDD5}" type="asst">
+    <dgm:pt modelId="{A292F1F1-C2E8-4F78-99EB-261B3E1630C6}" type="asst">
       <dgm:prSet phldrT="[Texte]"/>
       <dgm:spPr>
+        <a:noFill/>
         <a:ln>
           <a:noFill/>
         </a:ln>
@@ -2779,9 +2902,11 @@
         </a:p>
       </dgm:t>
     </dgm:pt>
-    <dgm:pt modelId="{ACAF9835-982D-403C-AD48-55EA1E815D9B}" type="parTrans" cxnId="{641643C5-03C1-4AA0-AE9B-1FF8D1C7B3AA}">
+    <dgm:pt modelId="{B0816973-6F0F-4286-BAED-982E972892C4}" type="parTrans" cxnId="{9500D54F-2F61-4607-BFE1-3811EDAD15DE}">
       <dgm:prSet/>
-      <dgm:spPr/>
+      <dgm:spPr>
+        <a:noFill/>
+      </dgm:spPr>
       <dgm:t>
         <a:bodyPr/>
         <a:lstStyle/>
@@ -2790,7 +2915,7 @@
         </a:p>
       </dgm:t>
     </dgm:pt>
-    <dgm:pt modelId="{A6620D2C-D113-4962-84F3-7A497F47C1E4}" type="sibTrans" cxnId="{641643C5-03C1-4AA0-AE9B-1FF8D1C7B3AA}">
+    <dgm:pt modelId="{4E2B3CC8-287F-42FC-87E0-AC5C2AF2A3B7}" type="sibTrans" cxnId="{9500D54F-2F61-4607-BFE1-3811EDAD15DE}">
       <dgm:prSet/>
       <dgm:spPr/>
       <dgm:t>
@@ -2801,9 +2926,10 @@
         </a:p>
       </dgm:t>
     </dgm:pt>
-    <dgm:pt modelId="{39FFA39A-E9A4-4A99-8279-2E066F1277C1}" type="asst">
+    <dgm:pt modelId="{07A83573-E2B8-43F5-B9C0-331C912AA3DE}" type="asst">
       <dgm:prSet phldrT="[Texte]"/>
       <dgm:spPr>
+        <a:noFill/>
         <a:ln>
           <a:noFill/>
         </a:ln>
@@ -2820,9 +2946,11 @@
         </a:p>
       </dgm:t>
     </dgm:pt>
-    <dgm:pt modelId="{0F222102-FC39-4051-B47A-38BB28A566DC}" type="parTrans" cxnId="{4D969272-2C54-4F0B-AAAA-D756CE1CBEA4}">
+    <dgm:pt modelId="{77FAE11B-5B44-4F52-8900-7374B076B020}" type="parTrans" cxnId="{FEA8064B-FF95-490F-B460-D67BF1B498EC}">
       <dgm:prSet/>
-      <dgm:spPr/>
+      <dgm:spPr>
+        <a:noFill/>
+      </dgm:spPr>
       <dgm:t>
         <a:bodyPr/>
         <a:lstStyle/>
@@ -2831,7 +2959,7 @@
         </a:p>
       </dgm:t>
     </dgm:pt>
-    <dgm:pt modelId="{12C341A5-D9F3-4213-81F4-F287F6BC89A5}" type="sibTrans" cxnId="{4D969272-2C54-4F0B-AAAA-D756CE1CBEA4}">
+    <dgm:pt modelId="{45D00D0D-C0AB-4EDA-8D6A-F3770039A562}" type="sibTrans" cxnId="{FEA8064B-FF95-490F-B460-D67BF1B498EC}">
       <dgm:prSet/>
       <dgm:spPr/>
       <dgm:t>
@@ -2842,9 +2970,10 @@
         </a:p>
       </dgm:t>
     </dgm:pt>
-    <dgm:pt modelId="{30112921-2B5A-4991-AB67-FBCED563A192}" type="asst">
+    <dgm:pt modelId="{C991D895-988A-4522-BDB6-04F0280117FE}" type="asst">
       <dgm:prSet phldrT="[Texte]"/>
       <dgm:spPr>
+        <a:noFill/>
         <a:ln>
           <a:noFill/>
         </a:ln>
@@ -2861,9 +2990,11 @@
         </a:p>
       </dgm:t>
     </dgm:pt>
-    <dgm:pt modelId="{ADDE9F76-5436-4137-907C-153A5DF34495}" type="parTrans" cxnId="{0810390D-92A0-4770-8E8E-1A9BE479F782}">
+    <dgm:pt modelId="{D6F68508-648E-498A-87FB-20615758B6EF}" type="parTrans" cxnId="{A37FA005-6433-4C0E-AEA7-47764177E45C}">
       <dgm:prSet/>
-      <dgm:spPr/>
+      <dgm:spPr>
+        <a:noFill/>
+      </dgm:spPr>
       <dgm:t>
         <a:bodyPr/>
         <a:lstStyle/>
@@ -2872,7 +3003,7 @@
         </a:p>
       </dgm:t>
     </dgm:pt>
-    <dgm:pt modelId="{75350FDA-410D-4A0B-A1C6-F0E1512F8F0B}" type="sibTrans" cxnId="{0810390D-92A0-4770-8E8E-1A9BE479F782}">
+    <dgm:pt modelId="{E3B5B9C0-6CE1-4787-A926-C73E3C5DBE96}" type="sibTrans" cxnId="{A37FA005-6433-4C0E-AEA7-47764177E45C}">
       <dgm:prSet/>
       <dgm:spPr/>
       <dgm:t>
@@ -2883,9 +3014,10 @@
         </a:p>
       </dgm:t>
     </dgm:pt>
-    <dgm:pt modelId="{C5DC46DE-3157-47A1-A6EA-0A7E49597C24}" type="asst">
+    <dgm:pt modelId="{B026108E-5801-464D-948F-BB453C9D172F}" type="asst">
       <dgm:prSet phldrT="[Texte]"/>
       <dgm:spPr>
+        <a:noFill/>
         <a:ln>
           <a:noFill/>
         </a:ln>
@@ -2902,9 +3034,11 @@
         </a:p>
       </dgm:t>
     </dgm:pt>
-    <dgm:pt modelId="{052456DF-5352-4A68-A9EC-71A9E65D7BE1}" type="parTrans" cxnId="{1AA7846B-7BC7-42E6-88EE-18D39404D02B}">
+    <dgm:pt modelId="{7E6D1B0E-E6E9-45B3-B268-0DD5D0A0BEA7}" type="parTrans" cxnId="{44CC887D-7D60-469F-8717-7F2464EDE257}">
       <dgm:prSet/>
-      <dgm:spPr/>
+      <dgm:spPr>
+        <a:noFill/>
+      </dgm:spPr>
       <dgm:t>
         <a:bodyPr/>
         <a:lstStyle/>
@@ -2913,7 +3047,7 @@
         </a:p>
       </dgm:t>
     </dgm:pt>
-    <dgm:pt modelId="{2B567D9F-19DE-440F-82DD-316B685F3DA0}" type="sibTrans" cxnId="{1AA7846B-7BC7-42E6-88EE-18D39404D02B}">
+    <dgm:pt modelId="{064120DE-1229-49EE-B43C-E9FA62698B09}" type="sibTrans" cxnId="{44CC887D-7D60-469F-8717-7F2464EDE257}">
       <dgm:prSet/>
       <dgm:spPr/>
       <dgm:t>
@@ -2924,9 +3058,10 @@
         </a:p>
       </dgm:t>
     </dgm:pt>
-    <dgm:pt modelId="{CF09E7F5-61B8-401A-A48F-AD9EF8FADF89}" type="asst">
+    <dgm:pt modelId="{1E7E91CA-AFC9-40AA-B19D-2E5213550D52}" type="asst">
       <dgm:prSet phldrT="[Texte]"/>
       <dgm:spPr>
+        <a:noFill/>
         <a:ln>
           <a:noFill/>
         </a:ln>
@@ -2943,9 +3078,11 @@
         </a:p>
       </dgm:t>
     </dgm:pt>
-    <dgm:pt modelId="{69D4D32A-1F94-48D7-93B2-B712A3271FA9}" type="parTrans" cxnId="{C6D1B037-75AC-4A0F-A30B-28D07D12FDB6}">
+    <dgm:pt modelId="{CD24E15A-C9C9-48D0-A484-87C7519199F1}" type="parTrans" cxnId="{F3FAEC52-2B27-4150-B92A-F2C8C573339E}">
       <dgm:prSet/>
-      <dgm:spPr/>
+      <dgm:spPr>
+        <a:noFill/>
+      </dgm:spPr>
       <dgm:t>
         <a:bodyPr/>
         <a:lstStyle/>
@@ -2954,7 +3091,7 @@
         </a:p>
       </dgm:t>
     </dgm:pt>
-    <dgm:pt modelId="{3845FCD5-106F-4AE0-A26D-E1C92FC61A98}" type="sibTrans" cxnId="{C6D1B037-75AC-4A0F-A30B-28D07D12FDB6}">
+    <dgm:pt modelId="{BE57D1E9-5F49-4DA1-A0AD-75D727F4A7EF}" type="sibTrans" cxnId="{F3FAEC52-2B27-4150-B92A-F2C8C573339E}">
       <dgm:prSet/>
       <dgm:spPr/>
       <dgm:t>
@@ -2965,9 +3102,10 @@
         </a:p>
       </dgm:t>
     </dgm:pt>
-    <dgm:pt modelId="{5F3D52DE-C9D5-4C26-B46B-849EA96AC502}" type="asst">
+    <dgm:pt modelId="{459FA864-1FF2-4D09-A834-0F0EE9104F16}" type="asst">
       <dgm:prSet phldrT="[Texte]"/>
       <dgm:spPr>
+        <a:noFill/>
         <a:ln>
           <a:noFill/>
         </a:ln>
@@ -2984,9 +3122,11 @@
         </a:p>
       </dgm:t>
     </dgm:pt>
-    <dgm:pt modelId="{09670C03-7EA8-4B9E-970B-204360076DB6}" type="parTrans" cxnId="{5CF711EB-7528-4096-A2EC-9AD00EFBA652}">
+    <dgm:pt modelId="{8DC3A247-70BC-4412-97A1-ADC4588B7429}" type="parTrans" cxnId="{0D5FEF77-BB66-48E4-8596-B0A4BAEB56ED}">
       <dgm:prSet/>
-      <dgm:spPr/>
+      <dgm:spPr>
+        <a:noFill/>
+      </dgm:spPr>
       <dgm:t>
         <a:bodyPr/>
         <a:lstStyle/>
@@ -2995,7 +3135,7 @@
         </a:p>
       </dgm:t>
     </dgm:pt>
-    <dgm:pt modelId="{ECF50FCE-C3BD-4B2A-A6CE-5C380A2643F7}" type="sibTrans" cxnId="{5CF711EB-7528-4096-A2EC-9AD00EFBA652}">
+    <dgm:pt modelId="{635BA6EB-FCD9-4118-90F5-7F7593C1658F}" type="sibTrans" cxnId="{0D5FEF77-BB66-48E4-8596-B0A4BAEB56ED}">
       <dgm:prSet/>
       <dgm:spPr/>
       <dgm:t>
@@ -3006,9 +3146,10 @@
         </a:p>
       </dgm:t>
     </dgm:pt>
-    <dgm:pt modelId="{BA4FCD5F-CC32-4D01-9F3D-801A522A2185}" type="asst">
+    <dgm:pt modelId="{A1D5A44F-83BC-4B2D-8DB6-BA59C1BC3F48}" type="asst">
       <dgm:prSet phldrT="[Texte]"/>
       <dgm:spPr>
+        <a:noFill/>
         <a:ln>
           <a:noFill/>
         </a:ln>
@@ -3025,9 +3166,11 @@
         </a:p>
       </dgm:t>
     </dgm:pt>
-    <dgm:pt modelId="{B0E8868F-711D-41DE-A4A1-F25F5B559012}" type="parTrans" cxnId="{82565638-3F4E-4FE2-92A2-741FAFD66A50}">
+    <dgm:pt modelId="{91F4AF29-A6F9-4401-8291-33D826F24981}" type="parTrans" cxnId="{0609011D-8794-4C94-B16A-DEDDAEEE3103}">
       <dgm:prSet/>
-      <dgm:spPr/>
+      <dgm:spPr>
+        <a:noFill/>
+      </dgm:spPr>
       <dgm:t>
         <a:bodyPr/>
         <a:lstStyle/>
@@ -3036,7 +3179,7 @@
         </a:p>
       </dgm:t>
     </dgm:pt>
-    <dgm:pt modelId="{BA3AF20C-A29D-47F8-B639-1D505C43025A}" type="sibTrans" cxnId="{82565638-3F4E-4FE2-92A2-741FAFD66A50}">
+    <dgm:pt modelId="{3F6B239F-6E88-49D9-BF78-2DD007B6DB0A}" type="sibTrans" cxnId="{0609011D-8794-4C94-B16A-DEDDAEEE3103}">
       <dgm:prSet/>
       <dgm:spPr/>
       <dgm:t>
@@ -3047,9 +3190,10 @@
         </a:p>
       </dgm:t>
     </dgm:pt>
-    <dgm:pt modelId="{E1F7D92B-1A52-4E14-9B0D-CB928EC5714A}" type="asst">
+    <dgm:pt modelId="{3DC20F53-78BC-4DA4-8994-C0BB11D43BCE}" type="asst">
       <dgm:prSet phldrT="[Texte]"/>
       <dgm:spPr>
+        <a:noFill/>
         <a:ln>
           <a:noFill/>
         </a:ln>
@@ -3066,9 +3210,11 @@
         </a:p>
       </dgm:t>
     </dgm:pt>
-    <dgm:pt modelId="{8D5B9A08-215A-4492-9D0A-0E955CBCBBCB}" type="parTrans" cxnId="{B50EDB72-A2A5-450D-915D-9A51B2E66651}">
+    <dgm:pt modelId="{002801C9-77D4-4886-B462-9E0F04ED0E3A}" type="parTrans" cxnId="{EC0C3105-A869-4A00-9110-A9CD0E685491}">
       <dgm:prSet/>
-      <dgm:spPr/>
+      <dgm:spPr>
+        <a:noFill/>
+      </dgm:spPr>
       <dgm:t>
         <a:bodyPr/>
         <a:lstStyle/>
@@ -3077,7 +3223,7 @@
         </a:p>
       </dgm:t>
     </dgm:pt>
-    <dgm:pt modelId="{2B11D1EA-0D61-43C2-A6E9-D5DD5A90A630}" type="sibTrans" cxnId="{B50EDB72-A2A5-450D-915D-9A51B2E66651}">
+    <dgm:pt modelId="{38030B9A-BC6A-412C-B1AC-476A80B89E2B}" type="sibTrans" cxnId="{EC0C3105-A869-4A00-9110-A9CD0E685491}">
       <dgm:prSet/>
       <dgm:spPr/>
       <dgm:t>
@@ -3088,9 +3234,10 @@
         </a:p>
       </dgm:t>
     </dgm:pt>
-    <dgm:pt modelId="{30E7C0BE-410D-4413-A9FE-924281EFDA45}" type="asst">
+    <dgm:pt modelId="{48B1FAFB-B0FC-4967-93D6-B1606F73CC0B}" type="asst">
       <dgm:prSet phldrT="[Texte]"/>
       <dgm:spPr>
+        <a:noFill/>
         <a:ln>
           <a:noFill/>
         </a:ln>
@@ -3107,9 +3254,11 @@
         </a:p>
       </dgm:t>
     </dgm:pt>
-    <dgm:pt modelId="{97AA5B65-4016-4F37-A15C-8E1D93BAF20E}" type="parTrans" cxnId="{369E90E9-122B-4238-809C-064F32369FA1}">
+    <dgm:pt modelId="{B1506F74-F737-4F5F-B6C7-BA9183A00325}" type="parTrans" cxnId="{2F2C1D74-CD4A-4892-AE4D-2A22434AE40B}">
       <dgm:prSet/>
-      <dgm:spPr/>
+      <dgm:spPr>
+        <a:noFill/>
+      </dgm:spPr>
       <dgm:t>
         <a:bodyPr/>
         <a:lstStyle/>
@@ -3118,7 +3267,7 @@
         </a:p>
       </dgm:t>
     </dgm:pt>
-    <dgm:pt modelId="{FFB954FC-A4FC-4C6D-954C-FC952129C523}" type="sibTrans" cxnId="{369E90E9-122B-4238-809C-064F32369FA1}">
+    <dgm:pt modelId="{01B94CA9-830E-4444-9CC2-DBDD0C3293CC}" type="sibTrans" cxnId="{2F2C1D74-CD4A-4892-AE4D-2A22434AE40B}">
       <dgm:prSet/>
       <dgm:spPr/>
       <dgm:t>
@@ -3129,9 +3278,10 @@
         </a:p>
       </dgm:t>
     </dgm:pt>
-    <dgm:pt modelId="{F9F107EB-77EC-4B51-A109-7F2FBD0A9580}">
+    <dgm:pt modelId="{4F9FB8E4-22B9-4A92-8A50-489A749C7336}" type="asst">
       <dgm:prSet phldrT="[Texte]"/>
       <dgm:spPr>
+        <a:noFill/>
         <a:ln>
           <a:noFill/>
         </a:ln>
@@ -3148,9 +3298,11 @@
         </a:p>
       </dgm:t>
     </dgm:pt>
-    <dgm:pt modelId="{7339DA6C-09D5-4E08-A3B5-388959919974}" type="sibTrans" cxnId="{49FFBD84-A25E-44EE-97D1-29B2121A073B}">
+    <dgm:pt modelId="{A030E1C9-6693-46F0-8BDA-DD9A6910A40A}" type="parTrans" cxnId="{E2F2F5E5-7B5E-4564-9E81-D09F06AF7A15}">
       <dgm:prSet/>
-      <dgm:spPr/>
+      <dgm:spPr>
+        <a:noFill/>
+      </dgm:spPr>
       <dgm:t>
         <a:bodyPr/>
         <a:lstStyle/>
@@ -3159,7 +3311,7 @@
         </a:p>
       </dgm:t>
     </dgm:pt>
-    <dgm:pt modelId="{9963C55C-8D85-4D27-871A-447F192C19F9}" type="parTrans" cxnId="{49FFBD84-A25E-44EE-97D1-29B2121A073B}">
+    <dgm:pt modelId="{93DC52E4-59A7-4D19-9512-088E0B22C71A}" type="sibTrans" cxnId="{E2F2F5E5-7B5E-4564-9E81-D09F06AF7A15}">
       <dgm:prSet/>
       <dgm:spPr/>
       <dgm:t>
@@ -3170,9 +3322,10 @@
         </a:p>
       </dgm:t>
     </dgm:pt>
-    <dgm:pt modelId="{1E275C11-64BA-4DC7-9643-44453C1A6748}" type="asst">
+    <dgm:pt modelId="{11E64E11-27EA-4CD1-9F4B-D07511F4188A}" type="asst">
       <dgm:prSet phldrT="[Texte]"/>
       <dgm:spPr>
+        <a:noFill/>
         <a:ln>
           <a:noFill/>
         </a:ln>
@@ -3181,13 +3334,19 @@
         <a:bodyPr/>
         <a:lstStyle/>
         <a:p>
+          <a:r>
+            <a:rPr lang="fr-FR" dirty="0" smtClean="0"/>
+            <a:t> </a:t>
+          </a:r>
           <a:endParaRPr lang="fr-FR" dirty="0"/>
         </a:p>
       </dgm:t>
     </dgm:pt>
-    <dgm:pt modelId="{AFF90FE5-31BD-4496-AA52-3F92C69A9B51}" type="parTrans" cxnId="{479A1F2F-3FAC-4F97-88C2-B38EEC9C19A5}">
+    <dgm:pt modelId="{712E9DB7-1BC5-4E7A-985C-CDE8492986CA}" type="parTrans" cxnId="{B5217CE3-F379-45B1-9525-43E6E4427EE4}">
       <dgm:prSet/>
-      <dgm:spPr/>
+      <dgm:spPr>
+        <a:noFill/>
+      </dgm:spPr>
       <dgm:t>
         <a:bodyPr/>
         <a:lstStyle/>
@@ -3196,7 +3355,49 @@
         </a:p>
       </dgm:t>
     </dgm:pt>
-    <dgm:pt modelId="{969466E3-C27A-48FC-8D4E-183981285BA7}" type="sibTrans" cxnId="{479A1F2F-3FAC-4F97-88C2-B38EEC9C19A5}">
+    <dgm:pt modelId="{BA29F750-28AB-4E8F-AA65-82757F70213A}" type="sibTrans" cxnId="{B5217CE3-F379-45B1-9525-43E6E4427EE4}">
+      <dgm:prSet/>
+      <dgm:spPr/>
+      <dgm:t>
+        <a:bodyPr/>
+        <a:lstStyle/>
+        <a:p>
+          <a:endParaRPr lang="fr-FR"/>
+        </a:p>
+      </dgm:t>
+    </dgm:pt>
+    <dgm:pt modelId="{F9F107EB-77EC-4B51-A109-7F2FBD0A9580}">
+      <dgm:prSet phldrT="[Texte]"/>
+      <dgm:spPr>
+        <a:noFill/>
+        <a:ln>
+          <a:noFill/>
+        </a:ln>
+      </dgm:spPr>
+      <dgm:t>
+        <a:bodyPr/>
+        <a:lstStyle/>
+        <a:p>
+          <a:r>
+            <a:rPr lang="fr-FR" dirty="0" smtClean="0"/>
+            <a:t> </a:t>
+          </a:r>
+          <a:endParaRPr lang="fr-FR" dirty="0"/>
+        </a:p>
+      </dgm:t>
+    </dgm:pt>
+    <dgm:pt modelId="{7339DA6C-09D5-4E08-A3B5-388959919974}" type="sibTrans" cxnId="{49FFBD84-A25E-44EE-97D1-29B2121A073B}">
+      <dgm:prSet/>
+      <dgm:spPr/>
+      <dgm:t>
+        <a:bodyPr/>
+        <a:lstStyle/>
+        <a:p>
+          <a:endParaRPr lang="fr-FR"/>
+        </a:p>
+      </dgm:t>
+    </dgm:pt>
+    <dgm:pt modelId="{9963C55C-8D85-4D27-871A-447F192C19F9}" type="parTrans" cxnId="{49FFBD84-A25E-44EE-97D1-29B2121A073B}">
       <dgm:prSet/>
       <dgm:spPr/>
       <dgm:t>
@@ -3218,6 +3419,13 @@
         </dgm:presLayoutVars>
       </dgm:prSet>
       <dgm:spPr/>
+      <dgm:t>
+        <a:bodyPr/>
+        <a:lstStyle/>
+        <a:p>
+          <a:endParaRPr lang="fr-FR"/>
+        </a:p>
+      </dgm:t>
     </dgm:pt>
     <dgm:pt modelId="{7FF1AA35-B4AF-4BC9-A7EE-814AF39690A8}" type="pres">
       <dgm:prSet presAssocID="{A23ACA17-C756-417A-A45B-306F02036744}" presName="hierFlow" presStyleCnt="0"/>
@@ -3256,16 +3464,8 @@
       <dgm:prSet presAssocID="{F9F107EB-77EC-4B51-A109-7F2FBD0A9580}" presName="hierChild2" presStyleCnt="0"/>
       <dgm:spPr/>
     </dgm:pt>
-    <dgm:pt modelId="{EDD9B72F-83C4-4D55-91F4-D0BAC6DA5AB7}" type="pres">
-      <dgm:prSet presAssocID="{897D89F2-90B2-4947-9CEB-DEB913600F10}" presName="Name19" presStyleLbl="parChTrans1D2" presStyleIdx="0" presStyleCnt="5"/>
-      <dgm:spPr/>
-    </dgm:pt>
-    <dgm:pt modelId="{6D535551-C420-4802-8269-0804850C7DEC}" type="pres">
-      <dgm:prSet presAssocID="{CDF60439-2B11-4B7E-8133-377B477EE2E0}" presName="Name21" presStyleCnt="0"/>
-      <dgm:spPr/>
-    </dgm:pt>
-    <dgm:pt modelId="{66B4FF20-F32A-4BA0-AB55-A9994D854190}" type="pres">
-      <dgm:prSet presAssocID="{CDF60439-2B11-4B7E-8133-377B477EE2E0}" presName="level2Shape" presStyleLbl="asst1" presStyleIdx="0" presStyleCnt="11"/>
+    <dgm:pt modelId="{60F76F56-AA25-4471-B39C-08902F41A6B4}" type="pres">
+      <dgm:prSet presAssocID="{A33EE158-9F17-454E-A80E-DDB07EA40B47}" presName="Name19" presStyleLbl="parChTrans1D2" presStyleIdx="0" presStyleCnt="5"/>
       <dgm:spPr/>
       <dgm:t>
         <a:bodyPr/>
@@ -3275,20 +3475,12 @@
         </a:p>
       </dgm:t>
     </dgm:pt>
-    <dgm:pt modelId="{BB517734-4249-426B-A81D-6D648D7E3C1F}" type="pres">
-      <dgm:prSet presAssocID="{CDF60439-2B11-4B7E-8133-377B477EE2E0}" presName="hierChild3" presStyleCnt="0"/>
-      <dgm:spPr/>
-    </dgm:pt>
-    <dgm:pt modelId="{FCA1CC1E-5313-4CBF-BDA5-DF38353EF256}" type="pres">
-      <dgm:prSet presAssocID="{AFF90FE5-31BD-4496-AA52-3F92C69A9B51}" presName="Name19" presStyleLbl="parChTrans1D2" presStyleIdx="1" presStyleCnt="5"/>
-      <dgm:spPr/>
-    </dgm:pt>
-    <dgm:pt modelId="{FA96106B-5895-48B6-9946-A740D6152FB4}" type="pres">
-      <dgm:prSet presAssocID="{1E275C11-64BA-4DC7-9643-44453C1A6748}" presName="Name21" presStyleCnt="0"/>
-      <dgm:spPr/>
-    </dgm:pt>
-    <dgm:pt modelId="{844CE120-146F-4C3B-88C4-801D7F74801A}" type="pres">
-      <dgm:prSet presAssocID="{1E275C11-64BA-4DC7-9643-44453C1A6748}" presName="level2Shape" presStyleLbl="asst1" presStyleIdx="1" presStyleCnt="11"/>
+    <dgm:pt modelId="{17BD10A9-899D-4A64-A24E-30B54C0DE6CC}" type="pres">
+      <dgm:prSet presAssocID="{793472DC-2711-48BC-B6BC-70485B552152}" presName="Name21" presStyleCnt="0"/>
+      <dgm:spPr/>
+    </dgm:pt>
+    <dgm:pt modelId="{BFF60245-85E8-4968-8DF3-FBD2BF821BEE}" type="pres">
+      <dgm:prSet presAssocID="{793472DC-2711-48BC-B6BC-70485B552152}" presName="level2Shape" presStyleLbl="asst1" presStyleIdx="0" presStyleCnt="12"/>
       <dgm:spPr/>
       <dgm:t>
         <a:bodyPr/>
@@ -3298,20 +3490,12 @@
         </a:p>
       </dgm:t>
     </dgm:pt>
-    <dgm:pt modelId="{35FB7F79-F1B6-476A-AFFB-661E5C617DD5}" type="pres">
-      <dgm:prSet presAssocID="{1E275C11-64BA-4DC7-9643-44453C1A6748}" presName="hierChild3" presStyleCnt="0"/>
-      <dgm:spPr/>
-    </dgm:pt>
-    <dgm:pt modelId="{2E3AD3E9-865A-4258-BAC1-9E8B43766D37}" type="pres">
-      <dgm:prSet presAssocID="{ADDE9F76-5436-4137-907C-153A5DF34495}" presName="Name19" presStyleLbl="parChTrans1D2" presStyleIdx="2" presStyleCnt="5"/>
-      <dgm:spPr/>
-    </dgm:pt>
-    <dgm:pt modelId="{B9E0529A-2494-49CF-84EE-5907302FEC3A}" type="pres">
-      <dgm:prSet presAssocID="{30112921-2B5A-4991-AB67-FBCED563A192}" presName="Name21" presStyleCnt="0"/>
-      <dgm:spPr/>
-    </dgm:pt>
-    <dgm:pt modelId="{9BB13648-F2EC-42C6-85AC-8EB612029EB6}" type="pres">
-      <dgm:prSet presAssocID="{30112921-2B5A-4991-AB67-FBCED563A192}" presName="level2Shape" presStyleLbl="asst1" presStyleIdx="2" presStyleCnt="11"/>
+    <dgm:pt modelId="{50613330-8D29-4D93-8AAC-FE97B5C3595E}" type="pres">
+      <dgm:prSet presAssocID="{793472DC-2711-48BC-B6BC-70485B552152}" presName="hierChild3" presStyleCnt="0"/>
+      <dgm:spPr/>
+    </dgm:pt>
+    <dgm:pt modelId="{EEE018EB-0DB6-4574-A3BC-E153D77FBBDF}" type="pres">
+      <dgm:prSet presAssocID="{B0816973-6F0F-4286-BAED-982E972892C4}" presName="Name19" presStyleLbl="parChTrans1D2" presStyleIdx="1" presStyleCnt="5"/>
       <dgm:spPr/>
       <dgm:t>
         <a:bodyPr/>
@@ -3321,20 +3505,12 @@
         </a:p>
       </dgm:t>
     </dgm:pt>
-    <dgm:pt modelId="{75581C4F-B61B-4513-97A0-0DFD6C89A395}" type="pres">
-      <dgm:prSet presAssocID="{30112921-2B5A-4991-AB67-FBCED563A192}" presName="hierChild3" presStyleCnt="0"/>
-      <dgm:spPr/>
-    </dgm:pt>
-    <dgm:pt modelId="{DAE48A17-C318-44DD-B692-E85FBDC151AF}" type="pres">
-      <dgm:prSet presAssocID="{052456DF-5352-4A68-A9EC-71A9E65D7BE1}" presName="Name19" presStyleLbl="parChTrans1D3" presStyleIdx="0" presStyleCnt="2"/>
-      <dgm:spPr/>
-    </dgm:pt>
-    <dgm:pt modelId="{1F676F8E-B165-4280-B96A-2C7ED6CDA013}" type="pres">
-      <dgm:prSet presAssocID="{C5DC46DE-3157-47A1-A6EA-0A7E49597C24}" presName="Name21" presStyleCnt="0"/>
-      <dgm:spPr/>
-    </dgm:pt>
-    <dgm:pt modelId="{F3BD3D08-7777-409D-A794-C551AEA649EE}" type="pres">
-      <dgm:prSet presAssocID="{C5DC46DE-3157-47A1-A6EA-0A7E49597C24}" presName="level2Shape" presStyleLbl="asst1" presStyleIdx="3" presStyleCnt="11"/>
+    <dgm:pt modelId="{7A8336C9-9FFD-4C16-9A7E-533177DE1F08}" type="pres">
+      <dgm:prSet presAssocID="{A292F1F1-C2E8-4F78-99EB-261B3E1630C6}" presName="Name21" presStyleCnt="0"/>
+      <dgm:spPr/>
+    </dgm:pt>
+    <dgm:pt modelId="{6D4DEB02-83AF-4247-AEA5-94E0278E7DCD}" type="pres">
+      <dgm:prSet presAssocID="{A292F1F1-C2E8-4F78-99EB-261B3E1630C6}" presName="level2Shape" presStyleLbl="asst1" presStyleIdx="1" presStyleCnt="12"/>
       <dgm:spPr/>
       <dgm:t>
         <a:bodyPr/>
@@ -3344,20 +3520,12 @@
         </a:p>
       </dgm:t>
     </dgm:pt>
-    <dgm:pt modelId="{6EC1FB76-2AA1-477E-8BB1-F29B828BA024}" type="pres">
-      <dgm:prSet presAssocID="{C5DC46DE-3157-47A1-A6EA-0A7E49597C24}" presName="hierChild3" presStyleCnt="0"/>
-      <dgm:spPr/>
-    </dgm:pt>
-    <dgm:pt modelId="{17E56E1D-E41C-4A79-ABC6-B8ADC972FBD2}" type="pres">
-      <dgm:prSet presAssocID="{09670C03-7EA8-4B9E-970B-204360076DB6}" presName="Name19" presStyleLbl="parChTrans1D4" presStyleIdx="0" presStyleCnt="4"/>
-      <dgm:spPr/>
-    </dgm:pt>
-    <dgm:pt modelId="{FCB2B377-F1CB-4BF7-821A-932C1E11801B}" type="pres">
-      <dgm:prSet presAssocID="{5F3D52DE-C9D5-4C26-B46B-849EA96AC502}" presName="Name21" presStyleCnt="0"/>
-      <dgm:spPr/>
-    </dgm:pt>
-    <dgm:pt modelId="{33113F41-E50F-4513-A49A-B8F70E1BAA0A}" type="pres">
-      <dgm:prSet presAssocID="{5F3D52DE-C9D5-4C26-B46B-849EA96AC502}" presName="level2Shape" presStyleLbl="asst1" presStyleIdx="4" presStyleCnt="11"/>
+    <dgm:pt modelId="{8B3F7DA5-565C-4850-BDA1-1ED573C5A817}" type="pres">
+      <dgm:prSet presAssocID="{A292F1F1-C2E8-4F78-99EB-261B3E1630C6}" presName="hierChild3" presStyleCnt="0"/>
+      <dgm:spPr/>
+    </dgm:pt>
+    <dgm:pt modelId="{23113C5F-D466-47A3-B9E0-844A5FCB0E0F}" type="pres">
+      <dgm:prSet presAssocID="{77FAE11B-5B44-4F52-8900-7374B076B020}" presName="Name19" presStyleLbl="parChTrans1D2" presStyleIdx="2" presStyleCnt="5"/>
       <dgm:spPr/>
       <dgm:t>
         <a:bodyPr/>
@@ -3367,20 +3535,12 @@
         </a:p>
       </dgm:t>
     </dgm:pt>
-    <dgm:pt modelId="{1CF004DD-00E5-4C18-92A6-8D413270DAC6}" type="pres">
-      <dgm:prSet presAssocID="{5F3D52DE-C9D5-4C26-B46B-849EA96AC502}" presName="hierChild3" presStyleCnt="0"/>
-      <dgm:spPr/>
-    </dgm:pt>
-    <dgm:pt modelId="{337DE9D0-8F14-4BC0-A08D-46478003C9CE}" type="pres">
-      <dgm:prSet presAssocID="{B0E8868F-711D-41DE-A4A1-F25F5B559012}" presName="Name19" presStyleLbl="parChTrans1D4" presStyleIdx="1" presStyleCnt="4"/>
-      <dgm:spPr/>
-    </dgm:pt>
-    <dgm:pt modelId="{C370F4C3-8242-40E4-B3BF-133573518C35}" type="pres">
-      <dgm:prSet presAssocID="{BA4FCD5F-CC32-4D01-9F3D-801A522A2185}" presName="Name21" presStyleCnt="0"/>
-      <dgm:spPr/>
-    </dgm:pt>
-    <dgm:pt modelId="{C739C0F1-83CE-45DB-A0E3-06B05DDB7E58}" type="pres">
-      <dgm:prSet presAssocID="{BA4FCD5F-CC32-4D01-9F3D-801A522A2185}" presName="level2Shape" presStyleLbl="asst1" presStyleIdx="5" presStyleCnt="11"/>
+    <dgm:pt modelId="{5BA7C05E-AFB9-4043-BCC4-E20BD0C0259B}" type="pres">
+      <dgm:prSet presAssocID="{07A83573-E2B8-43F5-B9C0-331C912AA3DE}" presName="Name21" presStyleCnt="0"/>
+      <dgm:spPr/>
+    </dgm:pt>
+    <dgm:pt modelId="{34329CEB-81E4-41E7-AF1D-8FEB0F093DAC}" type="pres">
+      <dgm:prSet presAssocID="{07A83573-E2B8-43F5-B9C0-331C912AA3DE}" presName="level2Shape" presStyleLbl="asst1" presStyleIdx="2" presStyleCnt="12"/>
       <dgm:spPr/>
       <dgm:t>
         <a:bodyPr/>
@@ -3390,20 +3550,12 @@
         </a:p>
       </dgm:t>
     </dgm:pt>
-    <dgm:pt modelId="{0CA4A44B-F6BE-4440-848C-13CB824DE8A3}" type="pres">
-      <dgm:prSet presAssocID="{BA4FCD5F-CC32-4D01-9F3D-801A522A2185}" presName="hierChild3" presStyleCnt="0"/>
-      <dgm:spPr/>
-    </dgm:pt>
-    <dgm:pt modelId="{9B678632-7E2C-4DC5-943F-D4B181521831}" type="pres">
-      <dgm:prSet presAssocID="{8D5B9A08-215A-4492-9D0A-0E955CBCBBCB}" presName="Name19" presStyleLbl="parChTrans1D4" presStyleIdx="2" presStyleCnt="4"/>
-      <dgm:spPr/>
-    </dgm:pt>
-    <dgm:pt modelId="{5860E965-AC80-42B5-B8D6-3F1DB08EF13C}" type="pres">
-      <dgm:prSet presAssocID="{E1F7D92B-1A52-4E14-9B0D-CB928EC5714A}" presName="Name21" presStyleCnt="0"/>
-      <dgm:spPr/>
-    </dgm:pt>
-    <dgm:pt modelId="{2A231ACB-D04E-4E0E-BE30-51CDC2664314}" type="pres">
-      <dgm:prSet presAssocID="{E1F7D92B-1A52-4E14-9B0D-CB928EC5714A}" presName="level2Shape" presStyleLbl="asst1" presStyleIdx="6" presStyleCnt="11"/>
+    <dgm:pt modelId="{BA13738C-0764-4746-A6B4-6391D0E660A4}" type="pres">
+      <dgm:prSet presAssocID="{07A83573-E2B8-43F5-B9C0-331C912AA3DE}" presName="hierChild3" presStyleCnt="0"/>
+      <dgm:spPr/>
+    </dgm:pt>
+    <dgm:pt modelId="{F5FE2F22-137C-4376-8D74-64E08FEC6ECF}" type="pres">
+      <dgm:prSet presAssocID="{D6F68508-648E-498A-87FB-20615758B6EF}" presName="Name19" presStyleLbl="parChTrans1D3" presStyleIdx="0" presStyleCnt="3"/>
       <dgm:spPr/>
       <dgm:t>
         <a:bodyPr/>
@@ -3413,20 +3565,12 @@
         </a:p>
       </dgm:t>
     </dgm:pt>
-    <dgm:pt modelId="{F426260A-7B15-4759-8532-52FF20CD7E57}" type="pres">
-      <dgm:prSet presAssocID="{E1F7D92B-1A52-4E14-9B0D-CB928EC5714A}" presName="hierChild3" presStyleCnt="0"/>
-      <dgm:spPr/>
-    </dgm:pt>
-    <dgm:pt modelId="{5FDA05B5-3C63-4404-87FB-00F0600050C5}" type="pres">
-      <dgm:prSet presAssocID="{97AA5B65-4016-4F37-A15C-8E1D93BAF20E}" presName="Name19" presStyleLbl="parChTrans1D4" presStyleIdx="3" presStyleCnt="4"/>
-      <dgm:spPr/>
-    </dgm:pt>
-    <dgm:pt modelId="{544ADF09-2096-4660-B5C5-BCF5C8C460F4}" type="pres">
-      <dgm:prSet presAssocID="{30E7C0BE-410D-4413-A9FE-924281EFDA45}" presName="Name21" presStyleCnt="0"/>
-      <dgm:spPr/>
-    </dgm:pt>
-    <dgm:pt modelId="{BBCA1A85-48F8-486C-977B-AFEE597BD459}" type="pres">
-      <dgm:prSet presAssocID="{30E7C0BE-410D-4413-A9FE-924281EFDA45}" presName="level2Shape" presStyleLbl="asst1" presStyleIdx="7" presStyleCnt="11"/>
+    <dgm:pt modelId="{9C02B5B2-F5B0-4CB9-9B37-94E96A0414D9}" type="pres">
+      <dgm:prSet presAssocID="{C991D895-988A-4522-BDB6-04F0280117FE}" presName="Name21" presStyleCnt="0"/>
+      <dgm:spPr/>
+    </dgm:pt>
+    <dgm:pt modelId="{24F9DC55-1210-4281-8DF2-2D8C83BA2923}" type="pres">
+      <dgm:prSet presAssocID="{C991D895-988A-4522-BDB6-04F0280117FE}" presName="level2Shape" presStyleLbl="asst1" presStyleIdx="3" presStyleCnt="12"/>
       <dgm:spPr/>
       <dgm:t>
         <a:bodyPr/>
@@ -3436,20 +3580,12 @@
         </a:p>
       </dgm:t>
     </dgm:pt>
-    <dgm:pt modelId="{82417896-6288-4E86-B4AF-EF8D8BDA70FC}" type="pres">
-      <dgm:prSet presAssocID="{30E7C0BE-410D-4413-A9FE-924281EFDA45}" presName="hierChild3" presStyleCnt="0"/>
-      <dgm:spPr/>
-    </dgm:pt>
-    <dgm:pt modelId="{99DDF5E1-6073-4F18-9046-E22B84F2C41F}" type="pres">
-      <dgm:prSet presAssocID="{69D4D32A-1F94-48D7-93B2-B712A3271FA9}" presName="Name19" presStyleLbl="parChTrans1D3" presStyleIdx="1" presStyleCnt="2"/>
-      <dgm:spPr/>
-    </dgm:pt>
-    <dgm:pt modelId="{E2BCFDF3-37C4-4124-84C0-F718DC5F746C}" type="pres">
-      <dgm:prSet presAssocID="{CF09E7F5-61B8-401A-A48F-AD9EF8FADF89}" presName="Name21" presStyleCnt="0"/>
-      <dgm:spPr/>
-    </dgm:pt>
-    <dgm:pt modelId="{D302ED24-31B3-4218-8649-EEB51F4F90E7}" type="pres">
-      <dgm:prSet presAssocID="{CF09E7F5-61B8-401A-A48F-AD9EF8FADF89}" presName="level2Shape" presStyleLbl="asst1" presStyleIdx="8" presStyleCnt="11"/>
+    <dgm:pt modelId="{5DA84C5A-A30E-4398-8244-CF5A13F41063}" type="pres">
+      <dgm:prSet presAssocID="{C991D895-988A-4522-BDB6-04F0280117FE}" presName="hierChild3" presStyleCnt="0"/>
+      <dgm:spPr/>
+    </dgm:pt>
+    <dgm:pt modelId="{31DC6327-5730-4712-8A21-FDC6CC24AA7A}" type="pres">
+      <dgm:prSet presAssocID="{7E6D1B0E-E6E9-45B3-B268-0DD5D0A0BEA7}" presName="Name19" presStyleLbl="parChTrans1D4" presStyleIdx="0" presStyleCnt="4"/>
       <dgm:spPr/>
       <dgm:t>
         <a:bodyPr/>
@@ -3459,20 +3595,12 @@
         </a:p>
       </dgm:t>
     </dgm:pt>
-    <dgm:pt modelId="{8983FDC3-B253-4FBF-9D2F-BD0415E15B57}" type="pres">
-      <dgm:prSet presAssocID="{CF09E7F5-61B8-401A-A48F-AD9EF8FADF89}" presName="hierChild3" presStyleCnt="0"/>
-      <dgm:spPr/>
-    </dgm:pt>
-    <dgm:pt modelId="{B661105B-A5C1-4CA2-8BD0-A312308A3339}" type="pres">
-      <dgm:prSet presAssocID="{ACAF9835-982D-403C-AD48-55EA1E815D9B}" presName="Name19" presStyleLbl="parChTrans1D2" presStyleIdx="3" presStyleCnt="5"/>
-      <dgm:spPr/>
-    </dgm:pt>
-    <dgm:pt modelId="{437EA882-C278-4281-A4F0-9331053D3EE1}" type="pres">
-      <dgm:prSet presAssocID="{96A75C78-1D2F-4411-B262-022E9781DDD5}" presName="Name21" presStyleCnt="0"/>
-      <dgm:spPr/>
-    </dgm:pt>
-    <dgm:pt modelId="{B7523743-5636-4F9C-B051-F02D86643CFB}" type="pres">
-      <dgm:prSet presAssocID="{96A75C78-1D2F-4411-B262-022E9781DDD5}" presName="level2Shape" presStyleLbl="asst1" presStyleIdx="9" presStyleCnt="11"/>
+    <dgm:pt modelId="{49B290F4-26ED-4157-AC3A-C15B2FA81E76}" type="pres">
+      <dgm:prSet presAssocID="{B026108E-5801-464D-948F-BB453C9D172F}" presName="Name21" presStyleCnt="0"/>
+      <dgm:spPr/>
+    </dgm:pt>
+    <dgm:pt modelId="{29A9C587-EC29-434E-9F17-16D7F7F55B55}" type="pres">
+      <dgm:prSet presAssocID="{B026108E-5801-464D-948F-BB453C9D172F}" presName="level2Shape" presStyleLbl="asst1" presStyleIdx="4" presStyleCnt="12"/>
       <dgm:spPr/>
       <dgm:t>
         <a:bodyPr/>
@@ -3482,20 +3610,12 @@
         </a:p>
       </dgm:t>
     </dgm:pt>
-    <dgm:pt modelId="{432BB561-1044-4318-8E4C-B305AC499CB6}" type="pres">
-      <dgm:prSet presAssocID="{96A75C78-1D2F-4411-B262-022E9781DDD5}" presName="hierChild3" presStyleCnt="0"/>
-      <dgm:spPr/>
-    </dgm:pt>
-    <dgm:pt modelId="{E5992DC9-E063-4145-B046-5B43976A1D2D}" type="pres">
-      <dgm:prSet presAssocID="{0F222102-FC39-4051-B47A-38BB28A566DC}" presName="Name19" presStyleLbl="parChTrans1D2" presStyleIdx="4" presStyleCnt="5"/>
-      <dgm:spPr/>
-    </dgm:pt>
-    <dgm:pt modelId="{FF6ABD9C-2BEB-49BC-845A-5EC487A55485}" type="pres">
-      <dgm:prSet presAssocID="{39FFA39A-E9A4-4A99-8279-2E066F1277C1}" presName="Name21" presStyleCnt="0"/>
-      <dgm:spPr/>
-    </dgm:pt>
-    <dgm:pt modelId="{905E3E5E-A150-4B65-B77E-229BE5574197}" type="pres">
-      <dgm:prSet presAssocID="{39FFA39A-E9A4-4A99-8279-2E066F1277C1}" presName="level2Shape" presStyleLbl="asst1" presStyleIdx="10" presStyleCnt="11"/>
+    <dgm:pt modelId="{93A161B3-D3A9-4938-8EB4-4892AF5140E0}" type="pres">
+      <dgm:prSet presAssocID="{B026108E-5801-464D-948F-BB453C9D172F}" presName="hierChild3" presStyleCnt="0"/>
+      <dgm:spPr/>
+    </dgm:pt>
+    <dgm:pt modelId="{DE03FB01-A01F-42DF-88C4-211A24FA5A0F}" type="pres">
+      <dgm:prSet presAssocID="{CD24E15A-C9C9-48D0-A484-87C7519199F1}" presName="Name19" presStyleLbl="parChTrans1D4" presStyleIdx="1" presStyleCnt="4"/>
       <dgm:spPr/>
       <dgm:t>
         <a:bodyPr/>
@@ -3505,8 +3625,203 @@
         </a:p>
       </dgm:t>
     </dgm:pt>
-    <dgm:pt modelId="{5B80226F-1229-4BD1-803C-AF2F6ABC66C5}" type="pres">
-      <dgm:prSet presAssocID="{39FFA39A-E9A4-4A99-8279-2E066F1277C1}" presName="hierChild3" presStyleCnt="0"/>
+    <dgm:pt modelId="{CD373A8B-6819-48AE-8FAF-E4B022EF339D}" type="pres">
+      <dgm:prSet presAssocID="{1E7E91CA-AFC9-40AA-B19D-2E5213550D52}" presName="Name21" presStyleCnt="0"/>
+      <dgm:spPr/>
+    </dgm:pt>
+    <dgm:pt modelId="{D88D310A-A6A3-4A38-835D-2B93C97F4FC7}" type="pres">
+      <dgm:prSet presAssocID="{1E7E91CA-AFC9-40AA-B19D-2E5213550D52}" presName="level2Shape" presStyleLbl="asst1" presStyleIdx="5" presStyleCnt="12"/>
+      <dgm:spPr/>
+      <dgm:t>
+        <a:bodyPr/>
+        <a:lstStyle/>
+        <a:p>
+          <a:endParaRPr lang="fr-FR"/>
+        </a:p>
+      </dgm:t>
+    </dgm:pt>
+    <dgm:pt modelId="{196749C8-C3FB-4DF4-84CA-AC0CA2D3FE4A}" type="pres">
+      <dgm:prSet presAssocID="{1E7E91CA-AFC9-40AA-B19D-2E5213550D52}" presName="hierChild3" presStyleCnt="0"/>
+      <dgm:spPr/>
+    </dgm:pt>
+    <dgm:pt modelId="{ACF9DE6A-8D51-44D9-B031-88CDA94429C3}" type="pres">
+      <dgm:prSet presAssocID="{8DC3A247-70BC-4412-97A1-ADC4588B7429}" presName="Name19" presStyleLbl="parChTrans1D4" presStyleIdx="2" presStyleCnt="4"/>
+      <dgm:spPr/>
+      <dgm:t>
+        <a:bodyPr/>
+        <a:lstStyle/>
+        <a:p>
+          <a:endParaRPr lang="fr-FR"/>
+        </a:p>
+      </dgm:t>
+    </dgm:pt>
+    <dgm:pt modelId="{FE1B77A8-5A66-4EAE-94A7-61EE389EABDF}" type="pres">
+      <dgm:prSet presAssocID="{459FA864-1FF2-4D09-A834-0F0EE9104F16}" presName="Name21" presStyleCnt="0"/>
+      <dgm:spPr/>
+    </dgm:pt>
+    <dgm:pt modelId="{96B1AD01-974E-4340-9BA4-B7CF66CFD93B}" type="pres">
+      <dgm:prSet presAssocID="{459FA864-1FF2-4D09-A834-0F0EE9104F16}" presName="level2Shape" presStyleLbl="asst1" presStyleIdx="6" presStyleCnt="12"/>
+      <dgm:spPr/>
+      <dgm:t>
+        <a:bodyPr/>
+        <a:lstStyle/>
+        <a:p>
+          <a:endParaRPr lang="fr-FR"/>
+        </a:p>
+      </dgm:t>
+    </dgm:pt>
+    <dgm:pt modelId="{08383C51-171F-4E72-BCAE-FAD0B524C4F5}" type="pres">
+      <dgm:prSet presAssocID="{459FA864-1FF2-4D09-A834-0F0EE9104F16}" presName="hierChild3" presStyleCnt="0"/>
+      <dgm:spPr/>
+    </dgm:pt>
+    <dgm:pt modelId="{BA14FF60-9A6C-44A1-BE1D-A1A56A9003BA}" type="pres">
+      <dgm:prSet presAssocID="{91F4AF29-A6F9-4401-8291-33D826F24981}" presName="Name19" presStyleLbl="parChTrans1D4" presStyleIdx="3" presStyleCnt="4"/>
+      <dgm:spPr/>
+      <dgm:t>
+        <a:bodyPr/>
+        <a:lstStyle/>
+        <a:p>
+          <a:endParaRPr lang="fr-FR"/>
+        </a:p>
+      </dgm:t>
+    </dgm:pt>
+    <dgm:pt modelId="{61F1D9C9-8C5E-4299-83D8-4936AE826638}" type="pres">
+      <dgm:prSet presAssocID="{A1D5A44F-83BC-4B2D-8DB6-BA59C1BC3F48}" presName="Name21" presStyleCnt="0"/>
+      <dgm:spPr/>
+    </dgm:pt>
+    <dgm:pt modelId="{AE409031-E803-49CA-BFAC-CEC6F33A972F}" type="pres">
+      <dgm:prSet presAssocID="{A1D5A44F-83BC-4B2D-8DB6-BA59C1BC3F48}" presName="level2Shape" presStyleLbl="asst1" presStyleIdx="7" presStyleCnt="12"/>
+      <dgm:spPr/>
+      <dgm:t>
+        <a:bodyPr/>
+        <a:lstStyle/>
+        <a:p>
+          <a:endParaRPr lang="fr-FR"/>
+        </a:p>
+      </dgm:t>
+    </dgm:pt>
+    <dgm:pt modelId="{665C7566-1E41-49BA-A399-F03FAB68C4F5}" type="pres">
+      <dgm:prSet presAssocID="{A1D5A44F-83BC-4B2D-8DB6-BA59C1BC3F48}" presName="hierChild3" presStyleCnt="0"/>
+      <dgm:spPr/>
+    </dgm:pt>
+    <dgm:pt modelId="{86F3C1B5-1362-4C69-8CDF-D7D0D7CD7A13}" type="pres">
+      <dgm:prSet presAssocID="{002801C9-77D4-4886-B462-9E0F04ED0E3A}" presName="Name19" presStyleLbl="parChTrans1D3" presStyleIdx="1" presStyleCnt="3"/>
+      <dgm:spPr/>
+      <dgm:t>
+        <a:bodyPr/>
+        <a:lstStyle/>
+        <a:p>
+          <a:endParaRPr lang="fr-FR"/>
+        </a:p>
+      </dgm:t>
+    </dgm:pt>
+    <dgm:pt modelId="{5B2F378C-6490-431D-A3A7-621606D88A59}" type="pres">
+      <dgm:prSet presAssocID="{3DC20F53-78BC-4DA4-8994-C0BB11D43BCE}" presName="Name21" presStyleCnt="0"/>
+      <dgm:spPr/>
+    </dgm:pt>
+    <dgm:pt modelId="{6513C975-CD09-4AFC-B771-79A6362F4575}" type="pres">
+      <dgm:prSet presAssocID="{3DC20F53-78BC-4DA4-8994-C0BB11D43BCE}" presName="level2Shape" presStyleLbl="asst1" presStyleIdx="8" presStyleCnt="12"/>
+      <dgm:spPr/>
+      <dgm:t>
+        <a:bodyPr/>
+        <a:lstStyle/>
+        <a:p>
+          <a:endParaRPr lang="fr-FR"/>
+        </a:p>
+      </dgm:t>
+    </dgm:pt>
+    <dgm:pt modelId="{E6CBC5C2-2C33-4BC4-98C9-7B1172BA1753}" type="pres">
+      <dgm:prSet presAssocID="{3DC20F53-78BC-4DA4-8994-C0BB11D43BCE}" presName="hierChild3" presStyleCnt="0"/>
+      <dgm:spPr/>
+    </dgm:pt>
+    <dgm:pt modelId="{2BEE1609-B88F-4210-9E8F-830F849E695D}" type="pres">
+      <dgm:prSet presAssocID="{B1506F74-F737-4F5F-B6C7-BA9183A00325}" presName="Name19" presStyleLbl="parChTrans1D2" presStyleIdx="3" presStyleCnt="5"/>
+      <dgm:spPr/>
+      <dgm:t>
+        <a:bodyPr/>
+        <a:lstStyle/>
+        <a:p>
+          <a:endParaRPr lang="fr-FR"/>
+        </a:p>
+      </dgm:t>
+    </dgm:pt>
+    <dgm:pt modelId="{B14BE6D0-F262-4193-A25D-8746730BE1BD}" type="pres">
+      <dgm:prSet presAssocID="{48B1FAFB-B0FC-4967-93D6-B1606F73CC0B}" presName="Name21" presStyleCnt="0"/>
+      <dgm:spPr/>
+    </dgm:pt>
+    <dgm:pt modelId="{12F41C94-547F-47DA-A99C-6EA17136A131}" type="pres">
+      <dgm:prSet presAssocID="{48B1FAFB-B0FC-4967-93D6-B1606F73CC0B}" presName="level2Shape" presStyleLbl="asst1" presStyleIdx="9" presStyleCnt="12"/>
+      <dgm:spPr/>
+      <dgm:t>
+        <a:bodyPr/>
+        <a:lstStyle/>
+        <a:p>
+          <a:endParaRPr lang="fr-FR"/>
+        </a:p>
+      </dgm:t>
+    </dgm:pt>
+    <dgm:pt modelId="{564CBDFC-B84D-4439-AB0B-E1194743EF7C}" type="pres">
+      <dgm:prSet presAssocID="{48B1FAFB-B0FC-4967-93D6-B1606F73CC0B}" presName="hierChild3" presStyleCnt="0"/>
+      <dgm:spPr/>
+    </dgm:pt>
+    <dgm:pt modelId="{12157A1C-3B44-473F-82BA-7DE3614E8D72}" type="pres">
+      <dgm:prSet presAssocID="{A030E1C9-6693-46F0-8BDA-DD9A6910A40A}" presName="Name19" presStyleLbl="parChTrans1D2" presStyleIdx="4" presStyleCnt="5"/>
+      <dgm:spPr/>
+      <dgm:t>
+        <a:bodyPr/>
+        <a:lstStyle/>
+        <a:p>
+          <a:endParaRPr lang="fr-FR"/>
+        </a:p>
+      </dgm:t>
+    </dgm:pt>
+    <dgm:pt modelId="{6690DEBB-B08F-4EF8-8E81-98FE1FCF1F4F}" type="pres">
+      <dgm:prSet presAssocID="{4F9FB8E4-22B9-4A92-8A50-489A749C7336}" presName="Name21" presStyleCnt="0"/>
+      <dgm:spPr/>
+    </dgm:pt>
+    <dgm:pt modelId="{D73C165B-7A14-4FED-9D0B-DEC0FD639B8D}" type="pres">
+      <dgm:prSet presAssocID="{4F9FB8E4-22B9-4A92-8A50-489A749C7336}" presName="level2Shape" presStyleLbl="asst1" presStyleIdx="10" presStyleCnt="12"/>
+      <dgm:spPr/>
+      <dgm:t>
+        <a:bodyPr/>
+        <a:lstStyle/>
+        <a:p>
+          <a:endParaRPr lang="fr-FR"/>
+        </a:p>
+      </dgm:t>
+    </dgm:pt>
+    <dgm:pt modelId="{365F3A3C-4C94-43B0-80B4-C224064F0E22}" type="pres">
+      <dgm:prSet presAssocID="{4F9FB8E4-22B9-4A92-8A50-489A749C7336}" presName="hierChild3" presStyleCnt="0"/>
+      <dgm:spPr/>
+    </dgm:pt>
+    <dgm:pt modelId="{3E843D45-6764-45AA-91AF-B022E53AA223}" type="pres">
+      <dgm:prSet presAssocID="{712E9DB7-1BC5-4E7A-985C-CDE8492986CA}" presName="Name19" presStyleLbl="parChTrans1D3" presStyleIdx="2" presStyleCnt="3"/>
+      <dgm:spPr/>
+      <dgm:t>
+        <a:bodyPr/>
+        <a:lstStyle/>
+        <a:p>
+          <a:endParaRPr lang="fr-FR"/>
+        </a:p>
+      </dgm:t>
+    </dgm:pt>
+    <dgm:pt modelId="{B3082BDD-E78A-4AC9-916E-D5A1824905D4}" type="pres">
+      <dgm:prSet presAssocID="{11E64E11-27EA-4CD1-9F4B-D07511F4188A}" presName="Name21" presStyleCnt="0"/>
+      <dgm:spPr/>
+    </dgm:pt>
+    <dgm:pt modelId="{B34A467B-E0F7-4BAA-A66B-3F4FC392E4FE}" type="pres">
+      <dgm:prSet presAssocID="{11E64E11-27EA-4CD1-9F4B-D07511F4188A}" presName="level2Shape" presStyleLbl="asst1" presStyleIdx="11" presStyleCnt="12"/>
+      <dgm:spPr/>
+      <dgm:t>
+        <a:bodyPr/>
+        <a:lstStyle/>
+        <a:p>
+          <a:endParaRPr lang="fr-FR"/>
+        </a:p>
+      </dgm:t>
+    </dgm:pt>
+    <dgm:pt modelId="{E1A56C8B-8FAF-4898-8CB1-7C8CC0D24BFE}" type="pres">
+      <dgm:prSet presAssocID="{11E64E11-27EA-4CD1-9F4B-D07511F4188A}" presName="hierChild3" presStyleCnt="0"/>
       <dgm:spPr/>
     </dgm:pt>
     <dgm:pt modelId="{A4B3B217-6A39-46BF-986C-812FDF2C1C69}" type="pres">
@@ -3515,91 +3830,98 @@
     </dgm:pt>
   </dgm:ptLst>
   <dgm:cxnLst>
-    <dgm:cxn modelId="{B50EDB72-A2A5-450D-915D-9A51B2E66651}" srcId="{C5DC46DE-3157-47A1-A6EA-0A7E49597C24}" destId="{E1F7D92B-1A52-4E14-9B0D-CB928EC5714A}" srcOrd="2" destOrd="0" parTransId="{8D5B9A08-215A-4492-9D0A-0E955CBCBBCB}" sibTransId="{2B11D1EA-0D61-43C2-A6E9-D5DD5A90A630}"/>
-    <dgm:cxn modelId="{369E90E9-122B-4238-809C-064F32369FA1}" srcId="{E1F7D92B-1A52-4E14-9B0D-CB928EC5714A}" destId="{30E7C0BE-410D-4413-A9FE-924281EFDA45}" srcOrd="0" destOrd="0" parTransId="{97AA5B65-4016-4F37-A15C-8E1D93BAF20E}" sibTransId="{FFB954FC-A4FC-4C6D-954C-FC952129C523}"/>
-    <dgm:cxn modelId="{53BA3505-8ADA-4607-9534-9E959A65A26A}" type="presOf" srcId="{BA4FCD5F-CC32-4D01-9F3D-801A522A2185}" destId="{C739C0F1-83CE-45DB-A0E3-06B05DDB7E58}" srcOrd="0" destOrd="0" presId="urn:microsoft.com/office/officeart/2005/8/layout/hierarchy6"/>
-    <dgm:cxn modelId="{B32FC447-45C0-4987-BE55-75221BC0E60F}" type="presOf" srcId="{E1F7D92B-1A52-4E14-9B0D-CB928EC5714A}" destId="{2A231ACB-D04E-4E0E-BE30-51CDC2664314}" srcOrd="0" destOrd="0" presId="urn:microsoft.com/office/officeart/2005/8/layout/hierarchy6"/>
-    <dgm:cxn modelId="{C35F62EB-EDBB-4538-873B-F0B35B6EECD4}" type="presOf" srcId="{052456DF-5352-4A68-A9EC-71A9E65D7BE1}" destId="{DAE48A17-C318-44DD-B692-E85FBDC151AF}" srcOrd="0" destOrd="0" presId="urn:microsoft.com/office/officeart/2005/8/layout/hierarchy6"/>
-    <dgm:cxn modelId="{C173C3E7-0BCD-406D-AA71-617C25BA4F6B}" type="presOf" srcId="{C5DC46DE-3157-47A1-A6EA-0A7E49597C24}" destId="{F3BD3D08-7777-409D-A794-C551AEA649EE}" srcOrd="0" destOrd="0" presId="urn:microsoft.com/office/officeart/2005/8/layout/hierarchy6"/>
-    <dgm:cxn modelId="{8D50E575-3E7E-4739-8948-B0FC741387AB}" type="presOf" srcId="{ADDE9F76-5436-4137-907C-153A5DF34495}" destId="{2E3AD3E9-865A-4258-BAC1-9E8B43766D37}" srcOrd="0" destOrd="0" presId="urn:microsoft.com/office/officeart/2005/8/layout/hierarchy6"/>
-    <dgm:cxn modelId="{B1B0CB25-1519-40C2-BC84-4E775C501079}" type="presOf" srcId="{AFF90FE5-31BD-4496-AA52-3F92C69A9B51}" destId="{FCA1CC1E-5313-4CBF-BDA5-DF38353EF256}" srcOrd="0" destOrd="0" presId="urn:microsoft.com/office/officeart/2005/8/layout/hierarchy6"/>
-    <dgm:cxn modelId="{479A1F2F-3FAC-4F97-88C2-B38EEC9C19A5}" srcId="{F9F107EB-77EC-4B51-A109-7F2FBD0A9580}" destId="{1E275C11-64BA-4DC7-9643-44453C1A6748}" srcOrd="1" destOrd="0" parTransId="{AFF90FE5-31BD-4496-AA52-3F92C69A9B51}" sibTransId="{969466E3-C27A-48FC-8D4E-183981285BA7}"/>
-    <dgm:cxn modelId="{BCFDE6AA-B8CB-49D1-8738-35A5B3CAF137}" type="presOf" srcId="{69D4D32A-1F94-48D7-93B2-B712A3271FA9}" destId="{99DDF5E1-6073-4F18-9046-E22B84F2C41F}" srcOrd="0" destOrd="0" presId="urn:microsoft.com/office/officeart/2005/8/layout/hierarchy6"/>
-    <dgm:cxn modelId="{E38A06C3-EF93-4C0D-8607-024E38D0CC80}" type="presOf" srcId="{8D5B9A08-215A-4492-9D0A-0E955CBCBBCB}" destId="{9B678632-7E2C-4DC5-943F-D4B181521831}" srcOrd="0" destOrd="0" presId="urn:microsoft.com/office/officeart/2005/8/layout/hierarchy6"/>
+    <dgm:cxn modelId="{E6CE03C0-BBA6-4F87-B758-76B98B9A7268}" type="presOf" srcId="{002801C9-77D4-4886-B462-9E0F04ED0E3A}" destId="{86F3C1B5-1362-4C69-8CDF-D7D0D7CD7A13}" srcOrd="0" destOrd="0" presId="urn:microsoft.com/office/officeart/2005/8/layout/hierarchy6"/>
+    <dgm:cxn modelId="{4B407186-4491-414A-A473-B6306DEBD06C}" type="presOf" srcId="{3DC20F53-78BC-4DA4-8994-C0BB11D43BCE}" destId="{6513C975-CD09-4AFC-B771-79A6362F4575}" srcOrd="0" destOrd="0" presId="urn:microsoft.com/office/officeart/2005/8/layout/hierarchy6"/>
+    <dgm:cxn modelId="{604F7859-1C16-4B54-A5C3-2CCF12C4658E}" type="presOf" srcId="{4F9FB8E4-22B9-4A92-8A50-489A749C7336}" destId="{D73C165B-7A14-4FED-9D0B-DEC0FD639B8D}" srcOrd="0" destOrd="0" presId="urn:microsoft.com/office/officeart/2005/8/layout/hierarchy6"/>
+    <dgm:cxn modelId="{E318CCD6-55D2-459B-9513-B6612430DDD1}" type="presOf" srcId="{48B1FAFB-B0FC-4967-93D6-B1606F73CC0B}" destId="{12F41C94-547F-47DA-A99C-6EA17136A131}" srcOrd="0" destOrd="0" presId="urn:microsoft.com/office/officeart/2005/8/layout/hierarchy6"/>
+    <dgm:cxn modelId="{7DC289CC-2AA5-4BD5-A6B2-3B405CE2563B}" type="presOf" srcId="{CD24E15A-C9C9-48D0-A484-87C7519199F1}" destId="{DE03FB01-A01F-42DF-88C4-211A24FA5A0F}" srcOrd="0" destOrd="0" presId="urn:microsoft.com/office/officeart/2005/8/layout/hierarchy6"/>
+    <dgm:cxn modelId="{D6738F54-1629-4D29-8A72-C892AA19502B}" type="presOf" srcId="{A33EE158-9F17-454E-A80E-DDB07EA40B47}" destId="{60F76F56-AA25-4471-B39C-08902F41A6B4}" srcOrd="0" destOrd="0" presId="urn:microsoft.com/office/officeart/2005/8/layout/hierarchy6"/>
+    <dgm:cxn modelId="{F3FAEC52-2B27-4150-B92A-F2C8C573339E}" srcId="{C991D895-988A-4522-BDB6-04F0280117FE}" destId="{1E7E91CA-AFC9-40AA-B19D-2E5213550D52}" srcOrd="1" destOrd="0" parTransId="{CD24E15A-C9C9-48D0-A484-87C7519199F1}" sibTransId="{BE57D1E9-5F49-4DA1-A0AD-75D727F4A7EF}"/>
+    <dgm:cxn modelId="{9500D54F-2F61-4607-BFE1-3811EDAD15DE}" srcId="{F9F107EB-77EC-4B51-A109-7F2FBD0A9580}" destId="{A292F1F1-C2E8-4F78-99EB-261B3E1630C6}" srcOrd="1" destOrd="0" parTransId="{B0816973-6F0F-4286-BAED-982E972892C4}" sibTransId="{4E2B3CC8-287F-42FC-87E0-AC5C2AF2A3B7}"/>
+    <dgm:cxn modelId="{FF2E7586-C7C9-4915-9F2D-6CD314BC42DE}" srcId="{F9F107EB-77EC-4B51-A109-7F2FBD0A9580}" destId="{793472DC-2711-48BC-B6BC-70485B552152}" srcOrd="0" destOrd="0" parTransId="{A33EE158-9F17-454E-A80E-DDB07EA40B47}" sibTransId="{D8E82BF8-48A3-4D87-A9AB-0643062C7B2D}"/>
+    <dgm:cxn modelId="{B5217CE3-F379-45B1-9525-43E6E4427EE4}" srcId="{4F9FB8E4-22B9-4A92-8A50-489A749C7336}" destId="{11E64E11-27EA-4CD1-9F4B-D07511F4188A}" srcOrd="0" destOrd="0" parTransId="{712E9DB7-1BC5-4E7A-985C-CDE8492986CA}" sibTransId="{BA29F750-28AB-4E8F-AA65-82757F70213A}"/>
+    <dgm:cxn modelId="{EC0C3105-A869-4A00-9110-A9CD0E685491}" srcId="{07A83573-E2B8-43F5-B9C0-331C912AA3DE}" destId="{3DC20F53-78BC-4DA4-8994-C0BB11D43BCE}" srcOrd="1" destOrd="0" parTransId="{002801C9-77D4-4886-B462-9E0F04ED0E3A}" sibTransId="{38030B9A-BC6A-412C-B1AC-476A80B89E2B}"/>
+    <dgm:cxn modelId="{5D08D8E5-95E0-473C-BA8F-BAA7F3D6C48B}" type="presOf" srcId="{A1D5A44F-83BC-4B2D-8DB6-BA59C1BC3F48}" destId="{AE409031-E803-49CA-BFAC-CEC6F33A972F}" srcOrd="0" destOrd="0" presId="urn:microsoft.com/office/officeart/2005/8/layout/hierarchy6"/>
+    <dgm:cxn modelId="{A37FA005-6433-4C0E-AEA7-47764177E45C}" srcId="{07A83573-E2B8-43F5-B9C0-331C912AA3DE}" destId="{C991D895-988A-4522-BDB6-04F0280117FE}" srcOrd="0" destOrd="0" parTransId="{D6F68508-648E-498A-87FB-20615758B6EF}" sibTransId="{E3B5B9C0-6CE1-4787-A926-C73E3C5DBE96}"/>
+    <dgm:cxn modelId="{0609011D-8794-4C94-B16A-DEDDAEEE3103}" srcId="{C991D895-988A-4522-BDB6-04F0280117FE}" destId="{A1D5A44F-83BC-4B2D-8DB6-BA59C1BC3F48}" srcOrd="3" destOrd="0" parTransId="{91F4AF29-A6F9-4401-8291-33D826F24981}" sibTransId="{3F6B239F-6E88-49D9-BF78-2DD007B6DB0A}"/>
+    <dgm:cxn modelId="{9435693C-C5DC-40CD-9661-714D113E8470}" type="presOf" srcId="{07A83573-E2B8-43F5-B9C0-331C912AA3DE}" destId="{34329CEB-81E4-41E7-AF1D-8FEB0F093DAC}" srcOrd="0" destOrd="0" presId="urn:microsoft.com/office/officeart/2005/8/layout/hierarchy6"/>
+    <dgm:cxn modelId="{0D5FEF77-BB66-48E4-8596-B0A4BAEB56ED}" srcId="{C991D895-988A-4522-BDB6-04F0280117FE}" destId="{459FA864-1FF2-4D09-A834-0F0EE9104F16}" srcOrd="2" destOrd="0" parTransId="{8DC3A247-70BC-4412-97A1-ADC4588B7429}" sibTransId="{635BA6EB-FCD9-4118-90F5-7F7593C1658F}"/>
+    <dgm:cxn modelId="{3EA9C86D-96B4-4B3E-9E48-D16E2DD8931F}" type="presOf" srcId="{F9F107EB-77EC-4B51-A109-7F2FBD0A9580}" destId="{54BC1FC1-8EB8-441C-AB39-4B93F2D8B7C7}" srcOrd="0" destOrd="0" presId="urn:microsoft.com/office/officeart/2005/8/layout/hierarchy6"/>
+    <dgm:cxn modelId="{45C18376-FF0B-4DB8-900C-48E482891834}" type="presOf" srcId="{B026108E-5801-464D-948F-BB453C9D172F}" destId="{29A9C587-EC29-434E-9F17-16D7F7F55B55}" srcOrd="0" destOrd="0" presId="urn:microsoft.com/office/officeart/2005/8/layout/hierarchy6"/>
+    <dgm:cxn modelId="{1B1EEEB9-24F7-4E47-B341-0844D65B33F8}" type="presOf" srcId="{11E64E11-27EA-4CD1-9F4B-D07511F4188A}" destId="{B34A467B-E0F7-4BAA-A66B-3F4FC392E4FE}" srcOrd="0" destOrd="0" presId="urn:microsoft.com/office/officeart/2005/8/layout/hierarchy6"/>
+    <dgm:cxn modelId="{FEA8064B-FF95-490F-B460-D67BF1B498EC}" srcId="{F9F107EB-77EC-4B51-A109-7F2FBD0A9580}" destId="{07A83573-E2B8-43F5-B9C0-331C912AA3DE}" srcOrd="2" destOrd="0" parTransId="{77FAE11B-5B44-4F52-8900-7374B076B020}" sibTransId="{45D00D0D-C0AB-4EDA-8D6A-F3770039A562}"/>
+    <dgm:cxn modelId="{F29279C2-8C59-46F5-A95E-931B46F06557}" type="presOf" srcId="{D6F68508-648E-498A-87FB-20615758B6EF}" destId="{F5FE2F22-137C-4376-8D74-64E08FEC6ECF}" srcOrd="0" destOrd="0" presId="urn:microsoft.com/office/officeart/2005/8/layout/hierarchy6"/>
+    <dgm:cxn modelId="{A6580069-3867-41E6-A7AB-5E846C459AAF}" type="presOf" srcId="{712E9DB7-1BC5-4E7A-985C-CDE8492986CA}" destId="{3E843D45-6764-45AA-91AF-B022E53AA223}" srcOrd="0" destOrd="0" presId="urn:microsoft.com/office/officeart/2005/8/layout/hierarchy6"/>
+    <dgm:cxn modelId="{64C168B9-59FF-445E-81CF-23E77C03B1F5}" type="presOf" srcId="{91F4AF29-A6F9-4401-8291-33D826F24981}" destId="{BA14FF60-9A6C-44A1-BE1D-A1A56A9003BA}" srcOrd="0" destOrd="0" presId="urn:microsoft.com/office/officeart/2005/8/layout/hierarchy6"/>
+    <dgm:cxn modelId="{0C0E8D59-DB0F-4E52-9EEE-9B3E65FB50F4}" type="presOf" srcId="{B1506F74-F737-4F5F-B6C7-BA9183A00325}" destId="{2BEE1609-B88F-4210-9E8F-830F849E695D}" srcOrd="0" destOrd="0" presId="urn:microsoft.com/office/officeart/2005/8/layout/hierarchy6"/>
+    <dgm:cxn modelId="{B0E4C273-FC9C-4C36-A801-96F8FFF26A2D}" type="presOf" srcId="{1E7E91CA-AFC9-40AA-B19D-2E5213550D52}" destId="{D88D310A-A6A3-4A38-835D-2B93C97F4FC7}" srcOrd="0" destOrd="0" presId="urn:microsoft.com/office/officeart/2005/8/layout/hierarchy6"/>
+    <dgm:cxn modelId="{49FFBD84-A25E-44EE-97D1-29B2121A073B}" srcId="{A23ACA17-C756-417A-A45B-306F02036744}" destId="{F9F107EB-77EC-4B51-A109-7F2FBD0A9580}" srcOrd="0" destOrd="0" parTransId="{9963C55C-8D85-4D27-871A-447F192C19F9}" sibTransId="{7339DA6C-09D5-4E08-A3B5-388959919974}"/>
+    <dgm:cxn modelId="{44CC887D-7D60-469F-8717-7F2464EDE257}" srcId="{C991D895-988A-4522-BDB6-04F0280117FE}" destId="{B026108E-5801-464D-948F-BB453C9D172F}" srcOrd="0" destOrd="0" parTransId="{7E6D1B0E-E6E9-45B3-B268-0DD5D0A0BEA7}" sibTransId="{064120DE-1229-49EE-B43C-E9FA62698B09}"/>
+    <dgm:cxn modelId="{EFF05A4F-DAB3-4E41-8E94-4AF8A7FF3410}" type="presOf" srcId="{C991D895-988A-4522-BDB6-04F0280117FE}" destId="{24F9DC55-1210-4281-8DF2-2D8C83BA2923}" srcOrd="0" destOrd="0" presId="urn:microsoft.com/office/officeart/2005/8/layout/hierarchy6"/>
+    <dgm:cxn modelId="{E2F2F5E5-7B5E-4564-9E81-D09F06AF7A15}" srcId="{F9F107EB-77EC-4B51-A109-7F2FBD0A9580}" destId="{4F9FB8E4-22B9-4A92-8A50-489A749C7336}" srcOrd="4" destOrd="0" parTransId="{A030E1C9-6693-46F0-8BDA-DD9A6910A40A}" sibTransId="{93DC52E4-59A7-4D19-9512-088E0B22C71A}"/>
+    <dgm:cxn modelId="{7FFCAB83-7F7D-4E11-BBFE-D0A1E5D28984}" type="presOf" srcId="{459FA864-1FF2-4D09-A834-0F0EE9104F16}" destId="{96B1AD01-974E-4340-9BA4-B7CF66CFD93B}" srcOrd="0" destOrd="0" presId="urn:microsoft.com/office/officeart/2005/8/layout/hierarchy6"/>
+    <dgm:cxn modelId="{8E7B1D88-0317-4A68-8E48-D0EE8BB6344A}" type="presOf" srcId="{B0816973-6F0F-4286-BAED-982E972892C4}" destId="{EEE018EB-0DB6-4574-A3BC-E153D77FBBDF}" srcOrd="0" destOrd="0" presId="urn:microsoft.com/office/officeart/2005/8/layout/hierarchy6"/>
+    <dgm:cxn modelId="{ED158DBE-4FE4-4647-9DAD-8903EB2BA8E7}" type="presOf" srcId="{77FAE11B-5B44-4F52-8900-7374B076B020}" destId="{23113C5F-D466-47A3-B9E0-844A5FCB0E0F}" srcOrd="0" destOrd="0" presId="urn:microsoft.com/office/officeart/2005/8/layout/hierarchy6"/>
     <dgm:cxn modelId="{F9A470A5-05F8-4522-883A-3452BD25C0AC}" type="presOf" srcId="{A23ACA17-C756-417A-A45B-306F02036744}" destId="{BA872154-1B5D-45FA-B7CD-4AF6EB3E6F8B}" srcOrd="0" destOrd="0" presId="urn:microsoft.com/office/officeart/2005/8/layout/hierarchy6"/>
-    <dgm:cxn modelId="{82565638-3F4E-4FE2-92A2-741FAFD66A50}" srcId="{C5DC46DE-3157-47A1-A6EA-0A7E49597C24}" destId="{BA4FCD5F-CC32-4D01-9F3D-801A522A2185}" srcOrd="1" destOrd="0" parTransId="{B0E8868F-711D-41DE-A4A1-F25F5B559012}" sibTransId="{BA3AF20C-A29D-47F8-B639-1D505C43025A}"/>
-    <dgm:cxn modelId="{B3BBFA21-26ED-4392-832B-B3FF6C84785D}" type="presOf" srcId="{B0E8868F-711D-41DE-A4A1-F25F5B559012}" destId="{337DE9D0-8F14-4BC0-A08D-46478003C9CE}" srcOrd="0" destOrd="0" presId="urn:microsoft.com/office/officeart/2005/8/layout/hierarchy6"/>
-    <dgm:cxn modelId="{4D969272-2C54-4F0B-AAAA-D756CE1CBEA4}" srcId="{F9F107EB-77EC-4B51-A109-7F2FBD0A9580}" destId="{39FFA39A-E9A4-4A99-8279-2E066F1277C1}" srcOrd="4" destOrd="0" parTransId="{0F222102-FC39-4051-B47A-38BB28A566DC}" sibTransId="{12C341A5-D9F3-4213-81F4-F287F6BC89A5}"/>
-    <dgm:cxn modelId="{AE4E7042-EB68-4648-8CC3-B6D1598E3749}" type="presOf" srcId="{39FFA39A-E9A4-4A99-8279-2E066F1277C1}" destId="{905E3E5E-A150-4B65-B77E-229BE5574197}" srcOrd="0" destOrd="0" presId="urn:microsoft.com/office/officeart/2005/8/layout/hierarchy6"/>
-    <dgm:cxn modelId="{6B09A302-87AC-4754-A3EF-04A8C8012E7A}" type="presOf" srcId="{ACAF9835-982D-403C-AD48-55EA1E815D9B}" destId="{B661105B-A5C1-4CA2-8BD0-A312308A3339}" srcOrd="0" destOrd="0" presId="urn:microsoft.com/office/officeart/2005/8/layout/hierarchy6"/>
-    <dgm:cxn modelId="{641643C5-03C1-4AA0-AE9B-1FF8D1C7B3AA}" srcId="{F9F107EB-77EC-4B51-A109-7F2FBD0A9580}" destId="{96A75C78-1D2F-4411-B262-022E9781DDD5}" srcOrd="3" destOrd="0" parTransId="{ACAF9835-982D-403C-AD48-55EA1E815D9B}" sibTransId="{A6620D2C-D113-4962-84F3-7A497F47C1E4}"/>
-    <dgm:cxn modelId="{49FFBD84-A25E-44EE-97D1-29B2121A073B}" srcId="{A23ACA17-C756-417A-A45B-306F02036744}" destId="{F9F107EB-77EC-4B51-A109-7F2FBD0A9580}" srcOrd="0" destOrd="0" parTransId="{9963C55C-8D85-4D27-871A-447F192C19F9}" sibTransId="{7339DA6C-09D5-4E08-A3B5-388959919974}"/>
-    <dgm:cxn modelId="{5CF711EB-7528-4096-A2EC-9AD00EFBA652}" srcId="{C5DC46DE-3157-47A1-A6EA-0A7E49597C24}" destId="{5F3D52DE-C9D5-4C26-B46B-849EA96AC502}" srcOrd="0" destOrd="0" parTransId="{09670C03-7EA8-4B9E-970B-204360076DB6}" sibTransId="{ECF50FCE-C3BD-4B2A-A6CE-5C380A2643F7}"/>
-    <dgm:cxn modelId="{823CF259-65D9-47CF-8B05-229A3A24734B}" type="presOf" srcId="{09670C03-7EA8-4B9E-970B-204360076DB6}" destId="{17E56E1D-E41C-4A79-ABC6-B8ADC972FBD2}" srcOrd="0" destOrd="0" presId="urn:microsoft.com/office/officeart/2005/8/layout/hierarchy6"/>
-    <dgm:cxn modelId="{0810390D-92A0-4770-8E8E-1A9BE479F782}" srcId="{F9F107EB-77EC-4B51-A109-7F2FBD0A9580}" destId="{30112921-2B5A-4991-AB67-FBCED563A192}" srcOrd="2" destOrd="0" parTransId="{ADDE9F76-5436-4137-907C-153A5DF34495}" sibTransId="{75350FDA-410D-4A0B-A1C6-F0E1512F8F0B}"/>
-    <dgm:cxn modelId="{57772D1F-5DB3-4260-B086-B8460BF11162}" type="presOf" srcId="{96A75C78-1D2F-4411-B262-022E9781DDD5}" destId="{B7523743-5636-4F9C-B051-F02D86643CFB}" srcOrd="0" destOrd="0" presId="urn:microsoft.com/office/officeart/2005/8/layout/hierarchy6"/>
-    <dgm:cxn modelId="{7CCAB99F-BB9F-46CF-8B17-4D69102F125C}" type="presOf" srcId="{1E275C11-64BA-4DC7-9643-44453C1A6748}" destId="{844CE120-146F-4C3B-88C4-801D7F74801A}" srcOrd="0" destOrd="0" presId="urn:microsoft.com/office/officeart/2005/8/layout/hierarchy6"/>
-    <dgm:cxn modelId="{1AA7846B-7BC7-42E6-88EE-18D39404D02B}" srcId="{30112921-2B5A-4991-AB67-FBCED563A192}" destId="{C5DC46DE-3157-47A1-A6EA-0A7E49597C24}" srcOrd="0" destOrd="0" parTransId="{052456DF-5352-4A68-A9EC-71A9E65D7BE1}" sibTransId="{2B567D9F-19DE-440F-82DD-316B685F3DA0}"/>
-    <dgm:cxn modelId="{C81C1C6E-47ED-4BF8-8C92-94A5F020976E}" type="presOf" srcId="{30E7C0BE-410D-4413-A9FE-924281EFDA45}" destId="{BBCA1A85-48F8-486C-977B-AFEE597BD459}" srcOrd="0" destOrd="0" presId="urn:microsoft.com/office/officeart/2005/8/layout/hierarchy6"/>
-    <dgm:cxn modelId="{32956831-4A90-4A44-9B41-09E904A21F14}" srcId="{F9F107EB-77EC-4B51-A109-7F2FBD0A9580}" destId="{CDF60439-2B11-4B7E-8133-377B477EE2E0}" srcOrd="0" destOrd="0" parTransId="{897D89F2-90B2-4947-9CEB-DEB913600F10}" sibTransId="{47DB5AD6-D003-49A9-B812-F31497BA222D}"/>
-    <dgm:cxn modelId="{EE8F38E9-C5DB-454B-96F1-5D388597B921}" type="presOf" srcId="{0F222102-FC39-4051-B47A-38BB28A566DC}" destId="{E5992DC9-E063-4145-B046-5B43976A1D2D}" srcOrd="0" destOrd="0" presId="urn:microsoft.com/office/officeart/2005/8/layout/hierarchy6"/>
-    <dgm:cxn modelId="{6449FD00-2CDD-4C3B-89BF-1E15D93C67B8}" type="presOf" srcId="{CDF60439-2B11-4B7E-8133-377B477EE2E0}" destId="{66B4FF20-F32A-4BA0-AB55-A9994D854190}" srcOrd="0" destOrd="0" presId="urn:microsoft.com/office/officeart/2005/8/layout/hierarchy6"/>
-    <dgm:cxn modelId="{8B169551-CAAC-4B82-B098-D21DECB75B68}" type="presOf" srcId="{30112921-2B5A-4991-AB67-FBCED563A192}" destId="{9BB13648-F2EC-42C6-85AC-8EB612029EB6}" srcOrd="0" destOrd="0" presId="urn:microsoft.com/office/officeart/2005/8/layout/hierarchy6"/>
-    <dgm:cxn modelId="{3EA9C86D-96B4-4B3E-9E48-D16E2DD8931F}" type="presOf" srcId="{F9F107EB-77EC-4B51-A109-7F2FBD0A9580}" destId="{54BC1FC1-8EB8-441C-AB39-4B93F2D8B7C7}" srcOrd="0" destOrd="0" presId="urn:microsoft.com/office/officeart/2005/8/layout/hierarchy6"/>
-    <dgm:cxn modelId="{4BA8632D-EF6C-438B-A4F6-7C6578AEC123}" type="presOf" srcId="{897D89F2-90B2-4947-9CEB-DEB913600F10}" destId="{EDD9B72F-83C4-4D55-91F4-D0BAC6DA5AB7}" srcOrd="0" destOrd="0" presId="urn:microsoft.com/office/officeart/2005/8/layout/hierarchy6"/>
-    <dgm:cxn modelId="{2D1C10EE-6A0F-4B1F-B57F-01AAC71F965B}" type="presOf" srcId="{97AA5B65-4016-4F37-A15C-8E1D93BAF20E}" destId="{5FDA05B5-3C63-4404-87FB-00F0600050C5}" srcOrd="0" destOrd="0" presId="urn:microsoft.com/office/officeart/2005/8/layout/hierarchy6"/>
-    <dgm:cxn modelId="{B708E0E6-2A12-4E47-A2DA-2612EF5CAB0E}" type="presOf" srcId="{5F3D52DE-C9D5-4C26-B46B-849EA96AC502}" destId="{33113F41-E50F-4513-A49A-B8F70E1BAA0A}" srcOrd="0" destOrd="0" presId="urn:microsoft.com/office/officeart/2005/8/layout/hierarchy6"/>
-    <dgm:cxn modelId="{A887822D-A978-402F-99AC-86D2C29D98B1}" type="presOf" srcId="{CF09E7F5-61B8-401A-A48F-AD9EF8FADF89}" destId="{D302ED24-31B3-4218-8649-EEB51F4F90E7}" srcOrd="0" destOrd="0" presId="urn:microsoft.com/office/officeart/2005/8/layout/hierarchy6"/>
-    <dgm:cxn modelId="{C6D1B037-75AC-4A0F-A30B-28D07D12FDB6}" srcId="{30112921-2B5A-4991-AB67-FBCED563A192}" destId="{CF09E7F5-61B8-401A-A48F-AD9EF8FADF89}" srcOrd="1" destOrd="0" parTransId="{69D4D32A-1F94-48D7-93B2-B712A3271FA9}" sibTransId="{3845FCD5-106F-4AE0-A26D-E1C92FC61A98}"/>
+    <dgm:cxn modelId="{3F806654-9A21-4EA3-91A8-018644EB13A9}" type="presOf" srcId="{793472DC-2711-48BC-B6BC-70485B552152}" destId="{BFF60245-85E8-4968-8DF3-FBD2BF821BEE}" srcOrd="0" destOrd="0" presId="urn:microsoft.com/office/officeart/2005/8/layout/hierarchy6"/>
+    <dgm:cxn modelId="{9D09C316-39E6-4BBE-AF13-7520606508E5}" type="presOf" srcId="{A292F1F1-C2E8-4F78-99EB-261B3E1630C6}" destId="{6D4DEB02-83AF-4247-AEA5-94E0278E7DCD}" srcOrd="0" destOrd="0" presId="urn:microsoft.com/office/officeart/2005/8/layout/hierarchy6"/>
+    <dgm:cxn modelId="{2F2C1D74-CD4A-4892-AE4D-2A22434AE40B}" srcId="{F9F107EB-77EC-4B51-A109-7F2FBD0A9580}" destId="{48B1FAFB-B0FC-4967-93D6-B1606F73CC0B}" srcOrd="3" destOrd="0" parTransId="{B1506F74-F737-4F5F-B6C7-BA9183A00325}" sibTransId="{01B94CA9-830E-4444-9CC2-DBDD0C3293CC}"/>
+    <dgm:cxn modelId="{9ED88D3A-F59C-4727-ABF1-0D6A2CF6389A}" type="presOf" srcId="{A030E1C9-6693-46F0-8BDA-DD9A6910A40A}" destId="{12157A1C-3B44-473F-82BA-7DE3614E8D72}" srcOrd="0" destOrd="0" presId="urn:microsoft.com/office/officeart/2005/8/layout/hierarchy6"/>
+    <dgm:cxn modelId="{817F809D-C691-404B-9C30-5AA317901208}" type="presOf" srcId="{8DC3A247-70BC-4412-97A1-ADC4588B7429}" destId="{ACF9DE6A-8D51-44D9-B031-88CDA94429C3}" srcOrd="0" destOrd="0" presId="urn:microsoft.com/office/officeart/2005/8/layout/hierarchy6"/>
+    <dgm:cxn modelId="{5D035D9B-F2B6-48BB-8B5F-A208DD42AEA6}" type="presOf" srcId="{7E6D1B0E-E6E9-45B3-B268-0DD5D0A0BEA7}" destId="{31DC6327-5730-4712-8A21-FDC6CC24AA7A}" srcOrd="0" destOrd="0" presId="urn:microsoft.com/office/officeart/2005/8/layout/hierarchy6"/>
     <dgm:cxn modelId="{A66D197C-6AAC-4D60-A4A1-848116CCF645}" type="presParOf" srcId="{BA872154-1B5D-45FA-B7CD-4AF6EB3E6F8B}" destId="{7FF1AA35-B4AF-4BC9-A7EE-814AF39690A8}" srcOrd="0" destOrd="0" presId="urn:microsoft.com/office/officeart/2005/8/layout/hierarchy6"/>
     <dgm:cxn modelId="{9C9832EA-9042-4FA8-A57C-2C3051BE32C1}" type="presParOf" srcId="{7FF1AA35-B4AF-4BC9-A7EE-814AF39690A8}" destId="{7D10139F-74B2-46B2-86BF-10F7DA3FB08F}" srcOrd="0" destOrd="0" presId="urn:microsoft.com/office/officeart/2005/8/layout/hierarchy6"/>
     <dgm:cxn modelId="{793BADB9-AD33-4F6A-B0C5-AC1C48D47206}" type="presParOf" srcId="{7D10139F-74B2-46B2-86BF-10F7DA3FB08F}" destId="{5CA2FD1C-8101-4AAC-A806-4CB489C9A1B6}" srcOrd="0" destOrd="0" presId="urn:microsoft.com/office/officeart/2005/8/layout/hierarchy6"/>
     <dgm:cxn modelId="{C1A91C21-F46D-47E7-892F-2577D4EE5FC8}" type="presParOf" srcId="{5CA2FD1C-8101-4AAC-A806-4CB489C9A1B6}" destId="{54BC1FC1-8EB8-441C-AB39-4B93F2D8B7C7}" srcOrd="0" destOrd="0" presId="urn:microsoft.com/office/officeart/2005/8/layout/hierarchy6"/>
     <dgm:cxn modelId="{ABD2DDCA-0904-46F0-97C0-2B846DF1D6F9}" type="presParOf" srcId="{5CA2FD1C-8101-4AAC-A806-4CB489C9A1B6}" destId="{83BCC44C-F9CE-42CE-A118-0A93243B21D8}" srcOrd="1" destOrd="0" presId="urn:microsoft.com/office/officeart/2005/8/layout/hierarchy6"/>
-    <dgm:cxn modelId="{9F073420-9814-461B-A8E9-BD100E42C84B}" type="presParOf" srcId="{83BCC44C-F9CE-42CE-A118-0A93243B21D8}" destId="{EDD9B72F-83C4-4D55-91F4-D0BAC6DA5AB7}" srcOrd="0" destOrd="0" presId="urn:microsoft.com/office/officeart/2005/8/layout/hierarchy6"/>
-    <dgm:cxn modelId="{EC2E26FD-23DD-4AD7-96B9-505E2226D159}" type="presParOf" srcId="{83BCC44C-F9CE-42CE-A118-0A93243B21D8}" destId="{6D535551-C420-4802-8269-0804850C7DEC}" srcOrd="1" destOrd="0" presId="urn:microsoft.com/office/officeart/2005/8/layout/hierarchy6"/>
-    <dgm:cxn modelId="{2BD7AF75-1326-47C5-99B4-EB220F4D0106}" type="presParOf" srcId="{6D535551-C420-4802-8269-0804850C7DEC}" destId="{66B4FF20-F32A-4BA0-AB55-A9994D854190}" srcOrd="0" destOrd="0" presId="urn:microsoft.com/office/officeart/2005/8/layout/hierarchy6"/>
-    <dgm:cxn modelId="{833FC0E3-4423-4F11-93A0-6D3022DC5106}" type="presParOf" srcId="{6D535551-C420-4802-8269-0804850C7DEC}" destId="{BB517734-4249-426B-A81D-6D648D7E3C1F}" srcOrd="1" destOrd="0" presId="urn:microsoft.com/office/officeart/2005/8/layout/hierarchy6"/>
-    <dgm:cxn modelId="{F93CA5D6-2E6E-4A81-9894-277B4A36AB5A}" type="presParOf" srcId="{83BCC44C-F9CE-42CE-A118-0A93243B21D8}" destId="{FCA1CC1E-5313-4CBF-BDA5-DF38353EF256}" srcOrd="2" destOrd="0" presId="urn:microsoft.com/office/officeart/2005/8/layout/hierarchy6"/>
-    <dgm:cxn modelId="{B34AF63F-4B7D-42F7-B034-085FA6EC1D48}" type="presParOf" srcId="{83BCC44C-F9CE-42CE-A118-0A93243B21D8}" destId="{FA96106B-5895-48B6-9946-A740D6152FB4}" srcOrd="3" destOrd="0" presId="urn:microsoft.com/office/officeart/2005/8/layout/hierarchy6"/>
-    <dgm:cxn modelId="{9D2AFAA9-A03D-444D-8557-16752CC93F99}" type="presParOf" srcId="{FA96106B-5895-48B6-9946-A740D6152FB4}" destId="{844CE120-146F-4C3B-88C4-801D7F74801A}" srcOrd="0" destOrd="0" presId="urn:microsoft.com/office/officeart/2005/8/layout/hierarchy6"/>
-    <dgm:cxn modelId="{E0BC2BF7-A2E3-42F9-8DAB-78E09D14D2E3}" type="presParOf" srcId="{FA96106B-5895-48B6-9946-A740D6152FB4}" destId="{35FB7F79-F1B6-476A-AFFB-661E5C617DD5}" srcOrd="1" destOrd="0" presId="urn:microsoft.com/office/officeart/2005/8/layout/hierarchy6"/>
-    <dgm:cxn modelId="{487F8B58-0C59-469A-87DA-857364B6BC2F}" type="presParOf" srcId="{83BCC44C-F9CE-42CE-A118-0A93243B21D8}" destId="{2E3AD3E9-865A-4258-BAC1-9E8B43766D37}" srcOrd="4" destOrd="0" presId="urn:microsoft.com/office/officeart/2005/8/layout/hierarchy6"/>
-    <dgm:cxn modelId="{C6394F58-3B6E-4F13-8D22-C5A9CAB3E80C}" type="presParOf" srcId="{83BCC44C-F9CE-42CE-A118-0A93243B21D8}" destId="{B9E0529A-2494-49CF-84EE-5907302FEC3A}" srcOrd="5" destOrd="0" presId="urn:microsoft.com/office/officeart/2005/8/layout/hierarchy6"/>
-    <dgm:cxn modelId="{18606A80-73C3-4899-ACF7-C0B2827D2A5C}" type="presParOf" srcId="{B9E0529A-2494-49CF-84EE-5907302FEC3A}" destId="{9BB13648-F2EC-42C6-85AC-8EB612029EB6}" srcOrd="0" destOrd="0" presId="urn:microsoft.com/office/officeart/2005/8/layout/hierarchy6"/>
-    <dgm:cxn modelId="{B1883590-8518-4209-8D3B-16A8D0FF24DA}" type="presParOf" srcId="{B9E0529A-2494-49CF-84EE-5907302FEC3A}" destId="{75581C4F-B61B-4513-97A0-0DFD6C89A395}" srcOrd="1" destOrd="0" presId="urn:microsoft.com/office/officeart/2005/8/layout/hierarchy6"/>
-    <dgm:cxn modelId="{AA5B3BD8-730A-4404-80C4-F167E8C73FB1}" type="presParOf" srcId="{75581C4F-B61B-4513-97A0-0DFD6C89A395}" destId="{DAE48A17-C318-44DD-B692-E85FBDC151AF}" srcOrd="0" destOrd="0" presId="urn:microsoft.com/office/officeart/2005/8/layout/hierarchy6"/>
-    <dgm:cxn modelId="{DC5E7473-B067-44A5-ABAE-A16AA0874E10}" type="presParOf" srcId="{75581C4F-B61B-4513-97A0-0DFD6C89A395}" destId="{1F676F8E-B165-4280-B96A-2C7ED6CDA013}" srcOrd="1" destOrd="0" presId="urn:microsoft.com/office/officeart/2005/8/layout/hierarchy6"/>
-    <dgm:cxn modelId="{9ACDDFCD-3250-4E7F-9078-2870F87F4C9C}" type="presParOf" srcId="{1F676F8E-B165-4280-B96A-2C7ED6CDA013}" destId="{F3BD3D08-7777-409D-A794-C551AEA649EE}" srcOrd="0" destOrd="0" presId="urn:microsoft.com/office/officeart/2005/8/layout/hierarchy6"/>
-    <dgm:cxn modelId="{2BBBECED-EEAF-447B-BD16-9C899235F521}" type="presParOf" srcId="{1F676F8E-B165-4280-B96A-2C7ED6CDA013}" destId="{6EC1FB76-2AA1-477E-8BB1-F29B828BA024}" srcOrd="1" destOrd="0" presId="urn:microsoft.com/office/officeart/2005/8/layout/hierarchy6"/>
-    <dgm:cxn modelId="{2B4CE338-48B4-4976-BC4D-161BEAFFDCBD}" type="presParOf" srcId="{6EC1FB76-2AA1-477E-8BB1-F29B828BA024}" destId="{17E56E1D-E41C-4A79-ABC6-B8ADC972FBD2}" srcOrd="0" destOrd="0" presId="urn:microsoft.com/office/officeart/2005/8/layout/hierarchy6"/>
-    <dgm:cxn modelId="{EA5AE170-C408-448F-A9B6-F5A6E4A2B935}" type="presParOf" srcId="{6EC1FB76-2AA1-477E-8BB1-F29B828BA024}" destId="{FCB2B377-F1CB-4BF7-821A-932C1E11801B}" srcOrd="1" destOrd="0" presId="urn:microsoft.com/office/officeart/2005/8/layout/hierarchy6"/>
-    <dgm:cxn modelId="{FE90C2EB-394E-4D79-8B50-A412E15B03B0}" type="presParOf" srcId="{FCB2B377-F1CB-4BF7-821A-932C1E11801B}" destId="{33113F41-E50F-4513-A49A-B8F70E1BAA0A}" srcOrd="0" destOrd="0" presId="urn:microsoft.com/office/officeart/2005/8/layout/hierarchy6"/>
-    <dgm:cxn modelId="{9332779D-2F93-4C8B-A488-A3B77C321DB0}" type="presParOf" srcId="{FCB2B377-F1CB-4BF7-821A-932C1E11801B}" destId="{1CF004DD-00E5-4C18-92A6-8D413270DAC6}" srcOrd="1" destOrd="0" presId="urn:microsoft.com/office/officeart/2005/8/layout/hierarchy6"/>
-    <dgm:cxn modelId="{8623688E-25E3-497F-8B30-48497FCB5877}" type="presParOf" srcId="{6EC1FB76-2AA1-477E-8BB1-F29B828BA024}" destId="{337DE9D0-8F14-4BC0-A08D-46478003C9CE}" srcOrd="2" destOrd="0" presId="urn:microsoft.com/office/officeart/2005/8/layout/hierarchy6"/>
-    <dgm:cxn modelId="{27146F5F-9AB4-4718-BD2C-0AEC65847ADF}" type="presParOf" srcId="{6EC1FB76-2AA1-477E-8BB1-F29B828BA024}" destId="{C370F4C3-8242-40E4-B3BF-133573518C35}" srcOrd="3" destOrd="0" presId="urn:microsoft.com/office/officeart/2005/8/layout/hierarchy6"/>
-    <dgm:cxn modelId="{7D4A3C36-B1DE-4B71-A7E6-54102BF7B1C2}" type="presParOf" srcId="{C370F4C3-8242-40E4-B3BF-133573518C35}" destId="{C739C0F1-83CE-45DB-A0E3-06B05DDB7E58}" srcOrd="0" destOrd="0" presId="urn:microsoft.com/office/officeart/2005/8/layout/hierarchy6"/>
-    <dgm:cxn modelId="{E4238F2C-7BAF-44C8-B6AE-B5E62A559F02}" type="presParOf" srcId="{C370F4C3-8242-40E4-B3BF-133573518C35}" destId="{0CA4A44B-F6BE-4440-848C-13CB824DE8A3}" srcOrd="1" destOrd="0" presId="urn:microsoft.com/office/officeart/2005/8/layout/hierarchy6"/>
-    <dgm:cxn modelId="{7492B958-654A-44F0-8DF2-156D04BF2182}" type="presParOf" srcId="{6EC1FB76-2AA1-477E-8BB1-F29B828BA024}" destId="{9B678632-7E2C-4DC5-943F-D4B181521831}" srcOrd="4" destOrd="0" presId="urn:microsoft.com/office/officeart/2005/8/layout/hierarchy6"/>
-    <dgm:cxn modelId="{6C58526E-3B52-4D5C-AB68-DA4461741578}" type="presParOf" srcId="{6EC1FB76-2AA1-477E-8BB1-F29B828BA024}" destId="{5860E965-AC80-42B5-B8D6-3F1DB08EF13C}" srcOrd="5" destOrd="0" presId="urn:microsoft.com/office/officeart/2005/8/layout/hierarchy6"/>
-    <dgm:cxn modelId="{82008D40-6921-4164-A37A-73EF6DFA5A6F}" type="presParOf" srcId="{5860E965-AC80-42B5-B8D6-3F1DB08EF13C}" destId="{2A231ACB-D04E-4E0E-BE30-51CDC2664314}" srcOrd="0" destOrd="0" presId="urn:microsoft.com/office/officeart/2005/8/layout/hierarchy6"/>
-    <dgm:cxn modelId="{6054452D-E385-419E-8E4E-674C8CE04E51}" type="presParOf" srcId="{5860E965-AC80-42B5-B8D6-3F1DB08EF13C}" destId="{F426260A-7B15-4759-8532-52FF20CD7E57}" srcOrd="1" destOrd="0" presId="urn:microsoft.com/office/officeart/2005/8/layout/hierarchy6"/>
-    <dgm:cxn modelId="{6CF9F3AE-FC1D-4A44-82E8-59A4EAFE4043}" type="presParOf" srcId="{F426260A-7B15-4759-8532-52FF20CD7E57}" destId="{5FDA05B5-3C63-4404-87FB-00F0600050C5}" srcOrd="0" destOrd="0" presId="urn:microsoft.com/office/officeart/2005/8/layout/hierarchy6"/>
-    <dgm:cxn modelId="{8D189FE1-B4C1-4A3B-9844-48960E4C71E7}" type="presParOf" srcId="{F426260A-7B15-4759-8532-52FF20CD7E57}" destId="{544ADF09-2096-4660-B5C5-BCF5C8C460F4}" srcOrd="1" destOrd="0" presId="urn:microsoft.com/office/officeart/2005/8/layout/hierarchy6"/>
-    <dgm:cxn modelId="{751E72B3-E194-47C1-9B80-8BCBBE2851F6}" type="presParOf" srcId="{544ADF09-2096-4660-B5C5-BCF5C8C460F4}" destId="{BBCA1A85-48F8-486C-977B-AFEE597BD459}" srcOrd="0" destOrd="0" presId="urn:microsoft.com/office/officeart/2005/8/layout/hierarchy6"/>
-    <dgm:cxn modelId="{1946A5B0-3CD5-4784-9CCB-2464DE244330}" type="presParOf" srcId="{544ADF09-2096-4660-B5C5-BCF5C8C460F4}" destId="{82417896-6288-4E86-B4AF-EF8D8BDA70FC}" srcOrd="1" destOrd="0" presId="urn:microsoft.com/office/officeart/2005/8/layout/hierarchy6"/>
-    <dgm:cxn modelId="{6F52BB4C-19A2-4844-85DF-C48B67D238E9}" type="presParOf" srcId="{75581C4F-B61B-4513-97A0-0DFD6C89A395}" destId="{99DDF5E1-6073-4F18-9046-E22B84F2C41F}" srcOrd="2" destOrd="0" presId="urn:microsoft.com/office/officeart/2005/8/layout/hierarchy6"/>
-    <dgm:cxn modelId="{64A3849F-3D87-426E-BA2D-92CA4EFDFEEF}" type="presParOf" srcId="{75581C4F-B61B-4513-97A0-0DFD6C89A395}" destId="{E2BCFDF3-37C4-4124-84C0-F718DC5F746C}" srcOrd="3" destOrd="0" presId="urn:microsoft.com/office/officeart/2005/8/layout/hierarchy6"/>
-    <dgm:cxn modelId="{6504E0E8-F075-47D1-A33D-5543C6CE01CF}" type="presParOf" srcId="{E2BCFDF3-37C4-4124-84C0-F718DC5F746C}" destId="{D302ED24-31B3-4218-8649-EEB51F4F90E7}" srcOrd="0" destOrd="0" presId="urn:microsoft.com/office/officeart/2005/8/layout/hierarchy6"/>
-    <dgm:cxn modelId="{245EDCA3-38E7-43C9-8631-24EF40FDD55F}" type="presParOf" srcId="{E2BCFDF3-37C4-4124-84C0-F718DC5F746C}" destId="{8983FDC3-B253-4FBF-9D2F-BD0415E15B57}" srcOrd="1" destOrd="0" presId="urn:microsoft.com/office/officeart/2005/8/layout/hierarchy6"/>
-    <dgm:cxn modelId="{9D181643-8CEB-4B0A-A72E-89733A1719F5}" type="presParOf" srcId="{83BCC44C-F9CE-42CE-A118-0A93243B21D8}" destId="{B661105B-A5C1-4CA2-8BD0-A312308A3339}" srcOrd="6" destOrd="0" presId="urn:microsoft.com/office/officeart/2005/8/layout/hierarchy6"/>
-    <dgm:cxn modelId="{D3B7EFE2-41D2-450F-B234-83CFD53F24DF}" type="presParOf" srcId="{83BCC44C-F9CE-42CE-A118-0A93243B21D8}" destId="{437EA882-C278-4281-A4F0-9331053D3EE1}" srcOrd="7" destOrd="0" presId="urn:microsoft.com/office/officeart/2005/8/layout/hierarchy6"/>
-    <dgm:cxn modelId="{9102E274-7E69-4102-99FF-7C6181934AC4}" type="presParOf" srcId="{437EA882-C278-4281-A4F0-9331053D3EE1}" destId="{B7523743-5636-4F9C-B051-F02D86643CFB}" srcOrd="0" destOrd="0" presId="urn:microsoft.com/office/officeart/2005/8/layout/hierarchy6"/>
-    <dgm:cxn modelId="{557C1FB2-E021-4295-B002-2E13AE057629}" type="presParOf" srcId="{437EA882-C278-4281-A4F0-9331053D3EE1}" destId="{432BB561-1044-4318-8E4C-B305AC499CB6}" srcOrd="1" destOrd="0" presId="urn:microsoft.com/office/officeart/2005/8/layout/hierarchy6"/>
-    <dgm:cxn modelId="{9665BD01-4E8E-41FF-91AC-AC0A91D52E25}" type="presParOf" srcId="{83BCC44C-F9CE-42CE-A118-0A93243B21D8}" destId="{E5992DC9-E063-4145-B046-5B43976A1D2D}" srcOrd="8" destOrd="0" presId="urn:microsoft.com/office/officeart/2005/8/layout/hierarchy6"/>
-    <dgm:cxn modelId="{FF163092-937F-4B7A-8A76-2577825FAB4B}" type="presParOf" srcId="{83BCC44C-F9CE-42CE-A118-0A93243B21D8}" destId="{FF6ABD9C-2BEB-49BC-845A-5EC487A55485}" srcOrd="9" destOrd="0" presId="urn:microsoft.com/office/officeart/2005/8/layout/hierarchy6"/>
-    <dgm:cxn modelId="{55D03D17-8470-4320-BE76-52BB09337BF8}" type="presParOf" srcId="{FF6ABD9C-2BEB-49BC-845A-5EC487A55485}" destId="{905E3E5E-A150-4B65-B77E-229BE5574197}" srcOrd="0" destOrd="0" presId="urn:microsoft.com/office/officeart/2005/8/layout/hierarchy6"/>
-    <dgm:cxn modelId="{D5A505C0-4176-4A7C-94B3-127BCA40B12F}" type="presParOf" srcId="{FF6ABD9C-2BEB-49BC-845A-5EC487A55485}" destId="{5B80226F-1229-4BD1-803C-AF2F6ABC66C5}" srcOrd="1" destOrd="0" presId="urn:microsoft.com/office/officeart/2005/8/layout/hierarchy6"/>
+    <dgm:cxn modelId="{1A605128-156A-4E73-8FF9-501E62F62BE8}" type="presParOf" srcId="{83BCC44C-F9CE-42CE-A118-0A93243B21D8}" destId="{60F76F56-AA25-4471-B39C-08902F41A6B4}" srcOrd="0" destOrd="0" presId="urn:microsoft.com/office/officeart/2005/8/layout/hierarchy6"/>
+    <dgm:cxn modelId="{A07CD8F3-1BB7-4EF7-9B8D-62F254AE8C00}" type="presParOf" srcId="{83BCC44C-F9CE-42CE-A118-0A93243B21D8}" destId="{17BD10A9-899D-4A64-A24E-30B54C0DE6CC}" srcOrd="1" destOrd="0" presId="urn:microsoft.com/office/officeart/2005/8/layout/hierarchy6"/>
+    <dgm:cxn modelId="{5546FDC8-5687-4916-BF8C-F8C969120A99}" type="presParOf" srcId="{17BD10A9-899D-4A64-A24E-30B54C0DE6CC}" destId="{BFF60245-85E8-4968-8DF3-FBD2BF821BEE}" srcOrd="0" destOrd="0" presId="urn:microsoft.com/office/officeart/2005/8/layout/hierarchy6"/>
+    <dgm:cxn modelId="{40DF48B3-4A01-40AE-A8C0-DB9451B58E79}" type="presParOf" srcId="{17BD10A9-899D-4A64-A24E-30B54C0DE6CC}" destId="{50613330-8D29-4D93-8AAC-FE97B5C3595E}" srcOrd="1" destOrd="0" presId="urn:microsoft.com/office/officeart/2005/8/layout/hierarchy6"/>
+    <dgm:cxn modelId="{7183E316-69D4-4D04-96D8-8290BF9D4AC0}" type="presParOf" srcId="{83BCC44C-F9CE-42CE-A118-0A93243B21D8}" destId="{EEE018EB-0DB6-4574-A3BC-E153D77FBBDF}" srcOrd="2" destOrd="0" presId="urn:microsoft.com/office/officeart/2005/8/layout/hierarchy6"/>
+    <dgm:cxn modelId="{3645F90C-2D33-42D1-BAFB-C834D00CEEB9}" type="presParOf" srcId="{83BCC44C-F9CE-42CE-A118-0A93243B21D8}" destId="{7A8336C9-9FFD-4C16-9A7E-533177DE1F08}" srcOrd="3" destOrd="0" presId="urn:microsoft.com/office/officeart/2005/8/layout/hierarchy6"/>
+    <dgm:cxn modelId="{D619C690-5D35-4676-B6DD-5092AD304647}" type="presParOf" srcId="{7A8336C9-9FFD-4C16-9A7E-533177DE1F08}" destId="{6D4DEB02-83AF-4247-AEA5-94E0278E7DCD}" srcOrd="0" destOrd="0" presId="urn:microsoft.com/office/officeart/2005/8/layout/hierarchy6"/>
+    <dgm:cxn modelId="{7B8ABBC3-DBE4-4454-92E0-5BDC5D8E7183}" type="presParOf" srcId="{7A8336C9-9FFD-4C16-9A7E-533177DE1F08}" destId="{8B3F7DA5-565C-4850-BDA1-1ED573C5A817}" srcOrd="1" destOrd="0" presId="urn:microsoft.com/office/officeart/2005/8/layout/hierarchy6"/>
+    <dgm:cxn modelId="{7B4DA584-4385-4132-A671-144DBF855D7C}" type="presParOf" srcId="{83BCC44C-F9CE-42CE-A118-0A93243B21D8}" destId="{23113C5F-D466-47A3-B9E0-844A5FCB0E0F}" srcOrd="4" destOrd="0" presId="urn:microsoft.com/office/officeart/2005/8/layout/hierarchy6"/>
+    <dgm:cxn modelId="{63D6A12F-B75F-4693-872E-46BEE43EF4C2}" type="presParOf" srcId="{83BCC44C-F9CE-42CE-A118-0A93243B21D8}" destId="{5BA7C05E-AFB9-4043-BCC4-E20BD0C0259B}" srcOrd="5" destOrd="0" presId="urn:microsoft.com/office/officeart/2005/8/layout/hierarchy6"/>
+    <dgm:cxn modelId="{9DA994D4-63CB-4ACC-BB96-053EC3876BEF}" type="presParOf" srcId="{5BA7C05E-AFB9-4043-BCC4-E20BD0C0259B}" destId="{34329CEB-81E4-41E7-AF1D-8FEB0F093DAC}" srcOrd="0" destOrd="0" presId="urn:microsoft.com/office/officeart/2005/8/layout/hierarchy6"/>
+    <dgm:cxn modelId="{877428D0-052F-43C8-92B8-A00232654D8A}" type="presParOf" srcId="{5BA7C05E-AFB9-4043-BCC4-E20BD0C0259B}" destId="{BA13738C-0764-4746-A6B4-6391D0E660A4}" srcOrd="1" destOrd="0" presId="urn:microsoft.com/office/officeart/2005/8/layout/hierarchy6"/>
+    <dgm:cxn modelId="{973AAEDD-5F5C-43C0-B7AA-F7B6040A13AA}" type="presParOf" srcId="{BA13738C-0764-4746-A6B4-6391D0E660A4}" destId="{F5FE2F22-137C-4376-8D74-64E08FEC6ECF}" srcOrd="0" destOrd="0" presId="urn:microsoft.com/office/officeart/2005/8/layout/hierarchy6"/>
+    <dgm:cxn modelId="{94164C6C-8D6B-4FFC-9383-0A7568867A92}" type="presParOf" srcId="{BA13738C-0764-4746-A6B4-6391D0E660A4}" destId="{9C02B5B2-F5B0-4CB9-9B37-94E96A0414D9}" srcOrd="1" destOrd="0" presId="urn:microsoft.com/office/officeart/2005/8/layout/hierarchy6"/>
+    <dgm:cxn modelId="{8C516914-0E6C-4041-AF02-6D38E96E3DDC}" type="presParOf" srcId="{9C02B5B2-F5B0-4CB9-9B37-94E96A0414D9}" destId="{24F9DC55-1210-4281-8DF2-2D8C83BA2923}" srcOrd="0" destOrd="0" presId="urn:microsoft.com/office/officeart/2005/8/layout/hierarchy6"/>
+    <dgm:cxn modelId="{2DB4AFBD-1FBB-423E-95BE-89A784134F1D}" type="presParOf" srcId="{9C02B5B2-F5B0-4CB9-9B37-94E96A0414D9}" destId="{5DA84C5A-A30E-4398-8244-CF5A13F41063}" srcOrd="1" destOrd="0" presId="urn:microsoft.com/office/officeart/2005/8/layout/hierarchy6"/>
+    <dgm:cxn modelId="{0678912C-526B-44AE-81B9-C724D63D2AD1}" type="presParOf" srcId="{5DA84C5A-A30E-4398-8244-CF5A13F41063}" destId="{31DC6327-5730-4712-8A21-FDC6CC24AA7A}" srcOrd="0" destOrd="0" presId="urn:microsoft.com/office/officeart/2005/8/layout/hierarchy6"/>
+    <dgm:cxn modelId="{1EC2A0EE-2C8D-4C90-BD44-CEFCBDD43DBF}" type="presParOf" srcId="{5DA84C5A-A30E-4398-8244-CF5A13F41063}" destId="{49B290F4-26ED-4157-AC3A-C15B2FA81E76}" srcOrd="1" destOrd="0" presId="urn:microsoft.com/office/officeart/2005/8/layout/hierarchy6"/>
+    <dgm:cxn modelId="{DE183FE0-B451-43A7-9421-992092C595EB}" type="presParOf" srcId="{49B290F4-26ED-4157-AC3A-C15B2FA81E76}" destId="{29A9C587-EC29-434E-9F17-16D7F7F55B55}" srcOrd="0" destOrd="0" presId="urn:microsoft.com/office/officeart/2005/8/layout/hierarchy6"/>
+    <dgm:cxn modelId="{E1605C34-F7E8-41B8-9CF0-5F605808AE52}" type="presParOf" srcId="{49B290F4-26ED-4157-AC3A-C15B2FA81E76}" destId="{93A161B3-D3A9-4938-8EB4-4892AF5140E0}" srcOrd="1" destOrd="0" presId="urn:microsoft.com/office/officeart/2005/8/layout/hierarchy6"/>
+    <dgm:cxn modelId="{33B48DBF-96BE-43A2-95A8-6002C9CD1D2F}" type="presParOf" srcId="{5DA84C5A-A30E-4398-8244-CF5A13F41063}" destId="{DE03FB01-A01F-42DF-88C4-211A24FA5A0F}" srcOrd="2" destOrd="0" presId="urn:microsoft.com/office/officeart/2005/8/layout/hierarchy6"/>
+    <dgm:cxn modelId="{B93427E7-C670-44BB-87EF-D3A0B6E19567}" type="presParOf" srcId="{5DA84C5A-A30E-4398-8244-CF5A13F41063}" destId="{CD373A8B-6819-48AE-8FAF-E4B022EF339D}" srcOrd="3" destOrd="0" presId="urn:microsoft.com/office/officeart/2005/8/layout/hierarchy6"/>
+    <dgm:cxn modelId="{07D4C19F-11E9-49DE-8FA9-3EB91E7E55F8}" type="presParOf" srcId="{CD373A8B-6819-48AE-8FAF-E4B022EF339D}" destId="{D88D310A-A6A3-4A38-835D-2B93C97F4FC7}" srcOrd="0" destOrd="0" presId="urn:microsoft.com/office/officeart/2005/8/layout/hierarchy6"/>
+    <dgm:cxn modelId="{317DA6DF-E2BD-437A-9D3F-F013021B1A63}" type="presParOf" srcId="{CD373A8B-6819-48AE-8FAF-E4B022EF339D}" destId="{196749C8-C3FB-4DF4-84CA-AC0CA2D3FE4A}" srcOrd="1" destOrd="0" presId="urn:microsoft.com/office/officeart/2005/8/layout/hierarchy6"/>
+    <dgm:cxn modelId="{DFBFB732-5363-4280-89EA-3E40CFA2B22B}" type="presParOf" srcId="{5DA84C5A-A30E-4398-8244-CF5A13F41063}" destId="{ACF9DE6A-8D51-44D9-B031-88CDA94429C3}" srcOrd="4" destOrd="0" presId="urn:microsoft.com/office/officeart/2005/8/layout/hierarchy6"/>
+    <dgm:cxn modelId="{88BA3512-A31A-4A34-BF94-FD5F54D20C39}" type="presParOf" srcId="{5DA84C5A-A30E-4398-8244-CF5A13F41063}" destId="{FE1B77A8-5A66-4EAE-94A7-61EE389EABDF}" srcOrd="5" destOrd="0" presId="urn:microsoft.com/office/officeart/2005/8/layout/hierarchy6"/>
+    <dgm:cxn modelId="{C4AB32D2-5BFD-4C1C-9AB3-032FDD5C991B}" type="presParOf" srcId="{FE1B77A8-5A66-4EAE-94A7-61EE389EABDF}" destId="{96B1AD01-974E-4340-9BA4-B7CF66CFD93B}" srcOrd="0" destOrd="0" presId="urn:microsoft.com/office/officeart/2005/8/layout/hierarchy6"/>
+    <dgm:cxn modelId="{5208C596-9836-4547-9B13-89C896FCDB14}" type="presParOf" srcId="{FE1B77A8-5A66-4EAE-94A7-61EE389EABDF}" destId="{08383C51-171F-4E72-BCAE-FAD0B524C4F5}" srcOrd="1" destOrd="0" presId="urn:microsoft.com/office/officeart/2005/8/layout/hierarchy6"/>
+    <dgm:cxn modelId="{B7578FD2-E7BC-4AD8-AB6D-E6FC53C37FD6}" type="presParOf" srcId="{5DA84C5A-A30E-4398-8244-CF5A13F41063}" destId="{BA14FF60-9A6C-44A1-BE1D-A1A56A9003BA}" srcOrd="6" destOrd="0" presId="urn:microsoft.com/office/officeart/2005/8/layout/hierarchy6"/>
+    <dgm:cxn modelId="{ED0B5356-9CFF-4699-B204-841768DF4954}" type="presParOf" srcId="{5DA84C5A-A30E-4398-8244-CF5A13F41063}" destId="{61F1D9C9-8C5E-4299-83D8-4936AE826638}" srcOrd="7" destOrd="0" presId="urn:microsoft.com/office/officeart/2005/8/layout/hierarchy6"/>
+    <dgm:cxn modelId="{401644A7-CAA2-4919-AC40-0051D70DC013}" type="presParOf" srcId="{61F1D9C9-8C5E-4299-83D8-4936AE826638}" destId="{AE409031-E803-49CA-BFAC-CEC6F33A972F}" srcOrd="0" destOrd="0" presId="urn:microsoft.com/office/officeart/2005/8/layout/hierarchy6"/>
+    <dgm:cxn modelId="{634F0CEC-F691-4155-9A66-8F8433F4C1B3}" type="presParOf" srcId="{61F1D9C9-8C5E-4299-83D8-4936AE826638}" destId="{665C7566-1E41-49BA-A399-F03FAB68C4F5}" srcOrd="1" destOrd="0" presId="urn:microsoft.com/office/officeart/2005/8/layout/hierarchy6"/>
+    <dgm:cxn modelId="{DF60376C-7A81-474B-B1D5-D6E0BFF60DE8}" type="presParOf" srcId="{BA13738C-0764-4746-A6B4-6391D0E660A4}" destId="{86F3C1B5-1362-4C69-8CDF-D7D0D7CD7A13}" srcOrd="2" destOrd="0" presId="urn:microsoft.com/office/officeart/2005/8/layout/hierarchy6"/>
+    <dgm:cxn modelId="{5178C9CB-98B9-4AA7-AE3D-D414773663F9}" type="presParOf" srcId="{BA13738C-0764-4746-A6B4-6391D0E660A4}" destId="{5B2F378C-6490-431D-A3A7-621606D88A59}" srcOrd="3" destOrd="0" presId="urn:microsoft.com/office/officeart/2005/8/layout/hierarchy6"/>
+    <dgm:cxn modelId="{135B51A3-2FE4-41F5-A242-F7BF05ABC375}" type="presParOf" srcId="{5B2F378C-6490-431D-A3A7-621606D88A59}" destId="{6513C975-CD09-4AFC-B771-79A6362F4575}" srcOrd="0" destOrd="0" presId="urn:microsoft.com/office/officeart/2005/8/layout/hierarchy6"/>
+    <dgm:cxn modelId="{68B66CB2-32DB-4380-A34B-1876D2233B1E}" type="presParOf" srcId="{5B2F378C-6490-431D-A3A7-621606D88A59}" destId="{E6CBC5C2-2C33-4BC4-98C9-7B1172BA1753}" srcOrd="1" destOrd="0" presId="urn:microsoft.com/office/officeart/2005/8/layout/hierarchy6"/>
+    <dgm:cxn modelId="{F592231D-C6A2-432D-BE10-E4B500A7C3ED}" type="presParOf" srcId="{83BCC44C-F9CE-42CE-A118-0A93243B21D8}" destId="{2BEE1609-B88F-4210-9E8F-830F849E695D}" srcOrd="6" destOrd="0" presId="urn:microsoft.com/office/officeart/2005/8/layout/hierarchy6"/>
+    <dgm:cxn modelId="{4921353B-0D8C-4A17-B5A7-9EB4E931423E}" type="presParOf" srcId="{83BCC44C-F9CE-42CE-A118-0A93243B21D8}" destId="{B14BE6D0-F262-4193-A25D-8746730BE1BD}" srcOrd="7" destOrd="0" presId="urn:microsoft.com/office/officeart/2005/8/layout/hierarchy6"/>
+    <dgm:cxn modelId="{A417F6E5-F70F-48F8-9442-3F9EE03D944D}" type="presParOf" srcId="{B14BE6D0-F262-4193-A25D-8746730BE1BD}" destId="{12F41C94-547F-47DA-A99C-6EA17136A131}" srcOrd="0" destOrd="0" presId="urn:microsoft.com/office/officeart/2005/8/layout/hierarchy6"/>
+    <dgm:cxn modelId="{A4E7CD9C-74EE-4AC8-9BD8-11D7853B0314}" type="presParOf" srcId="{B14BE6D0-F262-4193-A25D-8746730BE1BD}" destId="{564CBDFC-B84D-4439-AB0B-E1194743EF7C}" srcOrd="1" destOrd="0" presId="urn:microsoft.com/office/officeart/2005/8/layout/hierarchy6"/>
+    <dgm:cxn modelId="{EF3D3AE8-1A78-43EC-A27F-25EE8E5D3F1E}" type="presParOf" srcId="{83BCC44C-F9CE-42CE-A118-0A93243B21D8}" destId="{12157A1C-3B44-473F-82BA-7DE3614E8D72}" srcOrd="8" destOrd="0" presId="urn:microsoft.com/office/officeart/2005/8/layout/hierarchy6"/>
+    <dgm:cxn modelId="{02AB1D27-5E56-487E-80E2-3E8F3B527399}" type="presParOf" srcId="{83BCC44C-F9CE-42CE-A118-0A93243B21D8}" destId="{6690DEBB-B08F-4EF8-8E81-98FE1FCF1F4F}" srcOrd="9" destOrd="0" presId="urn:microsoft.com/office/officeart/2005/8/layout/hierarchy6"/>
+    <dgm:cxn modelId="{9B5FF9EA-46D4-4F69-AA72-0645E6DA420C}" type="presParOf" srcId="{6690DEBB-B08F-4EF8-8E81-98FE1FCF1F4F}" destId="{D73C165B-7A14-4FED-9D0B-DEC0FD639B8D}" srcOrd="0" destOrd="0" presId="urn:microsoft.com/office/officeart/2005/8/layout/hierarchy6"/>
+    <dgm:cxn modelId="{B3DCF643-9F0E-42C2-B8FE-691851942483}" type="presParOf" srcId="{6690DEBB-B08F-4EF8-8E81-98FE1FCF1F4F}" destId="{365F3A3C-4C94-43B0-80B4-C224064F0E22}" srcOrd="1" destOrd="0" presId="urn:microsoft.com/office/officeart/2005/8/layout/hierarchy6"/>
+    <dgm:cxn modelId="{D5AFF9F8-2653-462A-907C-3E711B75002D}" type="presParOf" srcId="{365F3A3C-4C94-43B0-80B4-C224064F0E22}" destId="{3E843D45-6764-45AA-91AF-B022E53AA223}" srcOrd="0" destOrd="0" presId="urn:microsoft.com/office/officeart/2005/8/layout/hierarchy6"/>
+    <dgm:cxn modelId="{87598FAC-FF51-46E6-AF7F-F3AC7E906373}" type="presParOf" srcId="{365F3A3C-4C94-43B0-80B4-C224064F0E22}" destId="{B3082BDD-E78A-4AC9-916E-D5A1824905D4}" srcOrd="1" destOrd="0" presId="urn:microsoft.com/office/officeart/2005/8/layout/hierarchy6"/>
+    <dgm:cxn modelId="{B16E66B1-DD16-4647-B660-D80235EF3DD9}" type="presParOf" srcId="{B3082BDD-E78A-4AC9-916E-D5A1824905D4}" destId="{B34A467B-E0F7-4BAA-A66B-3F4FC392E4FE}" srcOrd="0" destOrd="0" presId="urn:microsoft.com/office/officeart/2005/8/layout/hierarchy6"/>
+    <dgm:cxn modelId="{896E314C-6870-480D-9274-1534B91E303F}" type="presParOf" srcId="{B3082BDD-E78A-4AC9-916E-D5A1824905D4}" destId="{E1A56C8B-8FAF-4898-8CB1-7C8CC0D24BFE}" srcOrd="1" destOrd="0" presId="urn:microsoft.com/office/officeart/2005/8/layout/hierarchy6"/>
     <dgm:cxn modelId="{0E1057CF-724B-47DA-BD07-4798ABA3A5D8}" type="presParOf" srcId="{BA872154-1B5D-45FA-B7CD-4AF6EB3E6F8B}" destId="{A4B3B217-6A39-46BF-986C-812FDF2C1C69}" srcOrd="1" destOrd="0" presId="urn:microsoft.com/office/officeart/2005/8/layout/hierarchy6"/>
   </dgm:cxnLst>
   <dgm:bg/>
@@ -5216,22 +5538,15 @@
       </dsp:nvSpPr>
       <dsp:spPr>
         <a:xfrm>
-          <a:off x="2669789" y="914"/>
-          <a:ext cx="948780" cy="632520"/>
+          <a:off x="2637549" y="331912"/>
+          <a:ext cx="1013261" cy="675507"/>
         </a:xfrm>
         <a:prstGeom prst="roundRect">
           <a:avLst>
             <a:gd name="adj" fmla="val 10000"/>
           </a:avLst>
         </a:prstGeom>
-        <a:solidFill>
-          <a:schemeClr val="lt1">
-            <a:hueOff val="0"/>
-            <a:satOff val="0"/>
-            <a:lumOff val="0"/>
-            <a:alphaOff val="0"/>
-          </a:schemeClr>
-        </a:solidFill>
+        <a:noFill/>
         <a:ln w="25400" cap="flat" cmpd="sng" algn="ctr">
           <a:noFill/>
           <a:prstDash val="solid"/>
@@ -5253,12 +5568,12 @@
         </a:fontRef>
       </dsp:style>
       <dsp:txBody>
-        <a:bodyPr spcFirstLastPara="0" vert="horz" wrap="square" lIns="102870" tIns="102870" rIns="102870" bIns="102870" numCol="1" spcCol="1270" anchor="ctr" anchorCtr="0">
+        <a:bodyPr spcFirstLastPara="0" vert="horz" wrap="square" lIns="110490" tIns="110490" rIns="110490" bIns="110490" numCol="1" spcCol="1270" anchor="ctr" anchorCtr="0">
           <a:noAutofit/>
         </a:bodyPr>
         <a:lstStyle/>
         <a:p>
-          <a:pPr lvl="0" algn="ctr" defTabSz="1200150">
+          <a:pPr lvl="0" algn="ctr" defTabSz="1289050">
             <a:lnSpc>
               <a:spcPct val="90000"/>
             </a:lnSpc>
@@ -5270,26 +5585,26 @@
             </a:spcAft>
           </a:pPr>
           <a:r>
-            <a:rPr lang="fr-FR" sz="2700" kern="1200" dirty="0" smtClean="0"/>
+            <a:rPr lang="fr-FR" sz="2900" kern="1200" dirty="0" smtClean="0"/>
             <a:t> </a:t>
           </a:r>
-          <a:endParaRPr lang="fr-FR" sz="2700" kern="1200" dirty="0"/>
+          <a:endParaRPr lang="fr-FR" sz="2900" kern="1200" dirty="0"/>
         </a:p>
       </dsp:txBody>
       <dsp:txXfrm>
-        <a:off x="2669789" y="914"/>
-        <a:ext cx="948780" cy="632520"/>
+        <a:off x="2637549" y="331912"/>
+        <a:ext cx="1013261" cy="675507"/>
       </dsp:txXfrm>
     </dsp:sp>
-    <dsp:sp modelId="{EDD9B72F-83C4-4D55-91F4-D0BAC6DA5AB7}">
+    <dsp:sp modelId="{60F76F56-AA25-4471-B39C-08902F41A6B4}">
       <dsp:nvSpPr>
         <dsp:cNvPr id="0" name=""/>
         <dsp:cNvSpPr/>
       </dsp:nvSpPr>
       <dsp:spPr>
         <a:xfrm>
-          <a:off x="677349" y="633434"/>
-          <a:ext cx="2466830" cy="253008"/>
+          <a:off x="509701" y="1007420"/>
+          <a:ext cx="2634478" cy="270202"/>
         </a:xfrm>
         <a:custGeom>
           <a:avLst/>
@@ -5300,16 +5615,16 @@
           <a:pathLst>
             <a:path>
               <a:moveTo>
-                <a:pt x="2466830" y="0"/>
+                <a:pt x="2634478" y="0"/>
               </a:moveTo>
               <a:lnTo>
-                <a:pt x="2466830" y="126504"/>
+                <a:pt x="2634478" y="135101"/>
               </a:lnTo>
               <a:lnTo>
-                <a:pt x="0" y="126504"/>
+                <a:pt x="0" y="135101"/>
               </a:lnTo>
               <a:lnTo>
-                <a:pt x="0" y="253008"/>
+                <a:pt x="0" y="270202"/>
               </a:lnTo>
             </a:path>
           </a:pathLst>
@@ -5342,29 +5657,22 @@
         <a:fontRef idx="minor"/>
       </dsp:style>
     </dsp:sp>
-    <dsp:sp modelId="{66B4FF20-F32A-4BA0-AB55-A9994D854190}">
+    <dsp:sp modelId="{BFF60245-85E8-4968-8DF3-FBD2BF821BEE}">
       <dsp:nvSpPr>
         <dsp:cNvPr id="0" name=""/>
         <dsp:cNvSpPr/>
       </dsp:nvSpPr>
       <dsp:spPr>
         <a:xfrm>
-          <a:off x="202959" y="886442"/>
-          <a:ext cx="948780" cy="632520"/>
+          <a:off x="3070" y="1277623"/>
+          <a:ext cx="1013261" cy="675507"/>
         </a:xfrm>
         <a:prstGeom prst="roundRect">
           <a:avLst>
             <a:gd name="adj" fmla="val 10000"/>
           </a:avLst>
         </a:prstGeom>
-        <a:solidFill>
-          <a:schemeClr val="lt1">
-            <a:hueOff val="0"/>
-            <a:satOff val="0"/>
-            <a:lumOff val="0"/>
-            <a:alphaOff val="0"/>
-          </a:schemeClr>
-        </a:solidFill>
+        <a:noFill/>
         <a:ln w="25400" cap="flat" cmpd="sng" algn="ctr">
           <a:noFill/>
           <a:prstDash val="solid"/>
@@ -5386,12 +5694,12 @@
         </a:fontRef>
       </dsp:style>
       <dsp:txBody>
-        <a:bodyPr spcFirstLastPara="0" vert="horz" wrap="square" lIns="102870" tIns="102870" rIns="102870" bIns="102870" numCol="1" spcCol="1270" anchor="ctr" anchorCtr="0">
+        <a:bodyPr spcFirstLastPara="0" vert="horz" wrap="square" lIns="110490" tIns="110490" rIns="110490" bIns="110490" numCol="1" spcCol="1270" anchor="ctr" anchorCtr="0">
           <a:noAutofit/>
         </a:bodyPr>
         <a:lstStyle/>
         <a:p>
-          <a:pPr lvl="0" algn="ctr" defTabSz="1200150">
+          <a:pPr lvl="0" algn="ctr" defTabSz="1289050">
             <a:lnSpc>
               <a:spcPct val="90000"/>
             </a:lnSpc>
@@ -5403,26 +5711,26 @@
             </a:spcAft>
           </a:pPr>
           <a:r>
-            <a:rPr lang="fr-FR" sz="2700" kern="1200" dirty="0" smtClean="0"/>
+            <a:rPr lang="fr-FR" sz="2900" kern="1200" dirty="0" smtClean="0"/>
             <a:t> </a:t>
           </a:r>
-          <a:endParaRPr lang="fr-FR" sz="2700" kern="1200" dirty="0"/>
+          <a:endParaRPr lang="fr-FR" sz="2900" kern="1200" dirty="0"/>
         </a:p>
       </dsp:txBody>
       <dsp:txXfrm>
-        <a:off x="202959" y="886442"/>
-        <a:ext cx="948780" cy="632520"/>
+        <a:off x="3070" y="1277623"/>
+        <a:ext cx="1013261" cy="675507"/>
       </dsp:txXfrm>
     </dsp:sp>
-    <dsp:sp modelId="{FCA1CC1E-5313-4CBF-BDA5-DF38353EF256}">
+    <dsp:sp modelId="{EEE018EB-0DB6-4574-A3BC-E153D77FBBDF}">
       <dsp:nvSpPr>
         <dsp:cNvPr id="0" name=""/>
         <dsp:cNvSpPr/>
       </dsp:nvSpPr>
       <dsp:spPr>
         <a:xfrm>
-          <a:off x="1910764" y="633434"/>
-          <a:ext cx="1233415" cy="253008"/>
+          <a:off x="1826940" y="1007420"/>
+          <a:ext cx="1317239" cy="270202"/>
         </a:xfrm>
         <a:custGeom>
           <a:avLst/>
@@ -5433,16 +5741,16 @@
           <a:pathLst>
             <a:path>
               <a:moveTo>
-                <a:pt x="1233415" y="0"/>
+                <a:pt x="1317239" y="0"/>
               </a:moveTo>
               <a:lnTo>
-                <a:pt x="1233415" y="126504"/>
+                <a:pt x="1317239" y="135101"/>
               </a:lnTo>
               <a:lnTo>
-                <a:pt x="0" y="126504"/>
+                <a:pt x="0" y="135101"/>
               </a:lnTo>
               <a:lnTo>
-                <a:pt x="0" y="253008"/>
+                <a:pt x="0" y="270202"/>
               </a:lnTo>
             </a:path>
           </a:pathLst>
@@ -5475,29 +5783,22 @@
         <a:fontRef idx="minor"/>
       </dsp:style>
     </dsp:sp>
-    <dsp:sp modelId="{844CE120-146F-4C3B-88C4-801D7F74801A}">
+    <dsp:sp modelId="{6D4DEB02-83AF-4247-AEA5-94E0278E7DCD}">
       <dsp:nvSpPr>
         <dsp:cNvPr id="0" name=""/>
         <dsp:cNvSpPr/>
       </dsp:nvSpPr>
       <dsp:spPr>
         <a:xfrm>
-          <a:off x="1436374" y="886442"/>
-          <a:ext cx="948780" cy="632520"/>
+          <a:off x="1320309" y="1277623"/>
+          <a:ext cx="1013261" cy="675507"/>
         </a:xfrm>
         <a:prstGeom prst="roundRect">
           <a:avLst>
             <a:gd name="adj" fmla="val 10000"/>
           </a:avLst>
         </a:prstGeom>
-        <a:solidFill>
-          <a:schemeClr val="lt1">
-            <a:hueOff val="0"/>
-            <a:satOff val="0"/>
-            <a:lumOff val="0"/>
-            <a:alphaOff val="0"/>
-          </a:schemeClr>
-        </a:solidFill>
+        <a:noFill/>
         <a:ln w="25400" cap="flat" cmpd="sng" algn="ctr">
           <a:noFill/>
           <a:prstDash val="solid"/>
@@ -5519,12 +5820,12 @@
         </a:fontRef>
       </dsp:style>
       <dsp:txBody>
-        <a:bodyPr spcFirstLastPara="0" vert="horz" wrap="square" lIns="102870" tIns="102870" rIns="102870" bIns="102870" numCol="1" spcCol="1270" anchor="ctr" anchorCtr="0">
+        <a:bodyPr spcFirstLastPara="0" vert="horz" wrap="square" lIns="110490" tIns="110490" rIns="110490" bIns="110490" numCol="1" spcCol="1270" anchor="ctr" anchorCtr="0">
           <a:noAutofit/>
         </a:bodyPr>
         <a:lstStyle/>
         <a:p>
-          <a:pPr lvl="0" algn="ctr" defTabSz="1200150">
+          <a:pPr lvl="0" algn="ctr" defTabSz="1289050">
             <a:lnSpc>
               <a:spcPct val="90000"/>
             </a:lnSpc>
@@ -5535,23 +5836,27 @@
               <a:spcPct val="35000"/>
             </a:spcAft>
           </a:pPr>
-          <a:endParaRPr lang="fr-FR" sz="2700" kern="1200" dirty="0"/>
+          <a:r>
+            <a:rPr lang="fr-FR" sz="2900" kern="1200" dirty="0" smtClean="0"/>
+            <a:t> </a:t>
+          </a:r>
+          <a:endParaRPr lang="fr-FR" sz="2900" kern="1200" dirty="0"/>
         </a:p>
       </dsp:txBody>
       <dsp:txXfrm>
-        <a:off x="1436374" y="886442"/>
-        <a:ext cx="948780" cy="632520"/>
+        <a:off x="1320309" y="1277623"/>
+        <a:ext cx="1013261" cy="675507"/>
       </dsp:txXfrm>
     </dsp:sp>
-    <dsp:sp modelId="{2E3AD3E9-865A-4258-BAC1-9E8B43766D37}">
+    <dsp:sp modelId="{23113C5F-D466-47A3-B9E0-844A5FCB0E0F}">
       <dsp:nvSpPr>
         <dsp:cNvPr id="0" name=""/>
         <dsp:cNvSpPr/>
       </dsp:nvSpPr>
       <dsp:spPr>
         <a:xfrm>
-          <a:off x="3098460" y="633434"/>
-          <a:ext cx="91440" cy="253008"/>
+          <a:off x="3098460" y="1007420"/>
+          <a:ext cx="91440" cy="270202"/>
         </a:xfrm>
         <a:custGeom>
           <a:avLst/>
@@ -5565,7 +5870,7 @@
                 <a:pt x="45720" y="0"/>
               </a:moveTo>
               <a:lnTo>
-                <a:pt x="45720" y="253008"/>
+                <a:pt x="45720" y="270202"/>
               </a:lnTo>
             </a:path>
           </a:pathLst>
@@ -5598,29 +5903,22 @@
         <a:fontRef idx="minor"/>
       </dsp:style>
     </dsp:sp>
-    <dsp:sp modelId="{9BB13648-F2EC-42C6-85AC-8EB612029EB6}">
+    <dsp:sp modelId="{34329CEB-81E4-41E7-AF1D-8FEB0F093DAC}">
       <dsp:nvSpPr>
         <dsp:cNvPr id="0" name=""/>
         <dsp:cNvSpPr/>
       </dsp:nvSpPr>
       <dsp:spPr>
         <a:xfrm>
-          <a:off x="2669789" y="886442"/>
-          <a:ext cx="948780" cy="632520"/>
+          <a:off x="2637549" y="1277623"/>
+          <a:ext cx="1013261" cy="675507"/>
         </a:xfrm>
         <a:prstGeom prst="roundRect">
           <a:avLst>
             <a:gd name="adj" fmla="val 10000"/>
           </a:avLst>
         </a:prstGeom>
-        <a:solidFill>
-          <a:schemeClr val="lt1">
-            <a:hueOff val="0"/>
-            <a:satOff val="0"/>
-            <a:lumOff val="0"/>
-            <a:alphaOff val="0"/>
-          </a:schemeClr>
-        </a:solidFill>
+        <a:noFill/>
         <a:ln w="25400" cap="flat" cmpd="sng" algn="ctr">
           <a:noFill/>
           <a:prstDash val="solid"/>
@@ -5642,12 +5940,12 @@
         </a:fontRef>
       </dsp:style>
       <dsp:txBody>
-        <a:bodyPr spcFirstLastPara="0" vert="horz" wrap="square" lIns="102870" tIns="102870" rIns="102870" bIns="102870" numCol="1" spcCol="1270" anchor="ctr" anchorCtr="0">
+        <a:bodyPr spcFirstLastPara="0" vert="horz" wrap="square" lIns="110490" tIns="110490" rIns="110490" bIns="110490" numCol="1" spcCol="1270" anchor="ctr" anchorCtr="0">
           <a:noAutofit/>
         </a:bodyPr>
         <a:lstStyle/>
         <a:p>
-          <a:pPr lvl="0" algn="ctr" defTabSz="1200150">
+          <a:pPr lvl="0" algn="ctr" defTabSz="1289050">
             <a:lnSpc>
               <a:spcPct val="90000"/>
             </a:lnSpc>
@@ -5659,26 +5957,26 @@
             </a:spcAft>
           </a:pPr>
           <a:r>
-            <a:rPr lang="fr-FR" sz="2700" kern="1200" dirty="0" smtClean="0"/>
+            <a:rPr lang="fr-FR" sz="2900" kern="1200" dirty="0" smtClean="0"/>
             <a:t> </a:t>
           </a:r>
-          <a:endParaRPr lang="fr-FR" sz="2700" kern="1200" dirty="0"/>
+          <a:endParaRPr lang="fr-FR" sz="2900" kern="1200" dirty="0"/>
         </a:p>
       </dsp:txBody>
       <dsp:txXfrm>
-        <a:off x="2669789" y="886442"/>
-        <a:ext cx="948780" cy="632520"/>
+        <a:off x="2637549" y="1277623"/>
+        <a:ext cx="1013261" cy="675507"/>
       </dsp:txXfrm>
     </dsp:sp>
-    <dsp:sp modelId="{DAE48A17-C318-44DD-B692-E85FBDC151AF}">
+    <dsp:sp modelId="{F5FE2F22-137C-4376-8D74-64E08FEC6ECF}">
       <dsp:nvSpPr>
         <dsp:cNvPr id="0" name=""/>
         <dsp:cNvSpPr/>
       </dsp:nvSpPr>
       <dsp:spPr>
         <a:xfrm>
-          <a:off x="2527472" y="1518963"/>
-          <a:ext cx="616707" cy="253008"/>
+          <a:off x="2485560" y="1953130"/>
+          <a:ext cx="658619" cy="270202"/>
         </a:xfrm>
         <a:custGeom>
           <a:avLst/>
@@ -5689,16 +5987,16 @@
           <a:pathLst>
             <a:path>
               <a:moveTo>
-                <a:pt x="616707" y="0"/>
+                <a:pt x="658619" y="0"/>
               </a:moveTo>
               <a:lnTo>
-                <a:pt x="616707" y="126504"/>
+                <a:pt x="658619" y="135101"/>
               </a:lnTo>
               <a:lnTo>
-                <a:pt x="0" y="126504"/>
+                <a:pt x="0" y="135101"/>
               </a:lnTo>
               <a:lnTo>
-                <a:pt x="0" y="253008"/>
+                <a:pt x="0" y="270202"/>
               </a:lnTo>
             </a:path>
           </a:pathLst>
@@ -5731,29 +6029,22 @@
         <a:fontRef idx="minor"/>
       </dsp:style>
     </dsp:sp>
-    <dsp:sp modelId="{F3BD3D08-7777-409D-A794-C551AEA649EE}">
+    <dsp:sp modelId="{24F9DC55-1210-4281-8DF2-2D8C83BA2923}">
       <dsp:nvSpPr>
         <dsp:cNvPr id="0" name=""/>
         <dsp:cNvSpPr/>
       </dsp:nvSpPr>
       <dsp:spPr>
         <a:xfrm>
-          <a:off x="2053081" y="1771971"/>
-          <a:ext cx="948780" cy="632520"/>
+          <a:off x="1978929" y="2223333"/>
+          <a:ext cx="1013261" cy="675507"/>
         </a:xfrm>
         <a:prstGeom prst="roundRect">
           <a:avLst>
             <a:gd name="adj" fmla="val 10000"/>
           </a:avLst>
         </a:prstGeom>
-        <a:solidFill>
-          <a:schemeClr val="lt1">
-            <a:hueOff val="0"/>
-            <a:satOff val="0"/>
-            <a:lumOff val="0"/>
-            <a:alphaOff val="0"/>
-          </a:schemeClr>
-        </a:solidFill>
+        <a:noFill/>
         <a:ln w="25400" cap="flat" cmpd="sng" algn="ctr">
           <a:noFill/>
           <a:prstDash val="solid"/>
@@ -5775,12 +6066,12 @@
         </a:fontRef>
       </dsp:style>
       <dsp:txBody>
-        <a:bodyPr spcFirstLastPara="0" vert="horz" wrap="square" lIns="102870" tIns="102870" rIns="102870" bIns="102870" numCol="1" spcCol="1270" anchor="ctr" anchorCtr="0">
+        <a:bodyPr spcFirstLastPara="0" vert="horz" wrap="square" lIns="110490" tIns="110490" rIns="110490" bIns="110490" numCol="1" spcCol="1270" anchor="ctr" anchorCtr="0">
           <a:noAutofit/>
         </a:bodyPr>
         <a:lstStyle/>
         <a:p>
-          <a:pPr lvl="0" algn="ctr" defTabSz="1200150">
+          <a:pPr lvl="0" algn="ctr" defTabSz="1289050">
             <a:lnSpc>
               <a:spcPct val="90000"/>
             </a:lnSpc>
@@ -5792,26 +6083,26 @@
             </a:spcAft>
           </a:pPr>
           <a:r>
-            <a:rPr lang="fr-FR" sz="2700" kern="1200" dirty="0" smtClean="0"/>
+            <a:rPr lang="fr-FR" sz="2900" kern="1200" dirty="0" smtClean="0"/>
             <a:t> </a:t>
           </a:r>
-          <a:endParaRPr lang="fr-FR" sz="2700" kern="1200" dirty="0"/>
+          <a:endParaRPr lang="fr-FR" sz="2900" kern="1200" dirty="0"/>
         </a:p>
       </dsp:txBody>
       <dsp:txXfrm>
-        <a:off x="2053081" y="1771971"/>
-        <a:ext cx="948780" cy="632520"/>
+        <a:off x="1978929" y="2223333"/>
+        <a:ext cx="1013261" cy="675507"/>
       </dsp:txXfrm>
     </dsp:sp>
-    <dsp:sp modelId="{17E56E1D-E41C-4A79-ABC6-B8ADC972FBD2}">
+    <dsp:sp modelId="{31DC6327-5730-4712-8A21-FDC6CC24AA7A}">
       <dsp:nvSpPr>
         <dsp:cNvPr id="0" name=""/>
         <dsp:cNvSpPr/>
       </dsp:nvSpPr>
       <dsp:spPr>
         <a:xfrm>
-          <a:off x="1294057" y="2404492"/>
-          <a:ext cx="1233415" cy="253008"/>
+          <a:off x="509701" y="2898840"/>
+          <a:ext cx="1975859" cy="270202"/>
         </a:xfrm>
         <a:custGeom>
           <a:avLst/>
@@ -5822,16 +6113,16 @@
           <a:pathLst>
             <a:path>
               <a:moveTo>
-                <a:pt x="1233415" y="0"/>
+                <a:pt x="1975859" y="0"/>
               </a:moveTo>
               <a:lnTo>
-                <a:pt x="1233415" y="126504"/>
+                <a:pt x="1975859" y="135101"/>
               </a:lnTo>
               <a:lnTo>
-                <a:pt x="0" y="126504"/>
+                <a:pt x="0" y="135101"/>
               </a:lnTo>
               <a:lnTo>
-                <a:pt x="0" y="253008"/>
+                <a:pt x="0" y="270202"/>
               </a:lnTo>
             </a:path>
           </a:pathLst>
@@ -5864,29 +6155,22 @@
         <a:fontRef idx="minor"/>
       </dsp:style>
     </dsp:sp>
-    <dsp:sp modelId="{33113F41-E50F-4513-A49A-B8F70E1BAA0A}">
+    <dsp:sp modelId="{29A9C587-EC29-434E-9F17-16D7F7F55B55}">
       <dsp:nvSpPr>
         <dsp:cNvPr id="0" name=""/>
         <dsp:cNvSpPr/>
       </dsp:nvSpPr>
       <dsp:spPr>
         <a:xfrm>
-          <a:off x="819666" y="2657500"/>
-          <a:ext cx="948780" cy="632520"/>
+          <a:off x="3070" y="3169043"/>
+          <a:ext cx="1013261" cy="675507"/>
         </a:xfrm>
         <a:prstGeom prst="roundRect">
           <a:avLst>
             <a:gd name="adj" fmla="val 10000"/>
           </a:avLst>
         </a:prstGeom>
-        <a:solidFill>
-          <a:schemeClr val="lt1">
-            <a:hueOff val="0"/>
-            <a:satOff val="0"/>
-            <a:lumOff val="0"/>
-            <a:alphaOff val="0"/>
-          </a:schemeClr>
-        </a:solidFill>
+        <a:noFill/>
         <a:ln w="25400" cap="flat" cmpd="sng" algn="ctr">
           <a:noFill/>
           <a:prstDash val="solid"/>
@@ -5908,12 +6192,12 @@
         </a:fontRef>
       </dsp:style>
       <dsp:txBody>
-        <a:bodyPr spcFirstLastPara="0" vert="horz" wrap="square" lIns="102870" tIns="102870" rIns="102870" bIns="102870" numCol="1" spcCol="1270" anchor="ctr" anchorCtr="0">
+        <a:bodyPr spcFirstLastPara="0" vert="horz" wrap="square" lIns="110490" tIns="110490" rIns="110490" bIns="110490" numCol="1" spcCol="1270" anchor="ctr" anchorCtr="0">
           <a:noAutofit/>
         </a:bodyPr>
         <a:lstStyle/>
         <a:p>
-          <a:pPr lvl="0" algn="ctr" defTabSz="1200150">
+          <a:pPr lvl="0" algn="ctr" defTabSz="1289050">
             <a:lnSpc>
               <a:spcPct val="90000"/>
             </a:lnSpc>
@@ -5925,26 +6209,26 @@
             </a:spcAft>
           </a:pPr>
           <a:r>
-            <a:rPr lang="fr-FR" sz="2700" kern="1200" dirty="0" smtClean="0"/>
+            <a:rPr lang="fr-FR" sz="2900" kern="1200" dirty="0" smtClean="0"/>
             <a:t> </a:t>
           </a:r>
-          <a:endParaRPr lang="fr-FR" sz="2700" kern="1200" dirty="0"/>
+          <a:endParaRPr lang="fr-FR" sz="2900" kern="1200" dirty="0"/>
         </a:p>
       </dsp:txBody>
       <dsp:txXfrm>
-        <a:off x="819666" y="2657500"/>
-        <a:ext cx="948780" cy="632520"/>
+        <a:off x="3070" y="3169043"/>
+        <a:ext cx="1013261" cy="675507"/>
       </dsp:txXfrm>
     </dsp:sp>
-    <dsp:sp modelId="{337DE9D0-8F14-4BC0-A08D-46478003C9CE}">
+    <dsp:sp modelId="{DE03FB01-A01F-42DF-88C4-211A24FA5A0F}">
       <dsp:nvSpPr>
         <dsp:cNvPr id="0" name=""/>
         <dsp:cNvSpPr/>
       </dsp:nvSpPr>
       <dsp:spPr>
         <a:xfrm>
-          <a:off x="2481752" y="2404492"/>
-          <a:ext cx="91440" cy="253008"/>
+          <a:off x="1826940" y="2898840"/>
+          <a:ext cx="658619" cy="270202"/>
         </a:xfrm>
         <a:custGeom>
           <a:avLst/>
@@ -5955,10 +6239,16 @@
           <a:pathLst>
             <a:path>
               <a:moveTo>
-                <a:pt x="45720" y="0"/>
+                <a:pt x="658619" y="0"/>
               </a:moveTo>
               <a:lnTo>
-                <a:pt x="45720" y="253008"/>
+                <a:pt x="658619" y="135101"/>
+              </a:lnTo>
+              <a:lnTo>
+                <a:pt x="0" y="135101"/>
+              </a:lnTo>
+              <a:lnTo>
+                <a:pt x="0" y="270202"/>
               </a:lnTo>
             </a:path>
           </a:pathLst>
@@ -5991,29 +6281,22 @@
         <a:fontRef idx="minor"/>
       </dsp:style>
     </dsp:sp>
-    <dsp:sp modelId="{C739C0F1-83CE-45DB-A0E3-06B05DDB7E58}">
+    <dsp:sp modelId="{D88D310A-A6A3-4A38-835D-2B93C97F4FC7}">
       <dsp:nvSpPr>
         <dsp:cNvPr id="0" name=""/>
         <dsp:cNvSpPr/>
       </dsp:nvSpPr>
       <dsp:spPr>
         <a:xfrm>
-          <a:off x="2053081" y="2657500"/>
-          <a:ext cx="948780" cy="632520"/>
+          <a:off x="1320309" y="3169043"/>
+          <a:ext cx="1013261" cy="675507"/>
         </a:xfrm>
         <a:prstGeom prst="roundRect">
           <a:avLst>
             <a:gd name="adj" fmla="val 10000"/>
           </a:avLst>
         </a:prstGeom>
-        <a:solidFill>
-          <a:schemeClr val="lt1">
-            <a:hueOff val="0"/>
-            <a:satOff val="0"/>
-            <a:lumOff val="0"/>
-            <a:alphaOff val="0"/>
-          </a:schemeClr>
-        </a:solidFill>
+        <a:noFill/>
         <a:ln w="25400" cap="flat" cmpd="sng" algn="ctr">
           <a:noFill/>
           <a:prstDash val="solid"/>
@@ -6035,12 +6318,12 @@
         </a:fontRef>
       </dsp:style>
       <dsp:txBody>
-        <a:bodyPr spcFirstLastPara="0" vert="horz" wrap="square" lIns="102870" tIns="102870" rIns="102870" bIns="102870" numCol="1" spcCol="1270" anchor="ctr" anchorCtr="0">
+        <a:bodyPr spcFirstLastPara="0" vert="horz" wrap="square" lIns="110490" tIns="110490" rIns="110490" bIns="110490" numCol="1" spcCol="1270" anchor="ctr" anchorCtr="0">
           <a:noAutofit/>
         </a:bodyPr>
         <a:lstStyle/>
         <a:p>
-          <a:pPr lvl="0" algn="ctr" defTabSz="1200150">
+          <a:pPr lvl="0" algn="ctr" defTabSz="1289050">
             <a:lnSpc>
               <a:spcPct val="90000"/>
             </a:lnSpc>
@@ -6052,26 +6335,26 @@
             </a:spcAft>
           </a:pPr>
           <a:r>
-            <a:rPr lang="fr-FR" sz="2700" kern="1200" dirty="0" smtClean="0"/>
+            <a:rPr lang="fr-FR" sz="2900" kern="1200" dirty="0" smtClean="0"/>
             <a:t> </a:t>
           </a:r>
-          <a:endParaRPr lang="fr-FR" sz="2700" kern="1200" dirty="0"/>
+          <a:endParaRPr lang="fr-FR" sz="2900" kern="1200" dirty="0"/>
         </a:p>
       </dsp:txBody>
       <dsp:txXfrm>
-        <a:off x="2053081" y="2657500"/>
-        <a:ext cx="948780" cy="632520"/>
+        <a:off x="1320309" y="3169043"/>
+        <a:ext cx="1013261" cy="675507"/>
       </dsp:txXfrm>
     </dsp:sp>
-    <dsp:sp modelId="{9B678632-7E2C-4DC5-943F-D4B181521831}">
+    <dsp:sp modelId="{ACF9DE6A-8D51-44D9-B031-88CDA94429C3}">
       <dsp:nvSpPr>
         <dsp:cNvPr id="0" name=""/>
         <dsp:cNvSpPr/>
       </dsp:nvSpPr>
       <dsp:spPr>
         <a:xfrm>
-          <a:off x="2527472" y="2404492"/>
-          <a:ext cx="1233415" cy="253008"/>
+          <a:off x="2485560" y="2898840"/>
+          <a:ext cx="658619" cy="270202"/>
         </a:xfrm>
         <a:custGeom>
           <a:avLst/>
@@ -6085,13 +6368,13 @@
                 <a:pt x="0" y="0"/>
               </a:moveTo>
               <a:lnTo>
-                <a:pt x="0" y="126504"/>
+                <a:pt x="0" y="135101"/>
               </a:lnTo>
               <a:lnTo>
-                <a:pt x="1233415" y="126504"/>
+                <a:pt x="658619" y="135101"/>
               </a:lnTo>
               <a:lnTo>
-                <a:pt x="1233415" y="253008"/>
+                <a:pt x="658619" y="270202"/>
               </a:lnTo>
             </a:path>
           </a:pathLst>
@@ -6124,29 +6407,22 @@
         <a:fontRef idx="minor"/>
       </dsp:style>
     </dsp:sp>
-    <dsp:sp modelId="{2A231ACB-D04E-4E0E-BE30-51CDC2664314}">
+    <dsp:sp modelId="{96B1AD01-974E-4340-9BA4-B7CF66CFD93B}">
       <dsp:nvSpPr>
         <dsp:cNvPr id="0" name=""/>
         <dsp:cNvSpPr/>
       </dsp:nvSpPr>
       <dsp:spPr>
         <a:xfrm>
-          <a:off x="3286497" y="2657500"/>
-          <a:ext cx="948780" cy="632520"/>
+          <a:off x="2637549" y="3169043"/>
+          <a:ext cx="1013261" cy="675507"/>
         </a:xfrm>
         <a:prstGeom prst="roundRect">
           <a:avLst>
             <a:gd name="adj" fmla="val 10000"/>
           </a:avLst>
         </a:prstGeom>
-        <a:solidFill>
-          <a:schemeClr val="lt1">
-            <a:hueOff val="0"/>
-            <a:satOff val="0"/>
-            <a:lumOff val="0"/>
-            <a:alphaOff val="0"/>
-          </a:schemeClr>
-        </a:solidFill>
+        <a:noFill/>
         <a:ln w="25400" cap="flat" cmpd="sng" algn="ctr">
           <a:noFill/>
           <a:prstDash val="solid"/>
@@ -6168,12 +6444,12 @@
         </a:fontRef>
       </dsp:style>
       <dsp:txBody>
-        <a:bodyPr spcFirstLastPara="0" vert="horz" wrap="square" lIns="102870" tIns="102870" rIns="102870" bIns="102870" numCol="1" spcCol="1270" anchor="ctr" anchorCtr="0">
+        <a:bodyPr spcFirstLastPara="0" vert="horz" wrap="square" lIns="110490" tIns="110490" rIns="110490" bIns="110490" numCol="1" spcCol="1270" anchor="ctr" anchorCtr="0">
           <a:noAutofit/>
         </a:bodyPr>
         <a:lstStyle/>
         <a:p>
-          <a:pPr lvl="0" algn="ctr" defTabSz="1200150">
+          <a:pPr lvl="0" algn="ctr" defTabSz="1289050">
             <a:lnSpc>
               <a:spcPct val="90000"/>
             </a:lnSpc>
@@ -6185,26 +6461,26 @@
             </a:spcAft>
           </a:pPr>
           <a:r>
-            <a:rPr lang="fr-FR" sz="2700" kern="1200" dirty="0" smtClean="0"/>
+            <a:rPr lang="fr-FR" sz="2900" kern="1200" dirty="0" smtClean="0"/>
             <a:t> </a:t>
           </a:r>
-          <a:endParaRPr lang="fr-FR" sz="2700" kern="1200" dirty="0"/>
+          <a:endParaRPr lang="fr-FR" sz="2900" kern="1200" dirty="0"/>
         </a:p>
       </dsp:txBody>
       <dsp:txXfrm>
-        <a:off x="3286497" y="2657500"/>
-        <a:ext cx="948780" cy="632520"/>
+        <a:off x="2637549" y="3169043"/>
+        <a:ext cx="1013261" cy="675507"/>
       </dsp:txXfrm>
     </dsp:sp>
-    <dsp:sp modelId="{5FDA05B5-3C63-4404-87FB-00F0600050C5}">
+    <dsp:sp modelId="{BA14FF60-9A6C-44A1-BE1D-A1A56A9003BA}">
       <dsp:nvSpPr>
         <dsp:cNvPr id="0" name=""/>
         <dsp:cNvSpPr/>
       </dsp:nvSpPr>
       <dsp:spPr>
         <a:xfrm>
-          <a:off x="3715167" y="3290021"/>
-          <a:ext cx="91440" cy="253008"/>
+          <a:off x="2485560" y="2898840"/>
+          <a:ext cx="1975859" cy="270202"/>
         </a:xfrm>
         <a:custGeom>
           <a:avLst/>
@@ -6215,10 +6491,16 @@
           <a:pathLst>
             <a:path>
               <a:moveTo>
-                <a:pt x="45720" y="0"/>
+                <a:pt x="0" y="0"/>
               </a:moveTo>
               <a:lnTo>
-                <a:pt x="45720" y="253008"/>
+                <a:pt x="0" y="135101"/>
+              </a:lnTo>
+              <a:lnTo>
+                <a:pt x="1975859" y="135101"/>
+              </a:lnTo>
+              <a:lnTo>
+                <a:pt x="1975859" y="270202"/>
               </a:lnTo>
             </a:path>
           </a:pathLst>
@@ -6251,29 +6533,22 @@
         <a:fontRef idx="minor"/>
       </dsp:style>
     </dsp:sp>
-    <dsp:sp modelId="{BBCA1A85-48F8-486C-977B-AFEE597BD459}">
+    <dsp:sp modelId="{AE409031-E803-49CA-BFAC-CEC6F33A972F}">
       <dsp:nvSpPr>
         <dsp:cNvPr id="0" name=""/>
         <dsp:cNvSpPr/>
       </dsp:nvSpPr>
       <dsp:spPr>
         <a:xfrm>
-          <a:off x="3286497" y="3543029"/>
-          <a:ext cx="948780" cy="632520"/>
+          <a:off x="3954788" y="3169043"/>
+          <a:ext cx="1013261" cy="675507"/>
         </a:xfrm>
         <a:prstGeom prst="roundRect">
           <a:avLst>
             <a:gd name="adj" fmla="val 10000"/>
           </a:avLst>
         </a:prstGeom>
-        <a:solidFill>
-          <a:schemeClr val="lt1">
-            <a:hueOff val="0"/>
-            <a:satOff val="0"/>
-            <a:lumOff val="0"/>
-            <a:alphaOff val="0"/>
-          </a:schemeClr>
-        </a:solidFill>
+        <a:noFill/>
         <a:ln w="25400" cap="flat" cmpd="sng" algn="ctr">
           <a:noFill/>
           <a:prstDash val="solid"/>
@@ -6295,12 +6570,12 @@
         </a:fontRef>
       </dsp:style>
       <dsp:txBody>
-        <a:bodyPr spcFirstLastPara="0" vert="horz" wrap="square" lIns="102870" tIns="102870" rIns="102870" bIns="102870" numCol="1" spcCol="1270" anchor="ctr" anchorCtr="0">
+        <a:bodyPr spcFirstLastPara="0" vert="horz" wrap="square" lIns="110490" tIns="110490" rIns="110490" bIns="110490" numCol="1" spcCol="1270" anchor="ctr" anchorCtr="0">
           <a:noAutofit/>
         </a:bodyPr>
         <a:lstStyle/>
         <a:p>
-          <a:pPr lvl="0" algn="ctr" defTabSz="1200150">
+          <a:pPr lvl="0" algn="ctr" defTabSz="1289050">
             <a:lnSpc>
               <a:spcPct val="90000"/>
             </a:lnSpc>
@@ -6312,26 +6587,26 @@
             </a:spcAft>
           </a:pPr>
           <a:r>
-            <a:rPr lang="fr-FR" sz="2700" kern="1200" dirty="0" smtClean="0"/>
+            <a:rPr lang="fr-FR" sz="2900" kern="1200" dirty="0" smtClean="0"/>
             <a:t> </a:t>
           </a:r>
-          <a:endParaRPr lang="fr-FR" sz="2700" kern="1200" dirty="0"/>
+          <a:endParaRPr lang="fr-FR" sz="2900" kern="1200" dirty="0"/>
         </a:p>
       </dsp:txBody>
       <dsp:txXfrm>
-        <a:off x="3286497" y="3543029"/>
-        <a:ext cx="948780" cy="632520"/>
+        <a:off x="3954788" y="3169043"/>
+        <a:ext cx="1013261" cy="675507"/>
       </dsp:txXfrm>
     </dsp:sp>
-    <dsp:sp modelId="{99DDF5E1-6073-4F18-9046-E22B84F2C41F}">
+    <dsp:sp modelId="{86F3C1B5-1362-4C69-8CDF-D7D0D7CD7A13}">
       <dsp:nvSpPr>
         <dsp:cNvPr id="0" name=""/>
         <dsp:cNvSpPr/>
       </dsp:nvSpPr>
       <dsp:spPr>
         <a:xfrm>
-          <a:off x="3144180" y="1518963"/>
-          <a:ext cx="616707" cy="253008"/>
+          <a:off x="3144180" y="1953130"/>
+          <a:ext cx="658619" cy="270202"/>
         </a:xfrm>
         <a:custGeom>
           <a:avLst/>
@@ -6345,13 +6620,13 @@
                 <a:pt x="0" y="0"/>
               </a:moveTo>
               <a:lnTo>
-                <a:pt x="0" y="126504"/>
+                <a:pt x="0" y="135101"/>
               </a:lnTo>
               <a:lnTo>
-                <a:pt x="616707" y="126504"/>
+                <a:pt x="658619" y="135101"/>
               </a:lnTo>
               <a:lnTo>
-                <a:pt x="616707" y="253008"/>
+                <a:pt x="658619" y="270202"/>
               </a:lnTo>
             </a:path>
           </a:pathLst>
@@ -6384,29 +6659,22 @@
         <a:fontRef idx="minor"/>
       </dsp:style>
     </dsp:sp>
-    <dsp:sp modelId="{D302ED24-31B3-4218-8649-EEB51F4F90E7}">
+    <dsp:sp modelId="{6513C975-CD09-4AFC-B771-79A6362F4575}">
       <dsp:nvSpPr>
         <dsp:cNvPr id="0" name=""/>
         <dsp:cNvSpPr/>
       </dsp:nvSpPr>
       <dsp:spPr>
         <a:xfrm>
-          <a:off x="3286497" y="1771971"/>
-          <a:ext cx="948780" cy="632520"/>
+          <a:off x="3296169" y="2223333"/>
+          <a:ext cx="1013261" cy="675507"/>
         </a:xfrm>
         <a:prstGeom prst="roundRect">
           <a:avLst>
             <a:gd name="adj" fmla="val 10000"/>
           </a:avLst>
         </a:prstGeom>
-        <a:solidFill>
-          <a:schemeClr val="lt1">
-            <a:hueOff val="0"/>
-            <a:satOff val="0"/>
-            <a:lumOff val="0"/>
-            <a:alphaOff val="0"/>
-          </a:schemeClr>
-        </a:solidFill>
+        <a:noFill/>
         <a:ln w="25400" cap="flat" cmpd="sng" algn="ctr">
           <a:noFill/>
           <a:prstDash val="solid"/>
@@ -6428,12 +6696,12 @@
         </a:fontRef>
       </dsp:style>
       <dsp:txBody>
-        <a:bodyPr spcFirstLastPara="0" vert="horz" wrap="square" lIns="102870" tIns="102870" rIns="102870" bIns="102870" numCol="1" spcCol="1270" anchor="ctr" anchorCtr="0">
+        <a:bodyPr spcFirstLastPara="0" vert="horz" wrap="square" lIns="110490" tIns="110490" rIns="110490" bIns="110490" numCol="1" spcCol="1270" anchor="ctr" anchorCtr="0">
           <a:noAutofit/>
         </a:bodyPr>
         <a:lstStyle/>
         <a:p>
-          <a:pPr lvl="0" algn="ctr" defTabSz="1200150">
+          <a:pPr lvl="0" algn="ctr" defTabSz="1289050">
             <a:lnSpc>
               <a:spcPct val="90000"/>
             </a:lnSpc>
@@ -6445,26 +6713,26 @@
             </a:spcAft>
           </a:pPr>
           <a:r>
-            <a:rPr lang="fr-FR" sz="2700" kern="1200" dirty="0" smtClean="0"/>
+            <a:rPr lang="fr-FR" sz="2900" kern="1200" dirty="0" smtClean="0"/>
             <a:t> </a:t>
           </a:r>
-          <a:endParaRPr lang="fr-FR" sz="2700" kern="1200" dirty="0"/>
+          <a:endParaRPr lang="fr-FR" sz="2900" kern="1200" dirty="0"/>
         </a:p>
       </dsp:txBody>
       <dsp:txXfrm>
-        <a:off x="3286497" y="1771971"/>
-        <a:ext cx="948780" cy="632520"/>
+        <a:off x="3296169" y="2223333"/>
+        <a:ext cx="1013261" cy="675507"/>
       </dsp:txXfrm>
     </dsp:sp>
-    <dsp:sp modelId="{B661105B-A5C1-4CA2-8BD0-A312308A3339}">
+    <dsp:sp modelId="{2BEE1609-B88F-4210-9E8F-830F849E695D}">
       <dsp:nvSpPr>
         <dsp:cNvPr id="0" name=""/>
         <dsp:cNvSpPr/>
       </dsp:nvSpPr>
       <dsp:spPr>
         <a:xfrm>
-          <a:off x="3144180" y="633434"/>
-          <a:ext cx="1233415" cy="253008"/>
+          <a:off x="3144180" y="1007420"/>
+          <a:ext cx="1317239" cy="270202"/>
         </a:xfrm>
         <a:custGeom>
           <a:avLst/>
@@ -6478,13 +6746,13 @@
                 <a:pt x="0" y="0"/>
               </a:moveTo>
               <a:lnTo>
-                <a:pt x="0" y="126504"/>
+                <a:pt x="0" y="135101"/>
               </a:lnTo>
               <a:lnTo>
-                <a:pt x="1233415" y="126504"/>
+                <a:pt x="1317239" y="135101"/>
               </a:lnTo>
               <a:lnTo>
-                <a:pt x="1233415" y="253008"/>
+                <a:pt x="1317239" y="270202"/>
               </a:lnTo>
             </a:path>
           </a:pathLst>
@@ -6517,29 +6785,22 @@
         <a:fontRef idx="minor"/>
       </dsp:style>
     </dsp:sp>
-    <dsp:sp modelId="{B7523743-5636-4F9C-B051-F02D86643CFB}">
+    <dsp:sp modelId="{12F41C94-547F-47DA-A99C-6EA17136A131}">
       <dsp:nvSpPr>
         <dsp:cNvPr id="0" name=""/>
         <dsp:cNvSpPr/>
       </dsp:nvSpPr>
       <dsp:spPr>
         <a:xfrm>
-          <a:off x="3903204" y="886442"/>
-          <a:ext cx="948780" cy="632520"/>
+          <a:off x="3954788" y="1277623"/>
+          <a:ext cx="1013261" cy="675507"/>
         </a:xfrm>
         <a:prstGeom prst="roundRect">
           <a:avLst>
             <a:gd name="adj" fmla="val 10000"/>
           </a:avLst>
         </a:prstGeom>
-        <a:solidFill>
-          <a:schemeClr val="lt1">
-            <a:hueOff val="0"/>
-            <a:satOff val="0"/>
-            <a:lumOff val="0"/>
-            <a:alphaOff val="0"/>
-          </a:schemeClr>
-        </a:solidFill>
+        <a:noFill/>
         <a:ln w="25400" cap="flat" cmpd="sng" algn="ctr">
           <a:noFill/>
           <a:prstDash val="solid"/>
@@ -6561,12 +6822,12 @@
         </a:fontRef>
       </dsp:style>
       <dsp:txBody>
-        <a:bodyPr spcFirstLastPara="0" vert="horz" wrap="square" lIns="102870" tIns="102870" rIns="102870" bIns="102870" numCol="1" spcCol="1270" anchor="ctr" anchorCtr="0">
+        <a:bodyPr spcFirstLastPara="0" vert="horz" wrap="square" lIns="110490" tIns="110490" rIns="110490" bIns="110490" numCol="1" spcCol="1270" anchor="ctr" anchorCtr="0">
           <a:noAutofit/>
         </a:bodyPr>
         <a:lstStyle/>
         <a:p>
-          <a:pPr lvl="0" algn="ctr" defTabSz="1200150">
+          <a:pPr lvl="0" algn="ctr" defTabSz="1289050">
             <a:lnSpc>
               <a:spcPct val="90000"/>
             </a:lnSpc>
@@ -6578,26 +6839,26 @@
             </a:spcAft>
           </a:pPr>
           <a:r>
-            <a:rPr lang="fr-FR" sz="2700" kern="1200" dirty="0" smtClean="0"/>
+            <a:rPr lang="fr-FR" sz="2900" kern="1200" dirty="0" smtClean="0"/>
             <a:t> </a:t>
           </a:r>
-          <a:endParaRPr lang="fr-FR" sz="2700" kern="1200" dirty="0"/>
+          <a:endParaRPr lang="fr-FR" sz="2900" kern="1200" dirty="0"/>
         </a:p>
       </dsp:txBody>
       <dsp:txXfrm>
-        <a:off x="3903204" y="886442"/>
-        <a:ext cx="948780" cy="632520"/>
+        <a:off x="3954788" y="1277623"/>
+        <a:ext cx="1013261" cy="675507"/>
       </dsp:txXfrm>
     </dsp:sp>
-    <dsp:sp modelId="{E5992DC9-E063-4145-B046-5B43976A1D2D}">
+    <dsp:sp modelId="{12157A1C-3B44-473F-82BA-7DE3614E8D72}">
       <dsp:nvSpPr>
         <dsp:cNvPr id="0" name=""/>
         <dsp:cNvSpPr/>
       </dsp:nvSpPr>
       <dsp:spPr>
         <a:xfrm>
-          <a:off x="3144180" y="633434"/>
-          <a:ext cx="2466830" cy="253008"/>
+          <a:off x="3144180" y="1007420"/>
+          <a:ext cx="2634478" cy="270202"/>
         </a:xfrm>
         <a:custGeom>
           <a:avLst/>
@@ -6611,13 +6872,13 @@
                 <a:pt x="0" y="0"/>
               </a:moveTo>
               <a:lnTo>
-                <a:pt x="0" y="126504"/>
+                <a:pt x="0" y="135101"/>
               </a:lnTo>
               <a:lnTo>
-                <a:pt x="2466830" y="126504"/>
+                <a:pt x="2634478" y="135101"/>
               </a:lnTo>
               <a:lnTo>
-                <a:pt x="2466830" y="253008"/>
+                <a:pt x="2634478" y="270202"/>
               </a:lnTo>
             </a:path>
           </a:pathLst>
@@ -6650,29 +6911,22 @@
         <a:fontRef idx="minor"/>
       </dsp:style>
     </dsp:sp>
-    <dsp:sp modelId="{905E3E5E-A150-4B65-B77E-229BE5574197}">
+    <dsp:sp modelId="{D73C165B-7A14-4FED-9D0B-DEC0FD639B8D}">
       <dsp:nvSpPr>
         <dsp:cNvPr id="0" name=""/>
         <dsp:cNvSpPr/>
       </dsp:nvSpPr>
       <dsp:spPr>
         <a:xfrm>
-          <a:off x="5136619" y="886442"/>
-          <a:ext cx="948780" cy="632520"/>
+          <a:off x="5272028" y="1277623"/>
+          <a:ext cx="1013261" cy="675507"/>
         </a:xfrm>
         <a:prstGeom prst="roundRect">
           <a:avLst>
             <a:gd name="adj" fmla="val 10000"/>
           </a:avLst>
         </a:prstGeom>
-        <a:solidFill>
-          <a:schemeClr val="lt1">
-            <a:hueOff val="0"/>
-            <a:satOff val="0"/>
-            <a:lumOff val="0"/>
-            <a:alphaOff val="0"/>
-          </a:schemeClr>
-        </a:solidFill>
+        <a:noFill/>
         <a:ln w="25400" cap="flat" cmpd="sng" algn="ctr">
           <a:noFill/>
           <a:prstDash val="solid"/>
@@ -6694,12 +6948,12 @@
         </a:fontRef>
       </dsp:style>
       <dsp:txBody>
-        <a:bodyPr spcFirstLastPara="0" vert="horz" wrap="square" lIns="102870" tIns="102870" rIns="102870" bIns="102870" numCol="1" spcCol="1270" anchor="ctr" anchorCtr="0">
+        <a:bodyPr spcFirstLastPara="0" vert="horz" wrap="square" lIns="110490" tIns="110490" rIns="110490" bIns="110490" numCol="1" spcCol="1270" anchor="ctr" anchorCtr="0">
           <a:noAutofit/>
         </a:bodyPr>
         <a:lstStyle/>
         <a:p>
-          <a:pPr lvl="0" algn="ctr" defTabSz="1200150">
+          <a:pPr lvl="0" algn="ctr" defTabSz="1289050">
             <a:lnSpc>
               <a:spcPct val="90000"/>
             </a:lnSpc>
@@ -6711,15 +6965,135 @@
             </a:spcAft>
           </a:pPr>
           <a:r>
-            <a:rPr lang="fr-FR" sz="2700" kern="1200" dirty="0" smtClean="0"/>
+            <a:rPr lang="fr-FR" sz="2900" kern="1200" dirty="0" smtClean="0"/>
             <a:t> </a:t>
           </a:r>
-          <a:endParaRPr lang="fr-FR" sz="2700" kern="1200" dirty="0"/>
+          <a:endParaRPr lang="fr-FR" sz="2900" kern="1200" dirty="0"/>
         </a:p>
       </dsp:txBody>
       <dsp:txXfrm>
-        <a:off x="5136619" y="886442"/>
-        <a:ext cx="948780" cy="632520"/>
+        <a:off x="5272028" y="1277623"/>
+        <a:ext cx="1013261" cy="675507"/>
+      </dsp:txXfrm>
+    </dsp:sp>
+    <dsp:sp modelId="{3E843D45-6764-45AA-91AF-B022E53AA223}">
+      <dsp:nvSpPr>
+        <dsp:cNvPr id="0" name=""/>
+        <dsp:cNvSpPr/>
+      </dsp:nvSpPr>
+      <dsp:spPr>
+        <a:xfrm>
+          <a:off x="5732938" y="1953130"/>
+          <a:ext cx="91440" cy="270202"/>
+        </a:xfrm>
+        <a:custGeom>
+          <a:avLst/>
+          <a:gdLst/>
+          <a:ahLst/>
+          <a:cxnLst/>
+          <a:rect l="0" t="0" r="0" b="0"/>
+          <a:pathLst>
+            <a:path>
+              <a:moveTo>
+                <a:pt x="45720" y="0"/>
+              </a:moveTo>
+              <a:lnTo>
+                <a:pt x="45720" y="270202"/>
+              </a:lnTo>
+            </a:path>
+          </a:pathLst>
+        </a:custGeom>
+        <a:noFill/>
+        <a:ln w="25400" cap="flat" cmpd="sng" algn="ctr">
+          <a:solidFill>
+            <a:schemeClr val="dk2">
+              <a:shade val="80000"/>
+              <a:hueOff val="0"/>
+              <a:satOff val="0"/>
+              <a:lumOff val="0"/>
+              <a:alphaOff val="0"/>
+            </a:schemeClr>
+          </a:solidFill>
+          <a:prstDash val="solid"/>
+        </a:ln>
+        <a:effectLst/>
+      </dsp:spPr>
+      <dsp:style>
+        <a:lnRef idx="2">
+          <a:scrgbClr r="0" g="0" b="0"/>
+        </a:lnRef>
+        <a:fillRef idx="0">
+          <a:scrgbClr r="0" g="0" b="0"/>
+        </a:fillRef>
+        <a:effectRef idx="0">
+          <a:scrgbClr r="0" g="0" b="0"/>
+        </a:effectRef>
+        <a:fontRef idx="minor"/>
+      </dsp:style>
+    </dsp:sp>
+    <dsp:sp modelId="{B34A467B-E0F7-4BAA-A66B-3F4FC392E4FE}">
+      <dsp:nvSpPr>
+        <dsp:cNvPr id="0" name=""/>
+        <dsp:cNvSpPr/>
+      </dsp:nvSpPr>
+      <dsp:spPr>
+        <a:xfrm>
+          <a:off x="5272028" y="2223333"/>
+          <a:ext cx="1013261" cy="675507"/>
+        </a:xfrm>
+        <a:prstGeom prst="roundRect">
+          <a:avLst>
+            <a:gd name="adj" fmla="val 10000"/>
+          </a:avLst>
+        </a:prstGeom>
+        <a:noFill/>
+        <a:ln w="25400" cap="flat" cmpd="sng" algn="ctr">
+          <a:noFill/>
+          <a:prstDash val="solid"/>
+        </a:ln>
+        <a:effectLst/>
+      </dsp:spPr>
+      <dsp:style>
+        <a:lnRef idx="2">
+          <a:scrgbClr r="0" g="0" b="0"/>
+        </a:lnRef>
+        <a:fillRef idx="1">
+          <a:scrgbClr r="0" g="0" b="0"/>
+        </a:fillRef>
+        <a:effectRef idx="0">
+          <a:scrgbClr r="0" g="0" b="0"/>
+        </a:effectRef>
+        <a:fontRef idx="minor">
+          <a:schemeClr val="lt1"/>
+        </a:fontRef>
+      </dsp:style>
+      <dsp:txBody>
+        <a:bodyPr spcFirstLastPara="0" vert="horz" wrap="square" lIns="110490" tIns="110490" rIns="110490" bIns="110490" numCol="1" spcCol="1270" anchor="ctr" anchorCtr="0">
+          <a:noAutofit/>
+        </a:bodyPr>
+        <a:lstStyle/>
+        <a:p>
+          <a:pPr lvl="0" algn="ctr" defTabSz="1289050">
+            <a:lnSpc>
+              <a:spcPct val="90000"/>
+            </a:lnSpc>
+            <a:spcBef>
+              <a:spcPct val="0"/>
+            </a:spcBef>
+            <a:spcAft>
+              <a:spcPct val="35000"/>
+            </a:spcAft>
+          </a:pPr>
+          <a:r>
+            <a:rPr lang="fr-FR" sz="2900" kern="1200" dirty="0" smtClean="0"/>
+            <a:t> </a:t>
+          </a:r>
+          <a:endParaRPr lang="fr-FR" sz="2900" kern="1200" dirty="0"/>
+        </a:p>
+      </dsp:txBody>
+      <dsp:txXfrm>
+        <a:off x="5272028" y="2223333"/>
+        <a:ext cx="1013261" cy="675507"/>
       </dsp:txXfrm>
     </dsp:sp>
   </dsp:spTree>
@@ -9997,6 +10371,7 @@
           <a:p>
             <a:fld id="{8BC48787-5F88-4BF5-ABD7-A15F2B2C3A22}" type="datetimeFigureOut">
               <a:rPr lang="fr-FR" smtClean="0"/>
+              <a:pPr/>
               <a:t>19/10/2016</a:t>
             </a:fld>
             <a:endParaRPr lang="fr-FR"/>
@@ -10039,6 +10414,7 @@
           <a:p>
             <a:fld id="{3A2AE3D6-1C0A-4821-9705-A1BB5EE42973}" type="slidenum">
               <a:rPr lang="fr-FR" smtClean="0"/>
+              <a:pPr/>
               <a:t>‹N°›</a:t>
             </a:fld>
             <a:endParaRPr lang="fr-FR"/>
@@ -10162,6 +10538,7 @@
           <a:p>
             <a:fld id="{8BC48787-5F88-4BF5-ABD7-A15F2B2C3A22}" type="datetimeFigureOut">
               <a:rPr lang="fr-FR" smtClean="0"/>
+              <a:pPr/>
               <a:t>19/10/2016</a:t>
             </a:fld>
             <a:endParaRPr lang="fr-FR"/>
@@ -10204,6 +10581,7 @@
           <a:p>
             <a:fld id="{3A2AE3D6-1C0A-4821-9705-A1BB5EE42973}" type="slidenum">
               <a:rPr lang="fr-FR" smtClean="0"/>
+              <a:pPr/>
               <a:t>‹N°›</a:t>
             </a:fld>
             <a:endParaRPr lang="fr-FR"/>
@@ -10337,6 +10715,7 @@
           <a:p>
             <a:fld id="{8BC48787-5F88-4BF5-ABD7-A15F2B2C3A22}" type="datetimeFigureOut">
               <a:rPr lang="fr-FR" smtClean="0"/>
+              <a:pPr/>
               <a:t>19/10/2016</a:t>
             </a:fld>
             <a:endParaRPr lang="fr-FR"/>
@@ -10379,6 +10758,7 @@
           <a:p>
             <a:fld id="{3A2AE3D6-1C0A-4821-9705-A1BB5EE42973}" type="slidenum">
               <a:rPr lang="fr-FR" smtClean="0"/>
+              <a:pPr/>
               <a:t>‹N°›</a:t>
             </a:fld>
             <a:endParaRPr lang="fr-FR"/>
@@ -10502,6 +10882,7 @@
           <a:p>
             <a:fld id="{8BC48787-5F88-4BF5-ABD7-A15F2B2C3A22}" type="datetimeFigureOut">
               <a:rPr lang="fr-FR" smtClean="0"/>
+              <a:pPr/>
               <a:t>19/10/2016</a:t>
             </a:fld>
             <a:endParaRPr lang="fr-FR"/>
@@ -10544,6 +10925,7 @@
           <a:p>
             <a:fld id="{3A2AE3D6-1C0A-4821-9705-A1BB5EE42973}" type="slidenum">
               <a:rPr lang="fr-FR" smtClean="0"/>
+              <a:pPr/>
               <a:t>‹N°›</a:t>
             </a:fld>
             <a:endParaRPr lang="fr-FR"/>
@@ -10743,6 +11125,7 @@
           <a:p>
             <a:fld id="{8BC48787-5F88-4BF5-ABD7-A15F2B2C3A22}" type="datetimeFigureOut">
               <a:rPr lang="fr-FR" smtClean="0"/>
+              <a:pPr/>
               <a:t>19/10/2016</a:t>
             </a:fld>
             <a:endParaRPr lang="fr-FR"/>
@@ -10785,6 +11168,7 @@
           <a:p>
             <a:fld id="{3A2AE3D6-1C0A-4821-9705-A1BB5EE42973}" type="slidenum">
               <a:rPr lang="fr-FR" smtClean="0"/>
+              <a:pPr/>
               <a:t>‹N°›</a:t>
             </a:fld>
             <a:endParaRPr lang="fr-FR"/>
@@ -11026,6 +11410,7 @@
           <a:p>
             <a:fld id="{8BC48787-5F88-4BF5-ABD7-A15F2B2C3A22}" type="datetimeFigureOut">
               <a:rPr lang="fr-FR" smtClean="0"/>
+              <a:pPr/>
               <a:t>19/10/2016</a:t>
             </a:fld>
             <a:endParaRPr lang="fr-FR"/>
@@ -11068,6 +11453,7 @@
           <a:p>
             <a:fld id="{3A2AE3D6-1C0A-4821-9705-A1BB5EE42973}" type="slidenum">
               <a:rPr lang="fr-FR" smtClean="0"/>
+              <a:pPr/>
               <a:t>‹N°›</a:t>
             </a:fld>
             <a:endParaRPr lang="fr-FR"/>
@@ -11443,6 +11829,7 @@
           <a:p>
             <a:fld id="{8BC48787-5F88-4BF5-ABD7-A15F2B2C3A22}" type="datetimeFigureOut">
               <a:rPr lang="fr-FR" smtClean="0"/>
+              <a:pPr/>
               <a:t>19/10/2016</a:t>
             </a:fld>
             <a:endParaRPr lang="fr-FR"/>
@@ -11485,6 +11872,7 @@
           <a:p>
             <a:fld id="{3A2AE3D6-1C0A-4821-9705-A1BB5EE42973}" type="slidenum">
               <a:rPr lang="fr-FR" smtClean="0"/>
+              <a:pPr/>
               <a:t>‹N°›</a:t>
             </a:fld>
             <a:endParaRPr lang="fr-FR"/>
@@ -11556,6 +11944,7 @@
           <a:p>
             <a:fld id="{8BC48787-5F88-4BF5-ABD7-A15F2B2C3A22}" type="datetimeFigureOut">
               <a:rPr lang="fr-FR" smtClean="0"/>
+              <a:pPr/>
               <a:t>19/10/2016</a:t>
             </a:fld>
             <a:endParaRPr lang="fr-FR"/>
@@ -11598,6 +11987,7 @@
           <a:p>
             <a:fld id="{3A2AE3D6-1C0A-4821-9705-A1BB5EE42973}" type="slidenum">
               <a:rPr lang="fr-FR" smtClean="0"/>
+              <a:pPr/>
               <a:t>‹N°›</a:t>
             </a:fld>
             <a:endParaRPr lang="fr-FR"/>
@@ -11646,6 +12036,7 @@
           <a:p>
             <a:fld id="{8BC48787-5F88-4BF5-ABD7-A15F2B2C3A22}" type="datetimeFigureOut">
               <a:rPr lang="fr-FR" smtClean="0"/>
+              <a:pPr/>
               <a:t>19/10/2016</a:t>
             </a:fld>
             <a:endParaRPr lang="fr-FR"/>
@@ -11688,6 +12079,7 @@
           <a:p>
             <a:fld id="{3A2AE3D6-1C0A-4821-9705-A1BB5EE42973}" type="slidenum">
               <a:rPr lang="fr-FR" smtClean="0"/>
+              <a:pPr/>
               <a:t>‹N°›</a:t>
             </a:fld>
             <a:endParaRPr lang="fr-FR"/>
@@ -11918,6 +12310,7 @@
           <a:p>
             <a:fld id="{8BC48787-5F88-4BF5-ABD7-A15F2B2C3A22}" type="datetimeFigureOut">
               <a:rPr lang="fr-FR" smtClean="0"/>
+              <a:pPr/>
               <a:t>19/10/2016</a:t>
             </a:fld>
             <a:endParaRPr lang="fr-FR"/>
@@ -11960,6 +12353,7 @@
           <a:p>
             <a:fld id="{3A2AE3D6-1C0A-4821-9705-A1BB5EE42973}" type="slidenum">
               <a:rPr lang="fr-FR" smtClean="0"/>
+              <a:pPr/>
               <a:t>‹N°›</a:t>
             </a:fld>
             <a:endParaRPr lang="fr-FR"/>
@@ -12166,6 +12560,7 @@
           <a:p>
             <a:fld id="{8BC48787-5F88-4BF5-ABD7-A15F2B2C3A22}" type="datetimeFigureOut">
               <a:rPr lang="fr-FR" smtClean="0"/>
+              <a:pPr/>
               <a:t>19/10/2016</a:t>
             </a:fld>
             <a:endParaRPr lang="fr-FR"/>
@@ -12208,6 +12603,7 @@
           <a:p>
             <a:fld id="{3A2AE3D6-1C0A-4821-9705-A1BB5EE42973}" type="slidenum">
               <a:rPr lang="fr-FR" smtClean="0"/>
+              <a:pPr/>
               <a:t>‹N°›</a:t>
             </a:fld>
             <a:endParaRPr lang="fr-FR"/>
@@ -12374,6 +12770,7 @@
           <a:p>
             <a:fld id="{8BC48787-5F88-4BF5-ABD7-A15F2B2C3A22}" type="datetimeFigureOut">
               <a:rPr lang="fr-FR" smtClean="0"/>
+              <a:pPr/>
               <a:t>19/10/2016</a:t>
             </a:fld>
             <a:endParaRPr lang="fr-FR"/>
@@ -12452,6 +12849,7 @@
           <a:p>
             <a:fld id="{3A2AE3D6-1C0A-4821-9705-A1BB5EE42973}" type="slidenum">
               <a:rPr lang="fr-FR" smtClean="0"/>
+              <a:pPr/>
               <a:t>‹N°›</a:t>
             </a:fld>
             <a:endParaRPr lang="fr-FR"/>
